--- a/Slide.pptx
+++ b/Slide.pptx
@@ -24,23 +24,28 @@
     <p:sldId id="269" r:id="rId19"/>
     <p:sldId id="270" r:id="rId20"/>
     <p:sldId id="271" r:id="rId21"/>
+    <p:sldId id="272" r:id="rId22"/>
+    <p:sldId id="273" r:id="rId23"/>
+    <p:sldId id="274" r:id="rId24"/>
+    <p:sldId id="275" r:id="rId25"/>
+    <p:sldId id="276" r:id="rId26"/>
   </p:sldIdLst>
   <p:sldSz cy="5143500" cx="9144000"/>
   <p:notesSz cx="6858000" cy="9144000"/>
   <p:embeddedFontLst>
     <p:embeddedFont>
       <p:font typeface="Montserrat"/>
-      <p:regular r:id="rId22"/>
-      <p:bold r:id="rId23"/>
-      <p:italic r:id="rId24"/>
-      <p:boldItalic r:id="rId25"/>
+      <p:regular r:id="rId27"/>
+      <p:bold r:id="rId28"/>
+      <p:italic r:id="rId29"/>
+      <p:boldItalic r:id="rId30"/>
     </p:embeddedFont>
     <p:embeddedFont>
       <p:font typeface="Lato"/>
-      <p:regular r:id="rId26"/>
-      <p:bold r:id="rId27"/>
-      <p:italic r:id="rId28"/>
-      <p:boldItalic r:id="rId29"/>
+      <p:regular r:id="rId31"/>
+      <p:bold r:id="rId32"/>
+      <p:italic r:id="rId33"/>
+      <p:boldItalic r:id="rId34"/>
     </p:embeddedFont>
   </p:embeddedFontLst>
   <p:defaultTextStyle>
@@ -821,7 +826,7 @@
   <p:cSld>
     <p:spTree>
       <p:nvGrpSpPr>
-        <p:cNvPr id="231" name="Shape 231"/>
+        <p:cNvPr id="221" name="Shape 221"/>
         <p:cNvGrpSpPr/>
         <p:nvPr/>
       </p:nvGrpSpPr>
@@ -835,7 +840,7 @@
       </p:grpSpPr>
       <p:sp>
         <p:nvSpPr>
-          <p:cNvPr id="232" name="Google Shape;232;g7c30d869e3_0_61:notes"/>
+          <p:cNvPr id="222" name="Google Shape;222;g6d52827e0a_0_7:notes"/>
           <p:cNvSpPr/>
           <p:nvPr>
             <p:ph idx="2" type="sldImg"/>
@@ -870,7 +875,7 @@
       </p:sp>
       <p:sp>
         <p:nvSpPr>
-          <p:cNvPr id="233" name="Google Shape;233;g7c30d869e3_0_61:notes"/>
+          <p:cNvPr id="223" name="Google Shape;223;g6d52827e0a_0_7:notes"/>
           <p:cNvSpPr txBox="1"/>
           <p:nvPr>
             <p:ph idx="1" type="body"/>
@@ -920,7 +925,7 @@
   <p:cSld>
     <p:spTree>
       <p:nvGrpSpPr>
-        <p:cNvPr id="256" name="Shape 256"/>
+        <p:cNvPr id="229" name="Shape 229"/>
         <p:cNvGrpSpPr/>
         <p:nvPr/>
       </p:nvGrpSpPr>
@@ -934,7 +939,7 @@
       </p:grpSpPr>
       <p:sp>
         <p:nvSpPr>
-          <p:cNvPr id="257" name="Google Shape;257;g7c30d869e3_0_100:notes"/>
+          <p:cNvPr id="230" name="Google Shape;230;g6d52827e0a_1_4:notes"/>
           <p:cNvSpPr/>
           <p:nvPr>
             <p:ph idx="2" type="sldImg"/>
@@ -969,7 +974,7 @@
       </p:sp>
       <p:sp>
         <p:nvSpPr>
-          <p:cNvPr id="258" name="Google Shape;258;g7c30d869e3_0_100:notes"/>
+          <p:cNvPr id="231" name="Google Shape;231;g6d52827e0a_1_4:notes"/>
           <p:cNvSpPr txBox="1"/>
           <p:nvPr>
             <p:ph idx="1" type="body"/>
@@ -1019,7 +1024,7 @@
   <p:cSld>
     <p:spTree>
       <p:nvGrpSpPr>
-        <p:cNvPr id="261" name="Shape 261"/>
+        <p:cNvPr id="243" name="Shape 243"/>
         <p:cNvGrpSpPr/>
         <p:nvPr/>
       </p:nvGrpSpPr>
@@ -1033,7 +1038,7 @@
       </p:grpSpPr>
       <p:sp>
         <p:nvSpPr>
-          <p:cNvPr id="262" name="Google Shape;262;g7c304bffb7_0_146:notes"/>
+          <p:cNvPr id="244" name="Google Shape;244;g7c30d869e3_0_37:notes"/>
           <p:cNvSpPr/>
           <p:nvPr>
             <p:ph idx="2" type="sldImg"/>
@@ -1068,7 +1073,7 @@
       </p:sp>
       <p:sp>
         <p:nvSpPr>
-          <p:cNvPr id="263" name="Google Shape;263;g7c304bffb7_0_146:notes"/>
+          <p:cNvPr id="245" name="Google Shape;245;g7c30d869e3_0_37:notes"/>
           <p:cNvSpPr txBox="1"/>
           <p:nvPr>
             <p:ph idx="1" type="body"/>
@@ -1118,7 +1123,7 @@
   <p:cSld>
     <p:spTree>
       <p:nvGrpSpPr>
-        <p:cNvPr id="267" name="Shape 267"/>
+        <p:cNvPr id="261" name="Shape 261"/>
         <p:cNvGrpSpPr/>
         <p:nvPr/>
       </p:nvGrpSpPr>
@@ -1132,7 +1137,7 @@
       </p:grpSpPr>
       <p:sp>
         <p:nvSpPr>
-          <p:cNvPr id="268" name="Google Shape;268;g7c304bffb7_0_164:notes"/>
+          <p:cNvPr id="262" name="Google Shape;262;g7c30d869e3_0_61:notes"/>
           <p:cNvSpPr/>
           <p:nvPr>
             <p:ph idx="2" type="sldImg"/>
@@ -1167,7 +1172,7 @@
       </p:sp>
       <p:sp>
         <p:nvSpPr>
-          <p:cNvPr id="269" name="Google Shape;269;g7c304bffb7_0_164:notes"/>
+          <p:cNvPr id="263" name="Google Shape;263;g7c30d869e3_0_61:notes"/>
           <p:cNvSpPr txBox="1"/>
           <p:nvPr>
             <p:ph idx="1" type="body"/>
@@ -1217,7 +1222,7 @@
   <p:cSld>
     <p:spTree>
       <p:nvGrpSpPr>
-        <p:cNvPr id="273" name="Shape 273"/>
+        <p:cNvPr id="288" name="Shape 288"/>
         <p:cNvGrpSpPr/>
         <p:nvPr/>
       </p:nvGrpSpPr>
@@ -1231,7 +1236,7 @@
       </p:grpSpPr>
       <p:sp>
         <p:nvSpPr>
-          <p:cNvPr id="274" name="Google Shape;274;g7c304bffb7_0_169:notes"/>
+          <p:cNvPr id="289" name="Google Shape;289;g7c30d869e3_0_100:notes"/>
           <p:cNvSpPr/>
           <p:nvPr>
             <p:ph idx="2" type="sldImg"/>
@@ -1266,7 +1271,7 @@
       </p:sp>
       <p:sp>
         <p:nvSpPr>
-          <p:cNvPr id="275" name="Google Shape;275;g7c304bffb7_0_169:notes"/>
+          <p:cNvPr id="290" name="Google Shape;290;g7c30d869e3_0_100:notes"/>
           <p:cNvSpPr txBox="1"/>
           <p:nvPr>
             <p:ph idx="1" type="body"/>
@@ -1316,7 +1321,7 @@
   <p:cSld>
     <p:spTree>
       <p:nvGrpSpPr>
-        <p:cNvPr id="279" name="Shape 279"/>
+        <p:cNvPr id="295" name="Shape 295"/>
         <p:cNvGrpSpPr/>
         <p:nvPr/>
       </p:nvGrpSpPr>
@@ -1330,7 +1335,7 @@
       </p:grpSpPr>
       <p:sp>
         <p:nvSpPr>
-          <p:cNvPr id="280" name="Google Shape;280;g7c304bffb7_0_151:notes"/>
+          <p:cNvPr id="296" name="Google Shape;296;g7c304bffb7_0_146:notes"/>
           <p:cNvSpPr/>
           <p:nvPr>
             <p:ph idx="2" type="sldImg"/>
@@ -1365,7 +1370,7 @@
       </p:sp>
       <p:sp>
         <p:nvSpPr>
-          <p:cNvPr id="281" name="Google Shape;281;g7c304bffb7_0_151:notes"/>
+          <p:cNvPr id="297" name="Google Shape;297;g7c304bffb7_0_146:notes"/>
           <p:cNvSpPr txBox="1"/>
           <p:nvPr>
             <p:ph idx="1" type="body"/>
@@ -1415,7 +1420,7 @@
   <p:cSld>
     <p:spTree>
       <p:nvGrpSpPr>
-        <p:cNvPr id="285" name="Shape 285"/>
+        <p:cNvPr id="320" name="Shape 320"/>
         <p:cNvGrpSpPr/>
         <p:nvPr/>
       </p:nvGrpSpPr>
@@ -1429,7 +1434,7 @@
       </p:grpSpPr>
       <p:sp>
         <p:nvSpPr>
-          <p:cNvPr id="286" name="Google Shape;286;g7c304bffb7_0_156:notes"/>
+          <p:cNvPr id="321" name="Google Shape;321;g7c304bffb7_0_164:notes"/>
           <p:cNvSpPr/>
           <p:nvPr>
             <p:ph idx="2" type="sldImg"/>
@@ -1464,7 +1469,304 @@
       </p:sp>
       <p:sp>
         <p:nvSpPr>
-          <p:cNvPr id="287" name="Google Shape;287;g7c304bffb7_0_156:notes"/>
+          <p:cNvPr id="322" name="Google Shape;322;g7c304bffb7_0_164:notes"/>
+          <p:cNvSpPr txBox="1"/>
+          <p:nvPr>
+            <p:ph idx="1" type="body"/>
+          </p:nvPr>
+        </p:nvSpPr>
+        <p:spPr>
+          <a:xfrm>
+            <a:off x="685800" y="4343400"/>
+            <a:ext cx="5486400" cy="4114800"/>
+          </a:xfrm>
+          <a:prstGeom prst="rect">
+            <a:avLst/>
+          </a:prstGeom>
+        </p:spPr>
+        <p:txBody>
+          <a:bodyPr anchorCtr="0" anchor="t" bIns="91425" lIns="91425" spcFirstLastPara="1" rIns="91425" wrap="square" tIns="91425">
+            <a:noAutofit/>
+          </a:bodyPr>
+          <a:lstStyle/>
+          <a:p>
+            <a:pPr indent="0" lvl="0" marL="0" rtl="0" algn="l">
+              <a:spcBef>
+                <a:spcPts val="0"/>
+              </a:spcBef>
+              <a:spcAft>
+                <a:spcPts val="0"/>
+              </a:spcAft>
+              <a:buNone/>
+            </a:pPr>
+            <a:r>
+              <a:t/>
+            </a:r>
+            <a:endParaRPr/>
+          </a:p>
+        </p:txBody>
+      </p:sp>
+    </p:spTree>
+  </p:cSld>
+  <p:clrMapOvr>
+    <a:masterClrMapping/>
+  </p:clrMapOvr>
+</p:notes>
+</file>
+
+<file path=ppt/notesSlides/notesSlide17.xml><?xml version="1.0" encoding="utf-8"?>
+<p:notes xmlns:a="http://schemas.openxmlformats.org/drawingml/2006/main" xmlns:r="http://schemas.openxmlformats.org/officeDocument/2006/relationships" xmlns:mc="http://schemas.openxmlformats.org/markup-compatibility/2006" xmlns:mv="urn:schemas-microsoft-com:mac:vml" xmlns:p="http://schemas.openxmlformats.org/presentationml/2006/main" xmlns:c="http://schemas.openxmlformats.org/drawingml/2006/chart" xmlns:dgm="http://schemas.openxmlformats.org/drawingml/2006/diagram" xmlns:o="urn:schemas-microsoft-com:office:office" xmlns:v="urn:schemas-microsoft-com:vml" xmlns:pvml="urn:schemas-microsoft-com:office:powerpoint" xmlns:com="http://schemas.openxmlformats.org/drawingml/2006/compatibility" xmlns:p14="http://schemas.microsoft.com/office/powerpoint/2010/main" xmlns:p15="http://schemas.microsoft.com/office/powerpoint/2012/main" showMasterPhAnim="0" showMasterSp="0">
+  <p:cSld>
+    <p:spTree>
+      <p:nvGrpSpPr>
+        <p:cNvPr id="331" name="Shape 331"/>
+        <p:cNvGrpSpPr/>
+        <p:nvPr/>
+      </p:nvGrpSpPr>
+      <p:grpSpPr>
+        <a:xfrm>
+          <a:off x="0" y="0"/>
+          <a:ext cx="0" cy="0"/>
+          <a:chOff x="0" y="0"/>
+          <a:chExt cx="0" cy="0"/>
+        </a:xfrm>
+      </p:grpSpPr>
+      <p:sp>
+        <p:nvSpPr>
+          <p:cNvPr id="332" name="Google Shape;332;g6d52827e0a_0_48:notes"/>
+          <p:cNvSpPr/>
+          <p:nvPr>
+            <p:ph idx="2" type="sldImg"/>
+          </p:nvPr>
+        </p:nvSpPr>
+        <p:spPr>
+          <a:xfrm>
+            <a:off x="381300" y="685800"/>
+            <a:ext cx="6096000" cy="3429000"/>
+          </a:xfrm>
+          <a:custGeom>
+            <a:rect b="b" l="l" r="r" t="t"/>
+            <a:pathLst>
+              <a:path extrusionOk="0" h="120000" w="120000">
+                <a:moveTo>
+                  <a:pt x="0" y="0"/>
+                </a:moveTo>
+                <a:lnTo>
+                  <a:pt x="120000" y="0"/>
+                </a:lnTo>
+                <a:lnTo>
+                  <a:pt x="120000" y="120000"/>
+                </a:lnTo>
+                <a:lnTo>
+                  <a:pt x="0" y="120000"/>
+                </a:lnTo>
+                <a:close/>
+              </a:path>
+            </a:pathLst>
+          </a:custGeom>
+        </p:spPr>
+      </p:sp>
+      <p:sp>
+        <p:nvSpPr>
+          <p:cNvPr id="333" name="Google Shape;333;g6d52827e0a_0_48:notes"/>
+          <p:cNvSpPr txBox="1"/>
+          <p:nvPr>
+            <p:ph idx="1" type="body"/>
+          </p:nvPr>
+        </p:nvSpPr>
+        <p:spPr>
+          <a:xfrm>
+            <a:off x="685800" y="4343400"/>
+            <a:ext cx="5486400" cy="4114800"/>
+          </a:xfrm>
+          <a:prstGeom prst="rect">
+            <a:avLst/>
+          </a:prstGeom>
+        </p:spPr>
+        <p:txBody>
+          <a:bodyPr anchorCtr="0" anchor="t" bIns="91425" lIns="91425" spcFirstLastPara="1" rIns="91425" wrap="square" tIns="91425">
+            <a:noAutofit/>
+          </a:bodyPr>
+          <a:lstStyle/>
+          <a:p>
+            <a:pPr indent="0" lvl="0" marL="0" rtl="0" algn="l">
+              <a:spcBef>
+                <a:spcPts val="0"/>
+              </a:spcBef>
+              <a:spcAft>
+                <a:spcPts val="0"/>
+              </a:spcAft>
+              <a:buNone/>
+            </a:pPr>
+            <a:r>
+              <a:t/>
+            </a:r>
+            <a:endParaRPr/>
+          </a:p>
+        </p:txBody>
+      </p:sp>
+    </p:spTree>
+  </p:cSld>
+  <p:clrMapOvr>
+    <a:masterClrMapping/>
+  </p:clrMapOvr>
+</p:notes>
+</file>
+
+<file path=ppt/notesSlides/notesSlide18.xml><?xml version="1.0" encoding="utf-8"?>
+<p:notes xmlns:a="http://schemas.openxmlformats.org/drawingml/2006/main" xmlns:r="http://schemas.openxmlformats.org/officeDocument/2006/relationships" xmlns:mc="http://schemas.openxmlformats.org/markup-compatibility/2006" xmlns:mv="urn:schemas-microsoft-com:mac:vml" xmlns:p="http://schemas.openxmlformats.org/presentationml/2006/main" xmlns:c="http://schemas.openxmlformats.org/drawingml/2006/chart" xmlns:dgm="http://schemas.openxmlformats.org/drawingml/2006/diagram" xmlns:o="urn:schemas-microsoft-com:office:office" xmlns:v="urn:schemas-microsoft-com:vml" xmlns:pvml="urn:schemas-microsoft-com:office:powerpoint" xmlns:com="http://schemas.openxmlformats.org/drawingml/2006/compatibility" xmlns:p14="http://schemas.microsoft.com/office/powerpoint/2010/main" xmlns:p15="http://schemas.microsoft.com/office/powerpoint/2012/main" showMasterPhAnim="0" showMasterSp="0">
+  <p:cSld>
+    <p:spTree>
+      <p:nvGrpSpPr>
+        <p:cNvPr id="342" name="Shape 342"/>
+        <p:cNvGrpSpPr/>
+        <p:nvPr/>
+      </p:nvGrpSpPr>
+      <p:grpSpPr>
+        <a:xfrm>
+          <a:off x="0" y="0"/>
+          <a:ext cx="0" cy="0"/>
+          <a:chOff x="0" y="0"/>
+          <a:chExt cx="0" cy="0"/>
+        </a:xfrm>
+      </p:grpSpPr>
+      <p:sp>
+        <p:nvSpPr>
+          <p:cNvPr id="343" name="Google Shape;343;g6d52827e0a_0_60:notes"/>
+          <p:cNvSpPr/>
+          <p:nvPr>
+            <p:ph idx="2" type="sldImg"/>
+          </p:nvPr>
+        </p:nvSpPr>
+        <p:spPr>
+          <a:xfrm>
+            <a:off x="381300" y="685800"/>
+            <a:ext cx="6096000" cy="3429000"/>
+          </a:xfrm>
+          <a:custGeom>
+            <a:rect b="b" l="l" r="r" t="t"/>
+            <a:pathLst>
+              <a:path extrusionOk="0" h="120000" w="120000">
+                <a:moveTo>
+                  <a:pt x="0" y="0"/>
+                </a:moveTo>
+                <a:lnTo>
+                  <a:pt x="120000" y="0"/>
+                </a:lnTo>
+                <a:lnTo>
+                  <a:pt x="120000" y="120000"/>
+                </a:lnTo>
+                <a:lnTo>
+                  <a:pt x="0" y="120000"/>
+                </a:lnTo>
+                <a:close/>
+              </a:path>
+            </a:pathLst>
+          </a:custGeom>
+        </p:spPr>
+      </p:sp>
+      <p:sp>
+        <p:nvSpPr>
+          <p:cNvPr id="344" name="Google Shape;344;g6d52827e0a_0_60:notes"/>
+          <p:cNvSpPr txBox="1"/>
+          <p:nvPr>
+            <p:ph idx="1" type="body"/>
+          </p:nvPr>
+        </p:nvSpPr>
+        <p:spPr>
+          <a:xfrm>
+            <a:off x="685800" y="4343400"/>
+            <a:ext cx="5486400" cy="4114800"/>
+          </a:xfrm>
+          <a:prstGeom prst="rect">
+            <a:avLst/>
+          </a:prstGeom>
+        </p:spPr>
+        <p:txBody>
+          <a:bodyPr anchorCtr="0" anchor="t" bIns="91425" lIns="91425" spcFirstLastPara="1" rIns="91425" wrap="square" tIns="91425">
+            <a:noAutofit/>
+          </a:bodyPr>
+          <a:lstStyle/>
+          <a:p>
+            <a:pPr indent="0" lvl="0" marL="0" rtl="0" algn="l">
+              <a:spcBef>
+                <a:spcPts val="0"/>
+              </a:spcBef>
+              <a:spcAft>
+                <a:spcPts val="0"/>
+              </a:spcAft>
+              <a:buNone/>
+            </a:pPr>
+            <a:r>
+              <a:t/>
+            </a:r>
+            <a:endParaRPr/>
+          </a:p>
+        </p:txBody>
+      </p:sp>
+    </p:spTree>
+  </p:cSld>
+  <p:clrMapOvr>
+    <a:masterClrMapping/>
+  </p:clrMapOvr>
+</p:notes>
+</file>
+
+<file path=ppt/notesSlides/notesSlide19.xml><?xml version="1.0" encoding="utf-8"?>
+<p:notes xmlns:a="http://schemas.openxmlformats.org/drawingml/2006/main" xmlns:r="http://schemas.openxmlformats.org/officeDocument/2006/relationships" xmlns:mc="http://schemas.openxmlformats.org/markup-compatibility/2006" xmlns:mv="urn:schemas-microsoft-com:mac:vml" xmlns:p="http://schemas.openxmlformats.org/presentationml/2006/main" xmlns:c="http://schemas.openxmlformats.org/drawingml/2006/chart" xmlns:dgm="http://schemas.openxmlformats.org/drawingml/2006/diagram" xmlns:o="urn:schemas-microsoft-com:office:office" xmlns:v="urn:schemas-microsoft-com:vml" xmlns:pvml="urn:schemas-microsoft-com:office:powerpoint" xmlns:com="http://schemas.openxmlformats.org/drawingml/2006/compatibility" xmlns:p14="http://schemas.microsoft.com/office/powerpoint/2010/main" xmlns:p15="http://schemas.microsoft.com/office/powerpoint/2012/main" showMasterPhAnim="0" showMasterSp="0">
+  <p:cSld>
+    <p:spTree>
+      <p:nvGrpSpPr>
+        <p:cNvPr id="353" name="Shape 353"/>
+        <p:cNvGrpSpPr/>
+        <p:nvPr/>
+      </p:nvGrpSpPr>
+      <p:grpSpPr>
+        <a:xfrm>
+          <a:off x="0" y="0"/>
+          <a:ext cx="0" cy="0"/>
+          <a:chOff x="0" y="0"/>
+          <a:chExt cx="0" cy="0"/>
+        </a:xfrm>
+      </p:grpSpPr>
+      <p:sp>
+        <p:nvSpPr>
+          <p:cNvPr id="354" name="Google Shape;354;g6d52827e0a_0_114:notes"/>
+          <p:cNvSpPr/>
+          <p:nvPr>
+            <p:ph idx="2" type="sldImg"/>
+          </p:nvPr>
+        </p:nvSpPr>
+        <p:spPr>
+          <a:xfrm>
+            <a:off x="381300" y="685800"/>
+            <a:ext cx="6096000" cy="3429000"/>
+          </a:xfrm>
+          <a:custGeom>
+            <a:rect b="b" l="l" r="r" t="t"/>
+            <a:pathLst>
+              <a:path extrusionOk="0" h="120000" w="120000">
+                <a:moveTo>
+                  <a:pt x="0" y="0"/>
+                </a:moveTo>
+                <a:lnTo>
+                  <a:pt x="120000" y="0"/>
+                </a:lnTo>
+                <a:lnTo>
+                  <a:pt x="120000" y="120000"/>
+                </a:lnTo>
+                <a:lnTo>
+                  <a:pt x="0" y="120000"/>
+                </a:lnTo>
+                <a:close/>
+              </a:path>
+            </a:pathLst>
+          </a:custGeom>
+        </p:spPr>
+      </p:sp>
+      <p:sp>
+        <p:nvSpPr>
+          <p:cNvPr id="355" name="Google Shape;355;g6d52827e0a_0_114:notes"/>
           <p:cNvSpPr txBox="1"/>
           <p:nvPr>
             <p:ph idx="1" type="body"/>
@@ -1608,6 +1910,204 @@
 </p:notes>
 </file>
 
+<file path=ppt/notesSlides/notesSlide20.xml><?xml version="1.0" encoding="utf-8"?>
+<p:notes xmlns:a="http://schemas.openxmlformats.org/drawingml/2006/main" xmlns:r="http://schemas.openxmlformats.org/officeDocument/2006/relationships" xmlns:mc="http://schemas.openxmlformats.org/markup-compatibility/2006" xmlns:mv="urn:schemas-microsoft-com:mac:vml" xmlns:p="http://schemas.openxmlformats.org/presentationml/2006/main" xmlns:c="http://schemas.openxmlformats.org/drawingml/2006/chart" xmlns:dgm="http://schemas.openxmlformats.org/drawingml/2006/diagram" xmlns:o="urn:schemas-microsoft-com:office:office" xmlns:v="urn:schemas-microsoft-com:vml" xmlns:pvml="urn:schemas-microsoft-com:office:powerpoint" xmlns:com="http://schemas.openxmlformats.org/drawingml/2006/compatibility" xmlns:p14="http://schemas.microsoft.com/office/powerpoint/2010/main" xmlns:p15="http://schemas.microsoft.com/office/powerpoint/2012/main" showMasterPhAnim="0" showMasterSp="0">
+  <p:cSld>
+    <p:spTree>
+      <p:nvGrpSpPr>
+        <p:cNvPr id="359" name="Shape 359"/>
+        <p:cNvGrpSpPr/>
+        <p:nvPr/>
+      </p:nvGrpSpPr>
+      <p:grpSpPr>
+        <a:xfrm>
+          <a:off x="0" y="0"/>
+          <a:ext cx="0" cy="0"/>
+          <a:chOff x="0" y="0"/>
+          <a:chExt cx="0" cy="0"/>
+        </a:xfrm>
+      </p:grpSpPr>
+      <p:sp>
+        <p:nvSpPr>
+          <p:cNvPr id="360" name="Google Shape;360;g7c304bffb7_0_151:notes"/>
+          <p:cNvSpPr/>
+          <p:nvPr>
+            <p:ph idx="2" type="sldImg"/>
+          </p:nvPr>
+        </p:nvSpPr>
+        <p:spPr>
+          <a:xfrm>
+            <a:off x="381300" y="685800"/>
+            <a:ext cx="6096000" cy="3429000"/>
+          </a:xfrm>
+          <a:custGeom>
+            <a:rect b="b" l="l" r="r" t="t"/>
+            <a:pathLst>
+              <a:path extrusionOk="0" h="120000" w="120000">
+                <a:moveTo>
+                  <a:pt x="0" y="0"/>
+                </a:moveTo>
+                <a:lnTo>
+                  <a:pt x="120000" y="0"/>
+                </a:lnTo>
+                <a:lnTo>
+                  <a:pt x="120000" y="120000"/>
+                </a:lnTo>
+                <a:lnTo>
+                  <a:pt x="0" y="120000"/>
+                </a:lnTo>
+                <a:close/>
+              </a:path>
+            </a:pathLst>
+          </a:custGeom>
+        </p:spPr>
+      </p:sp>
+      <p:sp>
+        <p:nvSpPr>
+          <p:cNvPr id="361" name="Google Shape;361;g7c304bffb7_0_151:notes"/>
+          <p:cNvSpPr txBox="1"/>
+          <p:nvPr>
+            <p:ph idx="1" type="body"/>
+          </p:nvPr>
+        </p:nvSpPr>
+        <p:spPr>
+          <a:xfrm>
+            <a:off x="685800" y="4343400"/>
+            <a:ext cx="5486400" cy="4114800"/>
+          </a:xfrm>
+          <a:prstGeom prst="rect">
+            <a:avLst/>
+          </a:prstGeom>
+        </p:spPr>
+        <p:txBody>
+          <a:bodyPr anchorCtr="0" anchor="t" bIns="91425" lIns="91425" spcFirstLastPara="1" rIns="91425" wrap="square" tIns="91425">
+            <a:noAutofit/>
+          </a:bodyPr>
+          <a:lstStyle/>
+          <a:p>
+            <a:pPr indent="0" lvl="0" marL="0" rtl="0" algn="l">
+              <a:spcBef>
+                <a:spcPts val="0"/>
+              </a:spcBef>
+              <a:spcAft>
+                <a:spcPts val="0"/>
+              </a:spcAft>
+              <a:buNone/>
+            </a:pPr>
+            <a:r>
+              <a:t/>
+            </a:r>
+            <a:endParaRPr/>
+          </a:p>
+        </p:txBody>
+      </p:sp>
+    </p:spTree>
+  </p:cSld>
+  <p:clrMapOvr>
+    <a:masterClrMapping/>
+  </p:clrMapOvr>
+</p:notes>
+</file>
+
+<file path=ppt/notesSlides/notesSlide21.xml><?xml version="1.0" encoding="utf-8"?>
+<p:notes xmlns:a="http://schemas.openxmlformats.org/drawingml/2006/main" xmlns:r="http://schemas.openxmlformats.org/officeDocument/2006/relationships" xmlns:mc="http://schemas.openxmlformats.org/markup-compatibility/2006" xmlns:mv="urn:schemas-microsoft-com:mac:vml" xmlns:p="http://schemas.openxmlformats.org/presentationml/2006/main" xmlns:c="http://schemas.openxmlformats.org/drawingml/2006/chart" xmlns:dgm="http://schemas.openxmlformats.org/drawingml/2006/diagram" xmlns:o="urn:schemas-microsoft-com:office:office" xmlns:v="urn:schemas-microsoft-com:vml" xmlns:pvml="urn:schemas-microsoft-com:office:powerpoint" xmlns:com="http://schemas.openxmlformats.org/drawingml/2006/compatibility" xmlns:p14="http://schemas.microsoft.com/office/powerpoint/2010/main" xmlns:p15="http://schemas.microsoft.com/office/powerpoint/2012/main" showMasterPhAnim="0" showMasterSp="0">
+  <p:cSld>
+    <p:spTree>
+      <p:nvGrpSpPr>
+        <p:cNvPr id="375" name="Shape 375"/>
+        <p:cNvGrpSpPr/>
+        <p:nvPr/>
+      </p:nvGrpSpPr>
+      <p:grpSpPr>
+        <a:xfrm>
+          <a:off x="0" y="0"/>
+          <a:ext cx="0" cy="0"/>
+          <a:chOff x="0" y="0"/>
+          <a:chExt cx="0" cy="0"/>
+        </a:xfrm>
+      </p:grpSpPr>
+      <p:sp>
+        <p:nvSpPr>
+          <p:cNvPr id="376" name="Google Shape;376;g7c304bffb7_0_156:notes"/>
+          <p:cNvSpPr/>
+          <p:nvPr>
+            <p:ph idx="2" type="sldImg"/>
+          </p:nvPr>
+        </p:nvSpPr>
+        <p:spPr>
+          <a:xfrm>
+            <a:off x="381300" y="685800"/>
+            <a:ext cx="6096000" cy="3429000"/>
+          </a:xfrm>
+          <a:custGeom>
+            <a:rect b="b" l="l" r="r" t="t"/>
+            <a:pathLst>
+              <a:path extrusionOk="0" h="120000" w="120000">
+                <a:moveTo>
+                  <a:pt x="0" y="0"/>
+                </a:moveTo>
+                <a:lnTo>
+                  <a:pt x="120000" y="0"/>
+                </a:lnTo>
+                <a:lnTo>
+                  <a:pt x="120000" y="120000"/>
+                </a:lnTo>
+                <a:lnTo>
+                  <a:pt x="0" y="120000"/>
+                </a:lnTo>
+                <a:close/>
+              </a:path>
+            </a:pathLst>
+          </a:custGeom>
+        </p:spPr>
+      </p:sp>
+      <p:sp>
+        <p:nvSpPr>
+          <p:cNvPr id="377" name="Google Shape;377;g7c304bffb7_0_156:notes"/>
+          <p:cNvSpPr txBox="1"/>
+          <p:nvPr>
+            <p:ph idx="1" type="body"/>
+          </p:nvPr>
+        </p:nvSpPr>
+        <p:spPr>
+          <a:xfrm>
+            <a:off x="685800" y="4343400"/>
+            <a:ext cx="5486400" cy="4114800"/>
+          </a:xfrm>
+          <a:prstGeom prst="rect">
+            <a:avLst/>
+          </a:prstGeom>
+        </p:spPr>
+        <p:txBody>
+          <a:bodyPr anchorCtr="0" anchor="t" bIns="91425" lIns="91425" spcFirstLastPara="1" rIns="91425" wrap="square" tIns="91425">
+            <a:noAutofit/>
+          </a:bodyPr>
+          <a:lstStyle/>
+          <a:p>
+            <a:pPr indent="0" lvl="0" marL="0" rtl="0" algn="l">
+              <a:spcBef>
+                <a:spcPts val="0"/>
+              </a:spcBef>
+              <a:spcAft>
+                <a:spcPts val="0"/>
+              </a:spcAft>
+              <a:buNone/>
+            </a:pPr>
+            <a:r>
+              <a:t/>
+            </a:r>
+            <a:endParaRPr/>
+          </a:p>
+        </p:txBody>
+      </p:sp>
+    </p:spTree>
+  </p:cSld>
+  <p:clrMapOvr>
+    <a:masterClrMapping/>
+  </p:clrMapOvr>
+</p:notes>
+</file>
+
 <file path=ppt/notesSlides/notesSlide3.xml><?xml version="1.0" encoding="utf-8"?>
 <p:notes xmlns:a="http://schemas.openxmlformats.org/drawingml/2006/main" xmlns:r="http://schemas.openxmlformats.org/officeDocument/2006/relationships" xmlns:mc="http://schemas.openxmlformats.org/markup-compatibility/2006" xmlns:mv="urn:schemas-microsoft-com:mac:vml" xmlns:p="http://schemas.openxmlformats.org/presentationml/2006/main" xmlns:c="http://schemas.openxmlformats.org/drawingml/2006/chart" xmlns:dgm="http://schemas.openxmlformats.org/drawingml/2006/diagram" xmlns:o="urn:schemas-microsoft-com:office:office" xmlns:v="urn:schemas-microsoft-com:vml" xmlns:pvml="urn:schemas-microsoft-com:office:powerpoint" xmlns:com="http://schemas.openxmlformats.org/drawingml/2006/compatibility" xmlns:p14="http://schemas.microsoft.com/office/powerpoint/2010/main" xmlns:p15="http://schemas.microsoft.com/office/powerpoint/2012/main" showMasterPhAnim="0" showMasterSp="0">
   <p:cSld>
@@ -2122,7 +2622,7 @@
       </p:grpSpPr>
       <p:sp>
         <p:nvSpPr>
-          <p:cNvPr id="208" name="Google Shape;208;g7c30d869e3_0_37:notes"/>
+          <p:cNvPr id="208" name="Google Shape;208;g7c30d869e3_0_147:notes"/>
           <p:cNvSpPr/>
           <p:nvPr>
             <p:ph idx="2" type="sldImg"/>
@@ -2157,7 +2657,7 @@
       </p:sp>
       <p:sp>
         <p:nvSpPr>
-          <p:cNvPr id="209" name="Google Shape;209;g7c30d869e3_0_37:notes"/>
+          <p:cNvPr id="209" name="Google Shape;209;g7c30d869e3_0_147:notes"/>
           <p:cNvSpPr txBox="1"/>
           <p:nvPr>
             <p:ph idx="1" type="body"/>
@@ -2207,7 +2707,7 @@
   <p:cSld>
     <p:spTree>
       <p:nvGrpSpPr>
-        <p:cNvPr id="225" name="Shape 225"/>
+        <p:cNvPr id="214" name="Shape 214"/>
         <p:cNvGrpSpPr/>
         <p:nvPr/>
       </p:nvGrpSpPr>
@@ -2221,7 +2721,7 @@
       </p:grpSpPr>
       <p:sp>
         <p:nvSpPr>
-          <p:cNvPr id="226" name="Google Shape;226;g7c30d869e3_0_147:notes"/>
+          <p:cNvPr id="215" name="Google Shape;215;g6d52827e0a_0_0:notes"/>
           <p:cNvSpPr/>
           <p:nvPr>
             <p:ph idx="2" type="sldImg"/>
@@ -2256,7 +2756,7 @@
       </p:sp>
       <p:sp>
         <p:nvSpPr>
-          <p:cNvPr id="227" name="Google Shape;227;g7c30d869e3_0_147:notes"/>
+          <p:cNvPr id="216" name="Google Shape;216;g6d52827e0a_0_0:notes"/>
           <p:cNvSpPr txBox="1"/>
           <p:nvPr>
             <p:ph idx="1" type="body"/>
@@ -10777,7 +11277,7 @@
   <p:cSld>
     <p:spTree>
       <p:nvGrpSpPr>
-        <p:cNvPr id="234" name="Shape 234"/>
+        <p:cNvPr id="224" name="Shape 224"/>
         <p:cNvGrpSpPr/>
         <p:nvPr/>
       </p:nvGrpSpPr>
@@ -10791,7 +11291,7 @@
       </p:grpSpPr>
       <p:sp>
         <p:nvSpPr>
-          <p:cNvPr id="235" name="Google Shape;235;p22"/>
+          <p:cNvPr id="225" name="Google Shape;225;p22"/>
           <p:cNvSpPr txBox="1"/>
           <p:nvPr>
             <p:ph type="title"/>
@@ -10839,7 +11339,7 @@
             </a:pPr>
             <a:r>
               <a:rPr lang="vi" sz="1800"/>
-              <a:t>Preprocessing data</a:t>
+              <a:t>Data Observation</a:t>
             </a:r>
             <a:endParaRPr sz="1800"/>
           </a:p>
@@ -10847,7 +11347,7 @@
       </p:sp>
       <p:sp>
         <p:nvSpPr>
-          <p:cNvPr id="236" name="Google Shape;236;p22"/>
+          <p:cNvPr id="226" name="Google Shape;226;p22"/>
           <p:cNvSpPr txBox="1"/>
           <p:nvPr>
             <p:ph idx="1" type="body"/>
@@ -10855,8 +11355,8 @@
         </p:nvSpPr>
         <p:spPr>
           <a:xfrm>
-            <a:off x="1297500" y="1567550"/>
-            <a:ext cx="7038900" cy="2911200"/>
+            <a:off x="1509925" y="4275875"/>
+            <a:ext cx="7563300" cy="351900"/>
           </a:xfrm>
           <a:prstGeom prst="rect">
             <a:avLst/>
@@ -10868,975 +11368,91 @@
           </a:bodyPr>
           <a:lstStyle/>
           <a:p>
-            <a:pPr indent="0" lvl="0" marL="0" rtl="0" algn="l">
-              <a:spcBef>
-                <a:spcPts val="0"/>
-              </a:spcBef>
-              <a:spcAft>
-                <a:spcPts val="1600"/>
-              </a:spcAft>
-              <a:buNone/>
-            </a:pPr>
-            <a:r>
-              <a:t/>
-            </a:r>
-            <a:endParaRPr/>
-          </a:p>
-        </p:txBody>
-      </p:sp>
-      <p:sp>
-        <p:nvSpPr>
-          <p:cNvPr id="237" name="Google Shape;237;p22"/>
-          <p:cNvSpPr txBox="1"/>
-          <p:nvPr/>
-        </p:nvSpPr>
-        <p:spPr>
-          <a:xfrm>
-            <a:off x="1361150" y="2473600"/>
-            <a:ext cx="1151700" cy="418800"/>
-          </a:xfrm>
-          <a:prstGeom prst="rect">
-            <a:avLst/>
-          </a:prstGeom>
-          <a:solidFill>
-            <a:srgbClr val="FFFFFF"/>
-          </a:solidFill>
-          <a:ln>
-            <a:noFill/>
-          </a:ln>
-        </p:spPr>
-        <p:txBody>
-          <a:bodyPr anchorCtr="0" anchor="ctr" bIns="91425" lIns="91425" spcFirstLastPara="1" rIns="91425" wrap="square" tIns="91425">
-            <a:noAutofit/>
-          </a:bodyPr>
-          <a:lstStyle/>
-          <a:p>
-            <a:pPr indent="0" lvl="0" marL="0" rtl="0" algn="ctr">
-              <a:spcBef>
-                <a:spcPts val="0"/>
-              </a:spcBef>
-              <a:spcAft>
-                <a:spcPts val="0"/>
-              </a:spcAft>
-              <a:buNone/>
+            <a:pPr indent="-311150" lvl="0" marL="457200" rtl="0" algn="l">
+              <a:spcBef>
+                <a:spcPts val="0"/>
+              </a:spcBef>
+              <a:spcAft>
+                <a:spcPts val="0"/>
+              </a:spcAft>
+              <a:buSzPts val="1300"/>
+              <a:buFont typeface="Montserrat"/>
+              <a:buChar char="-"/>
             </a:pPr>
             <a:r>
               <a:rPr lang="vi">
-                <a:latin typeface="Lato"/>
-                <a:ea typeface="Lato"/>
-                <a:cs typeface="Lato"/>
-                <a:sym typeface="Lato"/>
+                <a:latin typeface="Montserrat"/>
+                <a:ea typeface="Montserrat"/>
+                <a:cs typeface="Montserrat"/>
+                <a:sym typeface="Montserrat"/>
               </a:rPr>
-              <a:t>Normalize</a:t>
+              <a:t>Biểu đồ số lượng emoij positive/negative trong một câu ở các nhãn</a:t>
             </a:r>
             <a:endParaRPr>
-              <a:latin typeface="Lato"/>
-              <a:ea typeface="Lato"/>
-              <a:cs typeface="Lato"/>
-              <a:sym typeface="Lato"/>
+              <a:latin typeface="Montserrat"/>
+              <a:ea typeface="Montserrat"/>
+              <a:cs typeface="Montserrat"/>
+              <a:sym typeface="Montserrat"/>
             </a:endParaRPr>
           </a:p>
         </p:txBody>
       </p:sp>
-      <p:sp>
-        <p:nvSpPr>
-          <p:cNvPr id="238" name="Google Shape;238;p22"/>
-          <p:cNvSpPr txBox="1"/>
+      <p:pic>
+        <p:nvPicPr>
+          <p:cNvPr id="227" name="Google Shape;227;p22"/>
+          <p:cNvPicPr preferRelativeResize="0"/>
           <p:nvPr/>
-        </p:nvSpPr>
-        <p:spPr>
-          <a:xfrm>
-            <a:off x="2755325" y="2473600"/>
-            <a:ext cx="1151700" cy="418800"/>
+        </p:nvPicPr>
+        <p:blipFill>
+          <a:blip r:embed="rId3">
+            <a:alphaModFix/>
+          </a:blip>
+          <a:stretch>
+            <a:fillRect/>
+          </a:stretch>
+        </p:blipFill>
+        <p:spPr>
+          <a:xfrm>
+            <a:off x="1756625" y="1180325"/>
+            <a:ext cx="5630750" cy="1482996"/>
           </a:xfrm>
           <a:prstGeom prst="rect">
             <a:avLst/>
           </a:prstGeom>
-          <a:solidFill>
-            <a:srgbClr val="FFFFFF"/>
-          </a:solidFill>
+          <a:noFill/>
           <a:ln>
             <a:noFill/>
           </a:ln>
         </p:spPr>
-        <p:txBody>
-          <a:bodyPr anchorCtr="0" anchor="ctr" bIns="91425" lIns="91425" spcFirstLastPara="1" rIns="91425" wrap="square" tIns="91425">
-            <a:noAutofit/>
-          </a:bodyPr>
-          <a:lstStyle/>
-          <a:p>
-            <a:pPr indent="0" lvl="0" marL="0" rtl="0" algn="ctr">
-              <a:spcBef>
-                <a:spcPts val="0"/>
-              </a:spcBef>
-              <a:spcAft>
-                <a:spcPts val="0"/>
-              </a:spcAft>
-              <a:buNone/>
-            </a:pPr>
-            <a:r>
-              <a:rPr lang="vi">
-                <a:latin typeface="Lato"/>
-                <a:ea typeface="Lato"/>
-                <a:cs typeface="Lato"/>
-                <a:sym typeface="Lato"/>
-              </a:rPr>
-              <a:t>Translate unknown</a:t>
-            </a:r>
-            <a:endParaRPr>
-              <a:latin typeface="Lato"/>
-              <a:ea typeface="Lato"/>
-              <a:cs typeface="Lato"/>
-              <a:sym typeface="Lato"/>
-            </a:endParaRPr>
-          </a:p>
-        </p:txBody>
-      </p:sp>
-      <p:sp>
-        <p:nvSpPr>
-          <p:cNvPr id="239" name="Google Shape;239;p22"/>
-          <p:cNvSpPr txBox="1"/>
+      </p:pic>
+      <p:pic>
+        <p:nvPicPr>
+          <p:cNvPr id="228" name="Google Shape;228;p22"/>
+          <p:cNvPicPr preferRelativeResize="0"/>
           <p:nvPr/>
-        </p:nvSpPr>
-        <p:spPr>
-          <a:xfrm>
-            <a:off x="4149500" y="2473600"/>
-            <a:ext cx="1151700" cy="418800"/>
+        </p:nvPicPr>
+        <p:blipFill>
+          <a:blip r:embed="rId4">
+            <a:alphaModFix/>
+          </a:blip>
+          <a:stretch>
+            <a:fillRect/>
+          </a:stretch>
+        </p:blipFill>
+        <p:spPr>
+          <a:xfrm>
+            <a:off x="1756625" y="2782854"/>
+            <a:ext cx="5630749" cy="1432321"/>
           </a:xfrm>
           <a:prstGeom prst="rect">
             <a:avLst/>
           </a:prstGeom>
-          <a:solidFill>
-            <a:srgbClr val="FFFFFF"/>
-          </a:solidFill>
+          <a:noFill/>
           <a:ln>
             <a:noFill/>
           </a:ln>
         </p:spPr>
-        <p:txBody>
-          <a:bodyPr anchorCtr="0" anchor="ctr" bIns="91425" lIns="91425" spcFirstLastPara="1" rIns="91425" wrap="square" tIns="91425">
-            <a:noAutofit/>
-          </a:bodyPr>
-          <a:lstStyle/>
-          <a:p>
-            <a:pPr indent="0" lvl="0" marL="0" rtl="0" algn="ctr">
-              <a:spcBef>
-                <a:spcPts val="0"/>
-              </a:spcBef>
-              <a:spcAft>
-                <a:spcPts val="0"/>
-              </a:spcAft>
-              <a:buNone/>
-            </a:pPr>
-            <a:r>
-              <a:rPr lang="vi">
-                <a:latin typeface="Lato"/>
-                <a:ea typeface="Lato"/>
-                <a:cs typeface="Lato"/>
-                <a:sym typeface="Lato"/>
-              </a:rPr>
-              <a:t>Normalize</a:t>
-            </a:r>
-            <a:endParaRPr>
-              <a:latin typeface="Lato"/>
-              <a:ea typeface="Lato"/>
-              <a:cs typeface="Lato"/>
-              <a:sym typeface="Lato"/>
-            </a:endParaRPr>
-          </a:p>
-        </p:txBody>
-      </p:sp>
-      <p:sp>
-        <p:nvSpPr>
-          <p:cNvPr id="240" name="Google Shape;240;p22"/>
-          <p:cNvSpPr txBox="1"/>
-          <p:nvPr/>
-        </p:nvSpPr>
-        <p:spPr>
-          <a:xfrm>
-            <a:off x="5479800" y="2473600"/>
-            <a:ext cx="1151700" cy="418800"/>
-          </a:xfrm>
-          <a:prstGeom prst="rect">
-            <a:avLst/>
-          </a:prstGeom>
-          <a:solidFill>
-            <a:srgbClr val="FFFFFF"/>
-          </a:solidFill>
-          <a:ln>
-            <a:noFill/>
-          </a:ln>
-        </p:spPr>
-        <p:txBody>
-          <a:bodyPr anchorCtr="0" anchor="ctr" bIns="91425" lIns="91425" spcFirstLastPara="1" rIns="91425" wrap="square" tIns="91425">
-            <a:noAutofit/>
-          </a:bodyPr>
-          <a:lstStyle/>
-          <a:p>
-            <a:pPr indent="0" lvl="0" marL="0" rtl="0" algn="ctr">
-              <a:spcBef>
-                <a:spcPts val="0"/>
-              </a:spcBef>
-              <a:spcAft>
-                <a:spcPts val="0"/>
-              </a:spcAft>
-              <a:buNone/>
-            </a:pPr>
-            <a:r>
-              <a:rPr lang="vi">
-                <a:latin typeface="Lato"/>
-                <a:ea typeface="Lato"/>
-                <a:cs typeface="Lato"/>
-                <a:sym typeface="Lato"/>
-              </a:rPr>
-              <a:t>Remove space</a:t>
-            </a:r>
-            <a:endParaRPr>
-              <a:latin typeface="Lato"/>
-              <a:ea typeface="Lato"/>
-              <a:cs typeface="Lato"/>
-              <a:sym typeface="Lato"/>
-            </a:endParaRPr>
-          </a:p>
-        </p:txBody>
-      </p:sp>
-      <p:sp>
-        <p:nvSpPr>
-          <p:cNvPr id="241" name="Google Shape;241;p22"/>
-          <p:cNvSpPr txBox="1"/>
-          <p:nvPr/>
-        </p:nvSpPr>
-        <p:spPr>
-          <a:xfrm>
-            <a:off x="6810100" y="2473600"/>
-            <a:ext cx="1151700" cy="418800"/>
-          </a:xfrm>
-          <a:prstGeom prst="rect">
-            <a:avLst/>
-          </a:prstGeom>
-          <a:solidFill>
-            <a:srgbClr val="FFFFFF"/>
-          </a:solidFill>
-          <a:ln>
-            <a:noFill/>
-          </a:ln>
-        </p:spPr>
-        <p:txBody>
-          <a:bodyPr anchorCtr="0" anchor="ctr" bIns="91425" lIns="91425" spcFirstLastPara="1" rIns="91425" wrap="square" tIns="91425">
-            <a:noAutofit/>
-          </a:bodyPr>
-          <a:lstStyle/>
-          <a:p>
-            <a:pPr indent="0" lvl="0" marL="0" rtl="0" algn="ctr">
-              <a:spcBef>
-                <a:spcPts val="0"/>
-              </a:spcBef>
-              <a:spcAft>
-                <a:spcPts val="0"/>
-              </a:spcAft>
-              <a:buNone/>
-            </a:pPr>
-            <a:r>
-              <a:rPr lang="vi">
-                <a:latin typeface="Lato"/>
-                <a:ea typeface="Lato"/>
-                <a:cs typeface="Lato"/>
-                <a:sym typeface="Lato"/>
-              </a:rPr>
-              <a:t>Remove stop word</a:t>
-            </a:r>
-            <a:endParaRPr>
-              <a:latin typeface="Lato"/>
-              <a:ea typeface="Lato"/>
-              <a:cs typeface="Lato"/>
-              <a:sym typeface="Lato"/>
-            </a:endParaRPr>
-          </a:p>
-        </p:txBody>
-      </p:sp>
-      <p:cxnSp>
-        <p:nvCxnSpPr>
-          <p:cNvPr id="242" name="Google Shape;242;p22"/>
-          <p:cNvCxnSpPr>
-            <a:stCxn id="237" idx="3"/>
-            <a:endCxn id="238" idx="1"/>
-          </p:cNvCxnSpPr>
-          <p:nvPr/>
-        </p:nvCxnSpPr>
-        <p:spPr>
-          <a:xfrm>
-            <a:off x="2512850" y="2683000"/>
-            <a:ext cx="242400" cy="0"/>
-          </a:xfrm>
-          <a:prstGeom prst="straightConnector1">
-            <a:avLst/>
-          </a:prstGeom>
-          <a:noFill/>
-          <a:ln cap="flat" cmpd="sng" w="9525">
-            <a:solidFill>
-              <a:schemeClr val="dk2"/>
-            </a:solidFill>
-            <a:prstDash val="solid"/>
-            <a:round/>
-            <a:headEnd len="med" w="med" type="none"/>
-            <a:tailEnd len="med" w="med" type="triangle"/>
-          </a:ln>
-        </p:spPr>
-      </p:cxnSp>
-      <p:cxnSp>
-        <p:nvCxnSpPr>
-          <p:cNvPr id="243" name="Google Shape;243;p22"/>
-          <p:cNvCxnSpPr>
-            <a:endCxn id="239" idx="1"/>
-          </p:cNvCxnSpPr>
-          <p:nvPr/>
-        </p:nvCxnSpPr>
-        <p:spPr>
-          <a:xfrm>
-            <a:off x="3907100" y="2683000"/>
-            <a:ext cx="242400" cy="0"/>
-          </a:xfrm>
-          <a:prstGeom prst="straightConnector1">
-            <a:avLst/>
-          </a:prstGeom>
-          <a:noFill/>
-          <a:ln cap="flat" cmpd="sng" w="9525">
-            <a:solidFill>
-              <a:schemeClr val="dk2"/>
-            </a:solidFill>
-            <a:prstDash val="solid"/>
-            <a:round/>
-            <a:headEnd len="med" w="med" type="none"/>
-            <a:tailEnd len="med" w="med" type="triangle"/>
-          </a:ln>
-        </p:spPr>
-      </p:cxnSp>
-      <p:cxnSp>
-        <p:nvCxnSpPr>
-          <p:cNvPr id="244" name="Google Shape;244;p22"/>
-          <p:cNvCxnSpPr>
-            <a:stCxn id="239" idx="3"/>
-            <a:endCxn id="240" idx="1"/>
-          </p:cNvCxnSpPr>
-          <p:nvPr/>
-        </p:nvCxnSpPr>
-        <p:spPr>
-          <a:xfrm>
-            <a:off x="5301200" y="2683000"/>
-            <a:ext cx="178500" cy="0"/>
-          </a:xfrm>
-          <a:prstGeom prst="straightConnector1">
-            <a:avLst/>
-          </a:prstGeom>
-          <a:noFill/>
-          <a:ln cap="flat" cmpd="sng" w="9525">
-            <a:solidFill>
-              <a:schemeClr val="dk2"/>
-            </a:solidFill>
-            <a:prstDash val="solid"/>
-            <a:round/>
-            <a:headEnd len="med" w="med" type="none"/>
-            <a:tailEnd len="med" w="med" type="triangle"/>
-          </a:ln>
-        </p:spPr>
-      </p:cxnSp>
-      <p:cxnSp>
-        <p:nvCxnSpPr>
-          <p:cNvPr id="245" name="Google Shape;245;p22"/>
-          <p:cNvCxnSpPr>
-            <a:stCxn id="240" idx="3"/>
-            <a:endCxn id="241" idx="1"/>
-          </p:cNvCxnSpPr>
-          <p:nvPr/>
-        </p:nvCxnSpPr>
-        <p:spPr>
-          <a:xfrm>
-            <a:off x="6631500" y="2683000"/>
-            <a:ext cx="178500" cy="0"/>
-          </a:xfrm>
-          <a:prstGeom prst="straightConnector1">
-            <a:avLst/>
-          </a:prstGeom>
-          <a:noFill/>
-          <a:ln cap="flat" cmpd="sng" w="9525">
-            <a:solidFill>
-              <a:schemeClr val="dk2"/>
-            </a:solidFill>
-            <a:prstDash val="solid"/>
-            <a:round/>
-            <a:headEnd len="med" w="med" type="none"/>
-            <a:tailEnd len="med" w="med" type="triangle"/>
-          </a:ln>
-        </p:spPr>
-      </p:cxnSp>
-      <p:sp>
-        <p:nvSpPr>
-          <p:cNvPr id="246" name="Google Shape;246;p22"/>
-          <p:cNvSpPr/>
-          <p:nvPr/>
-        </p:nvSpPr>
-        <p:spPr>
-          <a:xfrm>
-            <a:off x="251575" y="2473600"/>
-            <a:ext cx="909000" cy="418800"/>
-          </a:xfrm>
-          <a:prstGeom prst="foldedCorner">
-            <a:avLst>
-              <a:gd fmla="val 16667" name="adj"/>
-            </a:avLst>
-          </a:prstGeom>
-          <a:solidFill>
-            <a:srgbClr val="FFFFFF"/>
-          </a:solidFill>
-          <a:ln cap="flat" cmpd="sng" w="9525">
-            <a:solidFill>
-              <a:schemeClr val="dk2"/>
-            </a:solidFill>
-            <a:prstDash val="solid"/>
-            <a:round/>
-            <a:headEnd len="sm" w="sm" type="none"/>
-            <a:tailEnd len="sm" w="sm" type="none"/>
-          </a:ln>
-        </p:spPr>
-        <p:txBody>
-          <a:bodyPr anchorCtr="0" anchor="ctr" bIns="91425" lIns="91425" spcFirstLastPara="1" rIns="91425" wrap="square" tIns="91425">
-            <a:noAutofit/>
-          </a:bodyPr>
-          <a:lstStyle/>
-          <a:p>
-            <a:pPr indent="0" lvl="0" marL="0" rtl="0" algn="ctr">
-              <a:spcBef>
-                <a:spcPts val="0"/>
-              </a:spcBef>
-              <a:spcAft>
-                <a:spcPts val="0"/>
-              </a:spcAft>
-              <a:buNone/>
-            </a:pPr>
-            <a:r>
-              <a:rPr lang="vi" sz="1200"/>
-              <a:t>INPUT</a:t>
-            </a:r>
-            <a:endParaRPr sz="1200"/>
-          </a:p>
-        </p:txBody>
-      </p:sp>
-      <p:sp>
-        <p:nvSpPr>
-          <p:cNvPr id="247" name="Google Shape;247;p22"/>
-          <p:cNvSpPr/>
-          <p:nvPr/>
-        </p:nvSpPr>
-        <p:spPr>
-          <a:xfrm>
-            <a:off x="8095524" y="2473600"/>
-            <a:ext cx="909000" cy="418800"/>
-          </a:xfrm>
-          <a:prstGeom prst="foldedCorner">
-            <a:avLst>
-              <a:gd fmla="val 16667" name="adj"/>
-            </a:avLst>
-          </a:prstGeom>
-          <a:solidFill>
-            <a:srgbClr val="FFFFFF"/>
-          </a:solidFill>
-          <a:ln cap="flat" cmpd="sng" w="9525">
-            <a:solidFill>
-              <a:schemeClr val="dk2"/>
-            </a:solidFill>
-            <a:prstDash val="solid"/>
-            <a:round/>
-            <a:headEnd len="sm" w="sm" type="none"/>
-            <a:tailEnd len="sm" w="sm" type="none"/>
-          </a:ln>
-        </p:spPr>
-        <p:txBody>
-          <a:bodyPr anchorCtr="0" anchor="ctr" bIns="91425" lIns="91425" spcFirstLastPara="1" rIns="91425" wrap="square" tIns="91425">
-            <a:noAutofit/>
-          </a:bodyPr>
-          <a:lstStyle/>
-          <a:p>
-            <a:pPr indent="0" lvl="0" marL="0" rtl="0" algn="ctr">
-              <a:spcBef>
-                <a:spcPts val="0"/>
-              </a:spcBef>
-              <a:spcAft>
-                <a:spcPts val="0"/>
-              </a:spcAft>
-              <a:buNone/>
-            </a:pPr>
-            <a:r>
-              <a:rPr lang="vi" sz="1200"/>
-              <a:t>OUTPUT</a:t>
-            </a:r>
-            <a:endParaRPr sz="1200"/>
-          </a:p>
-        </p:txBody>
-      </p:sp>
-      <p:sp>
-        <p:nvSpPr>
-          <p:cNvPr id="248" name="Google Shape;248;p22"/>
-          <p:cNvSpPr txBox="1"/>
-          <p:nvPr/>
-        </p:nvSpPr>
-        <p:spPr>
-          <a:xfrm>
-            <a:off x="221875" y="3180325"/>
-            <a:ext cx="968400" cy="1093500"/>
-          </a:xfrm>
-          <a:prstGeom prst="rect">
-            <a:avLst/>
-          </a:prstGeom>
-          <a:solidFill>
-            <a:srgbClr val="FFFFFF"/>
-          </a:solidFill>
-          <a:ln>
-            <a:noFill/>
-          </a:ln>
-        </p:spPr>
-        <p:txBody>
-          <a:bodyPr anchorCtr="0" anchor="ctr" bIns="91425" lIns="91425" spcFirstLastPara="1" rIns="91425" wrap="square" tIns="91425">
-            <a:noAutofit/>
-          </a:bodyPr>
-          <a:lstStyle/>
-          <a:p>
-            <a:pPr indent="0" lvl="0" marL="0" rtl="0" algn="ctr">
-              <a:spcBef>
-                <a:spcPts val="0"/>
-              </a:spcBef>
-              <a:spcAft>
-                <a:spcPts val="0"/>
-              </a:spcAft>
-              <a:buNone/>
-            </a:pPr>
-            <a:r>
-              <a:rPr lang="vi">
-                <a:latin typeface="Lato"/>
-                <a:ea typeface="Lato"/>
-                <a:cs typeface="Lato"/>
-                <a:sym typeface="Lato"/>
-              </a:rPr>
-              <a:t>This is an amazinggg VidEoEs </a:t>
-            </a:r>
-            <a:r>
-              <a:rPr lang="vi">
-                <a:latin typeface="Lato"/>
-                <a:ea typeface="Lato"/>
-                <a:cs typeface="Lato"/>
-                <a:sym typeface="Lato"/>
-              </a:rPr>
-              <a:t>owo</a:t>
-            </a:r>
-            <a:endParaRPr>
-              <a:latin typeface="Lato"/>
-              <a:ea typeface="Lato"/>
-              <a:cs typeface="Lato"/>
-              <a:sym typeface="Lato"/>
-            </a:endParaRPr>
-          </a:p>
-          <a:p>
-            <a:pPr indent="0" lvl="0" marL="0" rtl="0" algn="ctr">
-              <a:spcBef>
-                <a:spcPts val="0"/>
-              </a:spcBef>
-              <a:spcAft>
-                <a:spcPts val="0"/>
-              </a:spcAft>
-              <a:buNone/>
-            </a:pPr>
-            <a:r>
-              <a:rPr lang="vi">
-                <a:solidFill>
-                  <a:srgbClr val="FFFFFF"/>
-                </a:solidFill>
-                <a:latin typeface="Lato"/>
-                <a:ea typeface="Lato"/>
-                <a:cs typeface="Lato"/>
-                <a:sym typeface="Lato"/>
-              </a:rPr>
-              <a:t>🥰🥰</a:t>
-            </a:r>
-            <a:r>
-              <a:rPr lang="vi">
-                <a:latin typeface="Lato"/>
-                <a:ea typeface="Lato"/>
-                <a:cs typeface="Lato"/>
-                <a:sym typeface="Lato"/>
-              </a:rPr>
-              <a:t> !!!!</a:t>
-            </a:r>
-            <a:endParaRPr>
-              <a:latin typeface="Lato"/>
-              <a:ea typeface="Lato"/>
-              <a:cs typeface="Lato"/>
-              <a:sym typeface="Lato"/>
-            </a:endParaRPr>
-          </a:p>
-        </p:txBody>
-      </p:sp>
-      <p:sp>
-        <p:nvSpPr>
-          <p:cNvPr id="249" name="Google Shape;249;p22"/>
-          <p:cNvSpPr txBox="1"/>
-          <p:nvPr/>
-        </p:nvSpPr>
-        <p:spPr>
-          <a:xfrm>
-            <a:off x="1452800" y="3180325"/>
-            <a:ext cx="968400" cy="1093500"/>
-          </a:xfrm>
-          <a:prstGeom prst="rect">
-            <a:avLst/>
-          </a:prstGeom>
-          <a:solidFill>
-            <a:srgbClr val="FFFFFF"/>
-          </a:solidFill>
-          <a:ln>
-            <a:noFill/>
-          </a:ln>
-        </p:spPr>
-        <p:txBody>
-          <a:bodyPr anchorCtr="0" anchor="ctr" bIns="91425" lIns="91425" spcFirstLastPara="1" rIns="91425" wrap="square" tIns="91425">
-            <a:noAutofit/>
-          </a:bodyPr>
-          <a:lstStyle/>
-          <a:p>
-            <a:pPr indent="0" lvl="0" marL="0" rtl="0" algn="ctr">
-              <a:spcBef>
-                <a:spcPts val="0"/>
-              </a:spcBef>
-              <a:spcAft>
-                <a:spcPts val="0"/>
-              </a:spcAft>
-              <a:buNone/>
-            </a:pPr>
-            <a:r>
-              <a:rPr lang="vi">
-                <a:latin typeface="Lato"/>
-                <a:ea typeface="Lato"/>
-                <a:cs typeface="Lato"/>
-                <a:sym typeface="Lato"/>
-              </a:rPr>
-              <a:t>t</a:t>
-            </a:r>
-            <a:r>
-              <a:rPr lang="vi">
-                <a:latin typeface="Lato"/>
-                <a:ea typeface="Lato"/>
-                <a:cs typeface="Lato"/>
-                <a:sym typeface="Lato"/>
-              </a:rPr>
-              <a:t>his is an amazinggg videoes owo</a:t>
-            </a:r>
-            <a:endParaRPr>
-              <a:latin typeface="Lato"/>
-              <a:ea typeface="Lato"/>
-              <a:cs typeface="Lato"/>
-              <a:sym typeface="Lato"/>
-            </a:endParaRPr>
-          </a:p>
-        </p:txBody>
-      </p:sp>
-      <p:sp>
-        <p:nvSpPr>
-          <p:cNvPr id="250" name="Google Shape;250;p22"/>
-          <p:cNvSpPr txBox="1"/>
-          <p:nvPr/>
-        </p:nvSpPr>
-        <p:spPr>
-          <a:xfrm>
-            <a:off x="2755325" y="3180325"/>
-            <a:ext cx="968400" cy="1093500"/>
-          </a:xfrm>
-          <a:prstGeom prst="rect">
-            <a:avLst/>
-          </a:prstGeom>
-          <a:solidFill>
-            <a:srgbClr val="FFFFFF"/>
-          </a:solidFill>
-          <a:ln>
-            <a:noFill/>
-          </a:ln>
-        </p:spPr>
-        <p:txBody>
-          <a:bodyPr anchorCtr="0" anchor="ctr" bIns="91425" lIns="91425" spcFirstLastPara="1" rIns="91425" wrap="square" tIns="91425">
-            <a:noAutofit/>
-          </a:bodyPr>
-          <a:lstStyle/>
-          <a:p>
-            <a:pPr indent="0" lvl="0" marL="0" rtl="0" algn="ctr">
-              <a:spcBef>
-                <a:spcPts val="0"/>
-              </a:spcBef>
-              <a:spcAft>
-                <a:spcPts val="0"/>
-              </a:spcAft>
-              <a:buNone/>
-            </a:pPr>
-            <a:r>
-              <a:rPr lang="vi">
-                <a:latin typeface="Lato"/>
-                <a:ea typeface="Lato"/>
-                <a:cs typeface="Lato"/>
-                <a:sym typeface="Lato"/>
-              </a:rPr>
-              <a:t>This is an amazing\ video</a:t>
-            </a:r>
-            <a:endParaRPr>
-              <a:latin typeface="Lato"/>
-              <a:ea typeface="Lato"/>
-              <a:cs typeface="Lato"/>
-              <a:sym typeface="Lato"/>
-            </a:endParaRPr>
-          </a:p>
-          <a:p>
-            <a:pPr indent="0" lvl="0" marL="0" rtl="0" algn="ctr">
-              <a:spcBef>
-                <a:spcPts val="0"/>
-              </a:spcBef>
-              <a:spcAft>
-                <a:spcPts val="0"/>
-              </a:spcAft>
-              <a:buNone/>
-            </a:pPr>
-            <a:r>
-              <a:rPr lang="vi">
-                <a:latin typeface="Lato"/>
-                <a:ea typeface="Lato"/>
-                <a:cs typeface="Lato"/>
-                <a:sym typeface="Lato"/>
-              </a:rPr>
-              <a:t>    </a:t>
-            </a:r>
-            <a:endParaRPr>
-              <a:latin typeface="Lato"/>
-              <a:ea typeface="Lato"/>
-              <a:cs typeface="Lato"/>
-              <a:sym typeface="Lato"/>
-            </a:endParaRPr>
-          </a:p>
-        </p:txBody>
-      </p:sp>
-      <p:sp>
-        <p:nvSpPr>
-          <p:cNvPr id="251" name="Google Shape;251;p22"/>
-          <p:cNvSpPr txBox="1"/>
-          <p:nvPr/>
-        </p:nvSpPr>
-        <p:spPr>
-          <a:xfrm>
-            <a:off x="4241150" y="3180325"/>
-            <a:ext cx="968400" cy="1093500"/>
-          </a:xfrm>
-          <a:prstGeom prst="rect">
-            <a:avLst/>
-          </a:prstGeom>
-          <a:solidFill>
-            <a:srgbClr val="FFFFFF"/>
-          </a:solidFill>
-          <a:ln>
-            <a:noFill/>
-          </a:ln>
-        </p:spPr>
-        <p:txBody>
-          <a:bodyPr anchorCtr="0" anchor="ctr" bIns="91425" lIns="91425" spcFirstLastPara="1" rIns="91425" wrap="square" tIns="91425">
-            <a:noAutofit/>
-          </a:bodyPr>
-          <a:lstStyle/>
-          <a:p>
-            <a:pPr indent="0" lvl="0" marL="0" rtl="0" algn="ctr">
-              <a:spcBef>
-                <a:spcPts val="0"/>
-              </a:spcBef>
-              <a:spcAft>
-                <a:spcPts val="0"/>
-              </a:spcAft>
-              <a:buNone/>
-            </a:pPr>
-            <a:r>
-              <a:rPr lang="vi">
-                <a:latin typeface="Lato"/>
-                <a:ea typeface="Lato"/>
-                <a:cs typeface="Lato"/>
-                <a:sym typeface="Lato"/>
-              </a:rPr>
-              <a:t>This is an amazing          video</a:t>
-            </a:r>
-            <a:endParaRPr>
-              <a:latin typeface="Lato"/>
-              <a:ea typeface="Lato"/>
-              <a:cs typeface="Lato"/>
-              <a:sym typeface="Lato"/>
-            </a:endParaRPr>
-          </a:p>
-        </p:txBody>
-      </p:sp>
-      <p:sp>
-        <p:nvSpPr>
-          <p:cNvPr id="252" name="Google Shape;252;p22"/>
-          <p:cNvSpPr txBox="1"/>
-          <p:nvPr/>
-        </p:nvSpPr>
-        <p:spPr>
-          <a:xfrm>
-            <a:off x="5571450" y="3180325"/>
-            <a:ext cx="968400" cy="1093500"/>
-          </a:xfrm>
-          <a:prstGeom prst="rect">
-            <a:avLst/>
-          </a:prstGeom>
-          <a:solidFill>
-            <a:srgbClr val="FFFFFF"/>
-          </a:solidFill>
-          <a:ln>
-            <a:noFill/>
-          </a:ln>
-        </p:spPr>
-        <p:txBody>
-          <a:bodyPr anchorCtr="0" anchor="ctr" bIns="91425" lIns="91425" spcFirstLastPara="1" rIns="91425" wrap="square" tIns="91425">
-            <a:noAutofit/>
-          </a:bodyPr>
-          <a:lstStyle/>
-          <a:p>
-            <a:pPr indent="0" lvl="0" marL="0" rtl="0" algn="ctr">
-              <a:spcBef>
-                <a:spcPts val="0"/>
-              </a:spcBef>
-              <a:spcAft>
-                <a:spcPts val="0"/>
-              </a:spcAft>
-              <a:buNone/>
-            </a:pPr>
-            <a:r>
-              <a:rPr lang="vi">
-                <a:latin typeface="Lato"/>
-                <a:ea typeface="Lato"/>
-                <a:cs typeface="Lato"/>
-                <a:sym typeface="Lato"/>
-              </a:rPr>
-              <a:t>This is an amazing video</a:t>
-            </a:r>
-            <a:endParaRPr>
-              <a:latin typeface="Lato"/>
-              <a:ea typeface="Lato"/>
-              <a:cs typeface="Lato"/>
-              <a:sym typeface="Lato"/>
-            </a:endParaRPr>
-          </a:p>
-        </p:txBody>
-      </p:sp>
-      <p:sp>
-        <p:nvSpPr>
-          <p:cNvPr id="253" name="Google Shape;253;p22"/>
-          <p:cNvSpPr txBox="1"/>
-          <p:nvPr/>
-        </p:nvSpPr>
-        <p:spPr>
-          <a:xfrm>
-            <a:off x="6901750" y="3180325"/>
-            <a:ext cx="968400" cy="1093500"/>
-          </a:xfrm>
-          <a:prstGeom prst="rect">
-            <a:avLst/>
-          </a:prstGeom>
-          <a:solidFill>
-            <a:srgbClr val="FFFFFF"/>
-          </a:solidFill>
-          <a:ln>
-            <a:noFill/>
-          </a:ln>
-        </p:spPr>
-        <p:txBody>
-          <a:bodyPr anchorCtr="0" anchor="ctr" bIns="91425" lIns="91425" spcFirstLastPara="1" rIns="91425" wrap="square" tIns="91425">
-            <a:noAutofit/>
-          </a:bodyPr>
-          <a:lstStyle/>
-          <a:p>
-            <a:pPr indent="0" lvl="0" marL="0" rtl="0" algn="ctr">
-              <a:spcBef>
-                <a:spcPts val="0"/>
-              </a:spcBef>
-              <a:spcAft>
-                <a:spcPts val="0"/>
-              </a:spcAft>
-              <a:buNone/>
-            </a:pPr>
-            <a:r>
-              <a:rPr lang="vi">
-                <a:latin typeface="Lato"/>
-                <a:ea typeface="Lato"/>
-                <a:cs typeface="Lato"/>
-                <a:sym typeface="Lato"/>
-              </a:rPr>
-              <a:t>amazing video</a:t>
-            </a:r>
-            <a:endParaRPr>
-              <a:latin typeface="Lato"/>
-              <a:ea typeface="Lato"/>
-              <a:cs typeface="Lato"/>
-              <a:sym typeface="Lato"/>
-            </a:endParaRPr>
-          </a:p>
-        </p:txBody>
-      </p:sp>
-      <p:cxnSp>
-        <p:nvCxnSpPr>
-          <p:cNvPr id="254" name="Google Shape;254;p22"/>
-          <p:cNvCxnSpPr>
-            <a:stCxn id="241" idx="3"/>
-            <a:endCxn id="247" idx="1"/>
-          </p:cNvCxnSpPr>
-          <p:nvPr/>
-        </p:nvCxnSpPr>
-        <p:spPr>
-          <a:xfrm>
-            <a:off x="7961800" y="2683000"/>
-            <a:ext cx="133800" cy="0"/>
-          </a:xfrm>
-          <a:prstGeom prst="straightConnector1">
-            <a:avLst/>
-          </a:prstGeom>
-          <a:noFill/>
-          <a:ln cap="flat" cmpd="sng" w="9525">
-            <a:solidFill>
-              <a:schemeClr val="dk2"/>
-            </a:solidFill>
-            <a:prstDash val="solid"/>
-            <a:round/>
-            <a:headEnd len="med" w="med" type="none"/>
-            <a:tailEnd len="med" w="med" type="triangle"/>
-          </a:ln>
-        </p:spPr>
-      </p:cxnSp>
-      <p:cxnSp>
-        <p:nvCxnSpPr>
-          <p:cNvPr id="255" name="Google Shape;255;p22"/>
-          <p:cNvCxnSpPr>
-            <a:stCxn id="246" idx="3"/>
-            <a:endCxn id="237" idx="1"/>
-          </p:cNvCxnSpPr>
-          <p:nvPr/>
-        </p:nvCxnSpPr>
-        <p:spPr>
-          <a:xfrm>
-            <a:off x="1160575" y="2683000"/>
-            <a:ext cx="200700" cy="0"/>
-          </a:xfrm>
-          <a:prstGeom prst="straightConnector1">
-            <a:avLst/>
-          </a:prstGeom>
-          <a:noFill/>
-          <a:ln cap="flat" cmpd="sng" w="9525">
-            <a:solidFill>
-              <a:schemeClr val="dk2"/>
-            </a:solidFill>
-            <a:prstDash val="solid"/>
-            <a:round/>
-            <a:headEnd len="med" w="med" type="none"/>
-            <a:tailEnd len="med" w="med" type="triangle"/>
-          </a:ln>
-        </p:spPr>
-      </p:cxnSp>
+      </p:pic>
     </p:spTree>
   </p:cSld>
   <p:clrMapOvr>
@@ -11850,7 +11466,7 @@
   <p:cSld>
     <p:spTree>
       <p:nvGrpSpPr>
-        <p:cNvPr id="259" name="Shape 259"/>
+        <p:cNvPr id="232" name="Shape 232"/>
         <p:cNvGrpSpPr/>
         <p:nvPr/>
       </p:nvGrpSpPr>
@@ -11864,7 +11480,7 @@
       </p:grpSpPr>
       <p:sp>
         <p:nvSpPr>
-          <p:cNvPr id="260" name="Google Shape;260;p23"/>
+          <p:cNvPr id="233" name="Google Shape;233;p23"/>
           <p:cNvSpPr txBox="1"/>
           <p:nvPr>
             <p:ph type="title"/>
@@ -11912,9 +11528,1326 @@
             </a:pPr>
             <a:r>
               <a:rPr lang="vi" sz="1800"/>
+              <a:t>Data Observation</a:t>
+            </a:r>
+            <a:endParaRPr sz="1800"/>
+          </a:p>
+        </p:txBody>
+      </p:sp>
+      <p:sp>
+        <p:nvSpPr>
+          <p:cNvPr id="234" name="Google Shape;234;p23"/>
+          <p:cNvSpPr/>
+          <p:nvPr/>
+        </p:nvSpPr>
+        <p:spPr>
+          <a:xfrm>
+            <a:off x="3611050" y="2488300"/>
+            <a:ext cx="1357800" cy="766200"/>
+          </a:xfrm>
+          <a:prstGeom prst="roundRect">
+            <a:avLst>
+              <a:gd fmla="val 42594" name="adj"/>
+            </a:avLst>
+          </a:prstGeom>
+          <a:solidFill>
+            <a:srgbClr val="FFFFFF"/>
+          </a:solidFill>
+          <a:ln cap="flat" cmpd="sng" w="9525">
+            <a:solidFill>
+              <a:schemeClr val="dk2"/>
+            </a:solidFill>
+            <a:prstDash val="solid"/>
+            <a:round/>
+            <a:headEnd len="sm" w="sm" type="none"/>
+            <a:tailEnd len="sm" w="sm" type="none"/>
+          </a:ln>
+        </p:spPr>
+        <p:txBody>
+          <a:bodyPr anchorCtr="0" anchor="ctr" bIns="91425" lIns="91425" spcFirstLastPara="1" rIns="91425" wrap="square" tIns="91425">
+            <a:noAutofit/>
+          </a:bodyPr>
+          <a:lstStyle/>
+          <a:p>
+            <a:pPr indent="0" lvl="0" marL="0" rtl="0" algn="ctr">
+              <a:spcBef>
+                <a:spcPts val="0"/>
+              </a:spcBef>
+              <a:spcAft>
+                <a:spcPts val="0"/>
+              </a:spcAft>
+              <a:buNone/>
+            </a:pPr>
+            <a:r>
+              <a:rPr lang="vi">
+                <a:latin typeface="Montserrat"/>
+                <a:ea typeface="Montserrat"/>
+                <a:cs typeface="Montserrat"/>
+                <a:sym typeface="Montserrat"/>
+              </a:rPr>
+              <a:t>Feature</a:t>
+            </a:r>
+            <a:endParaRPr>
+              <a:latin typeface="Montserrat"/>
+              <a:ea typeface="Montserrat"/>
+              <a:cs typeface="Montserrat"/>
+              <a:sym typeface="Montserrat"/>
+            </a:endParaRPr>
+          </a:p>
+        </p:txBody>
+      </p:sp>
+      <p:sp>
+        <p:nvSpPr>
+          <p:cNvPr id="235" name="Google Shape;235;p23"/>
+          <p:cNvSpPr/>
+          <p:nvPr/>
+        </p:nvSpPr>
+        <p:spPr>
+          <a:xfrm>
+            <a:off x="1745500" y="1593800"/>
+            <a:ext cx="1357800" cy="766200"/>
+          </a:xfrm>
+          <a:prstGeom prst="roundRect">
+            <a:avLst>
+              <a:gd fmla="val 42594" name="adj"/>
+            </a:avLst>
+          </a:prstGeom>
+          <a:solidFill>
+            <a:srgbClr val="FFFFFF"/>
+          </a:solidFill>
+          <a:ln cap="flat" cmpd="sng" w="9525">
+            <a:solidFill>
+              <a:schemeClr val="dk2"/>
+            </a:solidFill>
+            <a:prstDash val="solid"/>
+            <a:round/>
+            <a:headEnd len="sm" w="sm" type="none"/>
+            <a:tailEnd len="sm" w="sm" type="none"/>
+          </a:ln>
+        </p:spPr>
+        <p:txBody>
+          <a:bodyPr anchorCtr="0" anchor="ctr" bIns="91425" lIns="91425" spcFirstLastPara="1" rIns="91425" wrap="square" tIns="91425">
+            <a:noAutofit/>
+          </a:bodyPr>
+          <a:lstStyle/>
+          <a:p>
+            <a:pPr indent="0" lvl="0" marL="0" rtl="0" algn="ctr">
+              <a:spcBef>
+                <a:spcPts val="0"/>
+              </a:spcBef>
+              <a:spcAft>
+                <a:spcPts val="0"/>
+              </a:spcAft>
+              <a:buNone/>
+            </a:pPr>
+            <a:r>
+              <a:rPr lang="vi" sz="1000">
+                <a:latin typeface="Montserrat"/>
+                <a:ea typeface="Montserrat"/>
+                <a:cs typeface="Montserrat"/>
+                <a:sym typeface="Montserrat"/>
+              </a:rPr>
+              <a:t>Number of words</a:t>
+            </a:r>
+            <a:endParaRPr sz="1000">
+              <a:latin typeface="Montserrat"/>
+              <a:ea typeface="Montserrat"/>
+              <a:cs typeface="Montserrat"/>
+              <a:sym typeface="Montserrat"/>
+            </a:endParaRPr>
+          </a:p>
+        </p:txBody>
+      </p:sp>
+      <p:sp>
+        <p:nvSpPr>
+          <p:cNvPr id="236" name="Google Shape;236;p23"/>
+          <p:cNvSpPr/>
+          <p:nvPr/>
+        </p:nvSpPr>
+        <p:spPr>
+          <a:xfrm>
+            <a:off x="5433100" y="1632425"/>
+            <a:ext cx="1357800" cy="766200"/>
+          </a:xfrm>
+          <a:prstGeom prst="roundRect">
+            <a:avLst>
+              <a:gd fmla="val 42594" name="adj"/>
+            </a:avLst>
+          </a:prstGeom>
+          <a:solidFill>
+            <a:srgbClr val="FFFFFF"/>
+          </a:solidFill>
+          <a:ln cap="flat" cmpd="sng" w="9525">
+            <a:solidFill>
+              <a:schemeClr val="dk2"/>
+            </a:solidFill>
+            <a:prstDash val="solid"/>
+            <a:round/>
+            <a:headEnd len="sm" w="sm" type="none"/>
+            <a:tailEnd len="sm" w="sm" type="none"/>
+          </a:ln>
+        </p:spPr>
+        <p:txBody>
+          <a:bodyPr anchorCtr="0" anchor="ctr" bIns="91425" lIns="91425" spcFirstLastPara="1" rIns="91425" wrap="square" tIns="91425">
+            <a:noAutofit/>
+          </a:bodyPr>
+          <a:lstStyle/>
+          <a:p>
+            <a:pPr indent="0" lvl="0" marL="0" rtl="0" algn="ctr">
+              <a:spcBef>
+                <a:spcPts val="0"/>
+              </a:spcBef>
+              <a:spcAft>
+                <a:spcPts val="0"/>
+              </a:spcAft>
+              <a:buNone/>
+            </a:pPr>
+            <a:r>
+              <a:rPr lang="vi" sz="1000">
+                <a:latin typeface="Montserrat"/>
+                <a:ea typeface="Montserrat"/>
+                <a:cs typeface="Montserrat"/>
+                <a:sym typeface="Montserrat"/>
+              </a:rPr>
+              <a:t>Number of question or exclamation marks</a:t>
+            </a:r>
+            <a:endParaRPr sz="1000">
+              <a:latin typeface="Montserrat"/>
+              <a:ea typeface="Montserrat"/>
+              <a:cs typeface="Montserrat"/>
+              <a:sym typeface="Montserrat"/>
+            </a:endParaRPr>
+          </a:p>
+        </p:txBody>
+      </p:sp>
+      <p:sp>
+        <p:nvSpPr>
+          <p:cNvPr id="237" name="Google Shape;237;p23"/>
+          <p:cNvSpPr/>
+          <p:nvPr/>
+        </p:nvSpPr>
+        <p:spPr>
+          <a:xfrm>
+            <a:off x="1608550" y="3254500"/>
+            <a:ext cx="1357800" cy="766200"/>
+          </a:xfrm>
+          <a:prstGeom prst="roundRect">
+            <a:avLst>
+              <a:gd fmla="val 42594" name="adj"/>
+            </a:avLst>
+          </a:prstGeom>
+          <a:solidFill>
+            <a:srgbClr val="FFFFFF"/>
+          </a:solidFill>
+          <a:ln cap="flat" cmpd="sng" w="9525">
+            <a:solidFill>
+              <a:schemeClr val="dk2"/>
+            </a:solidFill>
+            <a:prstDash val="solid"/>
+            <a:round/>
+            <a:headEnd len="sm" w="sm" type="none"/>
+            <a:tailEnd len="sm" w="sm" type="none"/>
+          </a:ln>
+        </p:spPr>
+        <p:txBody>
+          <a:bodyPr anchorCtr="0" anchor="ctr" bIns="91425" lIns="91425" spcFirstLastPara="1" rIns="91425" wrap="square" tIns="91425">
+            <a:noAutofit/>
+          </a:bodyPr>
+          <a:lstStyle/>
+          <a:p>
+            <a:pPr indent="0" lvl="0" marL="0" rtl="0" algn="ctr">
+              <a:spcBef>
+                <a:spcPts val="0"/>
+              </a:spcBef>
+              <a:spcAft>
+                <a:spcPts val="0"/>
+              </a:spcAft>
+              <a:buNone/>
+            </a:pPr>
+            <a:r>
+              <a:rPr lang="vi" sz="1000">
+                <a:latin typeface="Montserrat"/>
+                <a:ea typeface="Montserrat"/>
+                <a:cs typeface="Montserrat"/>
+                <a:sym typeface="Montserrat"/>
+              </a:rPr>
+              <a:t>Number of emoji</a:t>
+            </a:r>
+            <a:endParaRPr sz="1000">
+              <a:latin typeface="Montserrat"/>
+              <a:ea typeface="Montserrat"/>
+              <a:cs typeface="Montserrat"/>
+              <a:sym typeface="Montserrat"/>
+            </a:endParaRPr>
+          </a:p>
+        </p:txBody>
+      </p:sp>
+      <p:sp>
+        <p:nvSpPr>
+          <p:cNvPr id="238" name="Google Shape;238;p23"/>
+          <p:cNvSpPr/>
+          <p:nvPr/>
+        </p:nvSpPr>
+        <p:spPr>
+          <a:xfrm>
+            <a:off x="5433100" y="3672425"/>
+            <a:ext cx="1357800" cy="766200"/>
+          </a:xfrm>
+          <a:prstGeom prst="roundRect">
+            <a:avLst>
+              <a:gd fmla="val 42594" name="adj"/>
+            </a:avLst>
+          </a:prstGeom>
+          <a:solidFill>
+            <a:srgbClr val="FFFFFF"/>
+          </a:solidFill>
+          <a:ln cap="flat" cmpd="sng" w="9525">
+            <a:solidFill>
+              <a:schemeClr val="dk2"/>
+            </a:solidFill>
+            <a:prstDash val="solid"/>
+            <a:round/>
+            <a:headEnd len="sm" w="sm" type="none"/>
+            <a:tailEnd len="sm" w="sm" type="none"/>
+          </a:ln>
+        </p:spPr>
+        <p:txBody>
+          <a:bodyPr anchorCtr="0" anchor="ctr" bIns="91425" lIns="91425" spcFirstLastPara="1" rIns="91425" wrap="square" tIns="91425">
+            <a:noAutofit/>
+          </a:bodyPr>
+          <a:lstStyle/>
+          <a:p>
+            <a:pPr indent="0" lvl="0" marL="0" rtl="0" algn="ctr">
+              <a:spcBef>
+                <a:spcPts val="0"/>
+              </a:spcBef>
+              <a:spcAft>
+                <a:spcPts val="0"/>
+              </a:spcAft>
+              <a:buNone/>
+            </a:pPr>
+            <a:r>
+              <a:rPr lang="vi" sz="1000">
+                <a:latin typeface="Montserrat"/>
+                <a:ea typeface="Montserrat"/>
+                <a:cs typeface="Montserrat"/>
+                <a:sym typeface="Montserrat"/>
+              </a:rPr>
+              <a:t>Number of capital character</a:t>
+            </a:r>
+            <a:endParaRPr sz="1000">
+              <a:latin typeface="Montserrat"/>
+              <a:ea typeface="Montserrat"/>
+              <a:cs typeface="Montserrat"/>
+              <a:sym typeface="Montserrat"/>
+            </a:endParaRPr>
+          </a:p>
+        </p:txBody>
+      </p:sp>
+      <p:cxnSp>
+        <p:nvCxnSpPr>
+          <p:cNvPr id="239" name="Google Shape;239;p23"/>
+          <p:cNvCxnSpPr>
+            <a:stCxn id="235" idx="2"/>
+            <a:endCxn id="234" idx="1"/>
+          </p:cNvCxnSpPr>
+          <p:nvPr/>
+        </p:nvCxnSpPr>
+        <p:spPr>
+          <a:xfrm flipH="1" rot="-5400000">
+            <a:off x="2762050" y="2022350"/>
+            <a:ext cx="511500" cy="1186800"/>
+          </a:xfrm>
+          <a:prstGeom prst="curvedConnector2">
+            <a:avLst/>
+          </a:prstGeom>
+          <a:noFill/>
+          <a:ln cap="flat" cmpd="sng" w="9525">
+            <a:solidFill>
+              <a:schemeClr val="dk2"/>
+            </a:solidFill>
+            <a:prstDash val="solid"/>
+            <a:round/>
+            <a:headEnd len="med" w="med" type="none"/>
+            <a:tailEnd len="med" w="med" type="none"/>
+          </a:ln>
+        </p:spPr>
+      </p:cxnSp>
+      <p:cxnSp>
+        <p:nvCxnSpPr>
+          <p:cNvPr id="240" name="Google Shape;240;p23"/>
+          <p:cNvCxnSpPr>
+            <a:stCxn id="237" idx="3"/>
+            <a:endCxn id="234" idx="2"/>
+          </p:cNvCxnSpPr>
+          <p:nvPr/>
+        </p:nvCxnSpPr>
+        <p:spPr>
+          <a:xfrm flipH="1" rot="10800000">
+            <a:off x="2966350" y="3254500"/>
+            <a:ext cx="1323600" cy="383100"/>
+          </a:xfrm>
+          <a:prstGeom prst="curvedConnector2">
+            <a:avLst/>
+          </a:prstGeom>
+          <a:noFill/>
+          <a:ln cap="flat" cmpd="sng" w="9525">
+            <a:solidFill>
+              <a:schemeClr val="dk2"/>
+            </a:solidFill>
+            <a:prstDash val="solid"/>
+            <a:round/>
+            <a:headEnd len="med" w="med" type="none"/>
+            <a:tailEnd len="med" w="med" type="none"/>
+          </a:ln>
+        </p:spPr>
+      </p:cxnSp>
+      <p:cxnSp>
+        <p:nvCxnSpPr>
+          <p:cNvPr id="241" name="Google Shape;241;p23"/>
+          <p:cNvCxnSpPr>
+            <a:stCxn id="238" idx="1"/>
+            <a:endCxn id="234" idx="3"/>
+          </p:cNvCxnSpPr>
+          <p:nvPr/>
+        </p:nvCxnSpPr>
+        <p:spPr>
+          <a:xfrm rot="10800000">
+            <a:off x="4969000" y="2871425"/>
+            <a:ext cx="464100" cy="1184100"/>
+          </a:xfrm>
+          <a:prstGeom prst="curvedConnector3">
+            <a:avLst>
+              <a:gd fmla="val 50016" name="adj1"/>
+            </a:avLst>
+          </a:prstGeom>
+          <a:noFill/>
+          <a:ln cap="flat" cmpd="sng" w="9525">
+            <a:solidFill>
+              <a:schemeClr val="dk2"/>
+            </a:solidFill>
+            <a:prstDash val="solid"/>
+            <a:round/>
+            <a:headEnd len="med" w="med" type="none"/>
+            <a:tailEnd len="med" w="med" type="none"/>
+          </a:ln>
+        </p:spPr>
+      </p:cxnSp>
+      <p:cxnSp>
+        <p:nvCxnSpPr>
+          <p:cNvPr id="242" name="Google Shape;242;p23"/>
+          <p:cNvCxnSpPr>
+            <a:stCxn id="236" idx="1"/>
+            <a:endCxn id="234" idx="0"/>
+          </p:cNvCxnSpPr>
+          <p:nvPr/>
+        </p:nvCxnSpPr>
+        <p:spPr>
+          <a:xfrm flipH="1">
+            <a:off x="4290100" y="2015525"/>
+            <a:ext cx="1143000" cy="472800"/>
+          </a:xfrm>
+          <a:prstGeom prst="curvedConnector2">
+            <a:avLst/>
+          </a:prstGeom>
+          <a:noFill/>
+          <a:ln cap="flat" cmpd="sng" w="9525">
+            <a:solidFill>
+              <a:schemeClr val="dk2"/>
+            </a:solidFill>
+            <a:prstDash val="solid"/>
+            <a:round/>
+            <a:headEnd len="med" w="med" type="none"/>
+            <a:tailEnd len="med" w="med" type="none"/>
+          </a:ln>
+        </p:spPr>
+      </p:cxnSp>
+    </p:spTree>
+  </p:cSld>
+  <p:clrMapOvr>
+    <a:masterClrMapping/>
+  </p:clrMapOvr>
+</p:sld>
+</file>
+
+<file path=ppt/slides/slide12.xml><?xml version="1.0" encoding="utf-8"?>
+<p:sld xmlns:a="http://schemas.openxmlformats.org/drawingml/2006/main" xmlns:r="http://schemas.openxmlformats.org/officeDocument/2006/relationships" xmlns:mc="http://schemas.openxmlformats.org/markup-compatibility/2006" xmlns:mv="urn:schemas-microsoft-com:mac:vml" xmlns:p="http://schemas.openxmlformats.org/presentationml/2006/main" xmlns:c="http://schemas.openxmlformats.org/drawingml/2006/chart" xmlns:dgm="http://schemas.openxmlformats.org/drawingml/2006/diagram" xmlns:o="urn:schemas-microsoft-com:office:office" xmlns:v="urn:schemas-microsoft-com:vml" xmlns:pvml="urn:schemas-microsoft-com:office:powerpoint" xmlns:com="http://schemas.openxmlformats.org/drawingml/2006/compatibility" xmlns:p14="http://schemas.microsoft.com/office/powerpoint/2010/main" xmlns:p15="http://schemas.microsoft.com/office/powerpoint/2012/main">
+  <p:cSld>
+    <p:spTree>
+      <p:nvGrpSpPr>
+        <p:cNvPr id="246" name="Shape 246"/>
+        <p:cNvGrpSpPr/>
+        <p:nvPr/>
+      </p:nvGrpSpPr>
+      <p:grpSpPr>
+        <a:xfrm>
+          <a:off x="0" y="0"/>
+          <a:ext cx="0" cy="0"/>
+          <a:chOff x="0" y="0"/>
+          <a:chExt cx="0" cy="0"/>
+        </a:xfrm>
+      </p:grpSpPr>
+      <p:sp>
+        <p:nvSpPr>
+          <p:cNvPr id="247" name="Google Shape;247;p24"/>
+          <p:cNvSpPr txBox="1"/>
+          <p:nvPr>
+            <p:ph type="title"/>
+          </p:nvPr>
+        </p:nvSpPr>
+        <p:spPr>
+          <a:xfrm>
+            <a:off x="1297500" y="393750"/>
+            <a:ext cx="7038900" cy="914100"/>
+          </a:xfrm>
+          <a:prstGeom prst="rect">
+            <a:avLst/>
+          </a:prstGeom>
+        </p:spPr>
+        <p:txBody>
+          <a:bodyPr anchorCtr="0" anchor="t" bIns="91425" lIns="91425" spcFirstLastPara="1" rIns="91425" wrap="square" tIns="91425">
+            <a:noAutofit/>
+          </a:bodyPr>
+          <a:lstStyle/>
+          <a:p>
+            <a:pPr indent="0" lvl="0" marL="0" rtl="0" algn="l">
+              <a:spcBef>
+                <a:spcPts val="0"/>
+              </a:spcBef>
+              <a:spcAft>
+                <a:spcPts val="0"/>
+              </a:spcAft>
+              <a:buNone/>
+            </a:pPr>
+            <a:r>
+              <a:rPr lang="vi"/>
+              <a:t>PROJECT</a:t>
+            </a:r>
+            <a:endParaRPr/>
+          </a:p>
+          <a:p>
+            <a:pPr indent="457200" lvl="0" marL="0" rtl="0" algn="l">
+              <a:spcBef>
+                <a:spcPts val="0"/>
+              </a:spcBef>
+              <a:spcAft>
+                <a:spcPts val="0"/>
+              </a:spcAft>
+              <a:buNone/>
+            </a:pPr>
+            <a:r>
+              <a:rPr lang="vi" sz="1800"/>
               <a:t>Preprocessing data</a:t>
             </a:r>
             <a:endParaRPr sz="1800"/>
+          </a:p>
+        </p:txBody>
+      </p:sp>
+      <p:sp>
+        <p:nvSpPr>
+          <p:cNvPr id="248" name="Google Shape;248;p24"/>
+          <p:cNvSpPr txBox="1"/>
+          <p:nvPr>
+            <p:ph idx="1" type="body"/>
+          </p:nvPr>
+        </p:nvSpPr>
+        <p:spPr>
+          <a:xfrm>
+            <a:off x="1297500" y="1567550"/>
+            <a:ext cx="7038900" cy="2911200"/>
+          </a:xfrm>
+          <a:prstGeom prst="rect">
+            <a:avLst/>
+          </a:prstGeom>
+        </p:spPr>
+        <p:txBody>
+          <a:bodyPr anchorCtr="0" anchor="t" bIns="91425" lIns="91425" spcFirstLastPara="1" rIns="91425" wrap="square" tIns="91425">
+            <a:noAutofit/>
+          </a:bodyPr>
+          <a:lstStyle/>
+          <a:p>
+            <a:pPr indent="0" lvl="0" marL="0" rtl="0" algn="l">
+              <a:spcBef>
+                <a:spcPts val="0"/>
+              </a:spcBef>
+              <a:spcAft>
+                <a:spcPts val="1600"/>
+              </a:spcAft>
+              <a:buNone/>
+            </a:pPr>
+            <a:r>
+              <a:t/>
+            </a:r>
+            <a:endParaRPr/>
+          </a:p>
+        </p:txBody>
+      </p:sp>
+      <p:sp>
+        <p:nvSpPr>
+          <p:cNvPr id="249" name="Google Shape;249;p24"/>
+          <p:cNvSpPr txBox="1"/>
+          <p:nvPr/>
+        </p:nvSpPr>
+        <p:spPr>
+          <a:xfrm>
+            <a:off x="611675" y="1659175"/>
+            <a:ext cx="4597200" cy="355500"/>
+          </a:xfrm>
+          <a:prstGeom prst="rect">
+            <a:avLst/>
+          </a:prstGeom>
+          <a:solidFill>
+            <a:srgbClr val="434343"/>
+          </a:solidFill>
+          <a:ln>
+            <a:noFill/>
+          </a:ln>
+        </p:spPr>
+        <p:txBody>
+          <a:bodyPr anchorCtr="0" anchor="t" bIns="91425" lIns="91425" spcFirstLastPara="1" rIns="91425" wrap="square" tIns="91425">
+            <a:noAutofit/>
+          </a:bodyPr>
+          <a:lstStyle/>
+          <a:p>
+            <a:pPr indent="0" lvl="0" marL="0" rtl="0" algn="l">
+              <a:spcBef>
+                <a:spcPts val="0"/>
+              </a:spcBef>
+              <a:spcAft>
+                <a:spcPts val="0"/>
+              </a:spcAft>
+              <a:buNone/>
+            </a:pPr>
+            <a:r>
+              <a:rPr lang="vi">
+                <a:solidFill>
+                  <a:srgbClr val="FFFFFF"/>
+                </a:solidFill>
+                <a:latin typeface="Lato"/>
+                <a:ea typeface="Lato"/>
+                <a:cs typeface="Lato"/>
+                <a:sym typeface="Lato"/>
+              </a:rPr>
+              <a:t>hahahahaha its soooo funny</a:t>
+            </a:r>
+            <a:endParaRPr>
+              <a:solidFill>
+                <a:srgbClr val="FFFFFF"/>
+              </a:solidFill>
+              <a:latin typeface="Lato"/>
+              <a:ea typeface="Lato"/>
+              <a:cs typeface="Lato"/>
+              <a:sym typeface="Lato"/>
+            </a:endParaRPr>
+          </a:p>
+          <a:p>
+            <a:pPr indent="0" lvl="0" marL="0" rtl="0" algn="l">
+              <a:spcBef>
+                <a:spcPts val="0"/>
+              </a:spcBef>
+              <a:spcAft>
+                <a:spcPts val="0"/>
+              </a:spcAft>
+              <a:buNone/>
+            </a:pPr>
+            <a:r>
+              <a:t/>
+            </a:r>
+            <a:endParaRPr>
+              <a:solidFill>
+                <a:srgbClr val="FFFFFF"/>
+              </a:solidFill>
+              <a:latin typeface="Lato"/>
+              <a:ea typeface="Lato"/>
+              <a:cs typeface="Lato"/>
+              <a:sym typeface="Lato"/>
+            </a:endParaRPr>
+          </a:p>
+        </p:txBody>
+      </p:sp>
+      <p:sp>
+        <p:nvSpPr>
+          <p:cNvPr id="250" name="Google Shape;250;p24"/>
+          <p:cNvSpPr txBox="1"/>
+          <p:nvPr/>
+        </p:nvSpPr>
+        <p:spPr>
+          <a:xfrm>
+            <a:off x="611675" y="2099500"/>
+            <a:ext cx="4597200" cy="355500"/>
+          </a:xfrm>
+          <a:prstGeom prst="rect">
+            <a:avLst/>
+          </a:prstGeom>
+          <a:solidFill>
+            <a:srgbClr val="434343"/>
+          </a:solidFill>
+          <a:ln>
+            <a:noFill/>
+          </a:ln>
+        </p:spPr>
+        <p:txBody>
+          <a:bodyPr anchorCtr="0" anchor="t" bIns="91425" lIns="91425" spcFirstLastPara="1" rIns="91425" wrap="square" tIns="91425">
+            <a:noAutofit/>
+          </a:bodyPr>
+          <a:lstStyle/>
+          <a:p>
+            <a:pPr indent="0" lvl="0" marL="0" rtl="0" algn="l">
+              <a:spcBef>
+                <a:spcPts val="0"/>
+              </a:spcBef>
+              <a:spcAft>
+                <a:spcPts val="0"/>
+              </a:spcAft>
+              <a:buNone/>
+            </a:pPr>
+            <a:r>
+              <a:rPr lang="vi">
+                <a:solidFill>
+                  <a:srgbClr val="FFFFFF"/>
+                </a:solidFill>
+                <a:latin typeface="Lato"/>
+                <a:ea typeface="Lato"/>
+                <a:cs typeface="Lato"/>
+                <a:sym typeface="Lato"/>
+              </a:rPr>
+              <a:t>lmao</a:t>
+            </a:r>
+            <a:endParaRPr>
+              <a:solidFill>
+                <a:srgbClr val="FFFFFF"/>
+              </a:solidFill>
+              <a:latin typeface="Lato"/>
+              <a:ea typeface="Lato"/>
+              <a:cs typeface="Lato"/>
+              <a:sym typeface="Lato"/>
+            </a:endParaRPr>
+          </a:p>
+        </p:txBody>
+      </p:sp>
+      <p:sp>
+        <p:nvSpPr>
+          <p:cNvPr id="251" name="Google Shape;251;p24"/>
+          <p:cNvSpPr txBox="1"/>
+          <p:nvPr/>
+        </p:nvSpPr>
+        <p:spPr>
+          <a:xfrm>
+            <a:off x="611675" y="2539825"/>
+            <a:ext cx="4597200" cy="355500"/>
+          </a:xfrm>
+          <a:prstGeom prst="rect">
+            <a:avLst/>
+          </a:prstGeom>
+          <a:solidFill>
+            <a:srgbClr val="434343"/>
+          </a:solidFill>
+          <a:ln>
+            <a:noFill/>
+          </a:ln>
+        </p:spPr>
+        <p:txBody>
+          <a:bodyPr anchorCtr="0" anchor="t" bIns="91425" lIns="91425" spcFirstLastPara="1" rIns="91425" wrap="square" tIns="91425">
+            <a:noAutofit/>
+          </a:bodyPr>
+          <a:lstStyle/>
+          <a:p>
+            <a:pPr indent="0" lvl="0" marL="0" rtl="0" algn="l">
+              <a:spcBef>
+                <a:spcPts val="0"/>
+              </a:spcBef>
+              <a:spcAft>
+                <a:spcPts val="0"/>
+              </a:spcAft>
+              <a:buNone/>
+            </a:pPr>
+            <a:r>
+              <a:rPr lang="vi">
+                <a:solidFill>
+                  <a:srgbClr val="FFFFFF"/>
+                </a:solidFill>
+                <a:latin typeface="Lato"/>
+                <a:ea typeface="Lato"/>
+                <a:cs typeface="Lato"/>
+                <a:sym typeface="Lato"/>
+              </a:rPr>
+              <a:t>good morning eveyone !!!</a:t>
+            </a:r>
+            <a:endParaRPr>
+              <a:solidFill>
+                <a:srgbClr val="FFFFFF"/>
+              </a:solidFill>
+              <a:latin typeface="Lato"/>
+              <a:ea typeface="Lato"/>
+              <a:cs typeface="Lato"/>
+              <a:sym typeface="Lato"/>
+            </a:endParaRPr>
+          </a:p>
+        </p:txBody>
+      </p:sp>
+      <p:sp>
+        <p:nvSpPr>
+          <p:cNvPr id="252" name="Google Shape;252;p24"/>
+          <p:cNvSpPr txBox="1"/>
+          <p:nvPr/>
+        </p:nvSpPr>
+        <p:spPr>
+          <a:xfrm>
+            <a:off x="611675" y="2980150"/>
+            <a:ext cx="4597200" cy="355500"/>
+          </a:xfrm>
+          <a:prstGeom prst="rect">
+            <a:avLst/>
+          </a:prstGeom>
+          <a:solidFill>
+            <a:srgbClr val="434343"/>
+          </a:solidFill>
+          <a:ln>
+            <a:noFill/>
+          </a:ln>
+        </p:spPr>
+        <p:txBody>
+          <a:bodyPr anchorCtr="0" anchor="t" bIns="91425" lIns="91425" spcFirstLastPara="1" rIns="91425" wrap="square" tIns="91425">
+            <a:noAutofit/>
+          </a:bodyPr>
+          <a:lstStyle/>
+          <a:p>
+            <a:pPr indent="0" lvl="0" marL="0" rtl="0" algn="l">
+              <a:spcBef>
+                <a:spcPts val="0"/>
+              </a:spcBef>
+              <a:spcAft>
+                <a:spcPts val="0"/>
+              </a:spcAft>
+              <a:buNone/>
+            </a:pPr>
+            <a:r>
+              <a:rPr lang="vi">
+                <a:solidFill>
+                  <a:srgbClr val="FFFFFF"/>
+                </a:solidFill>
+                <a:latin typeface="Lato"/>
+                <a:ea typeface="Lato"/>
+                <a:cs typeface="Lato"/>
+                <a:sym typeface="Lato"/>
+              </a:rPr>
+              <a:t>who watch in 2019 ??? 🥰🥰🥰🥰🥰</a:t>
+            </a:r>
+            <a:endParaRPr>
+              <a:solidFill>
+                <a:srgbClr val="FFFFFF"/>
+              </a:solidFill>
+              <a:latin typeface="Lato"/>
+              <a:ea typeface="Lato"/>
+              <a:cs typeface="Lato"/>
+              <a:sym typeface="Lato"/>
+            </a:endParaRPr>
+          </a:p>
+        </p:txBody>
+      </p:sp>
+      <p:sp>
+        <p:nvSpPr>
+          <p:cNvPr id="253" name="Google Shape;253;p24"/>
+          <p:cNvSpPr txBox="1"/>
+          <p:nvPr/>
+        </p:nvSpPr>
+        <p:spPr>
+          <a:xfrm>
+            <a:off x="611675" y="3420475"/>
+            <a:ext cx="4597200" cy="355500"/>
+          </a:xfrm>
+          <a:prstGeom prst="rect">
+            <a:avLst/>
+          </a:prstGeom>
+          <a:solidFill>
+            <a:srgbClr val="434343"/>
+          </a:solidFill>
+          <a:ln>
+            <a:noFill/>
+          </a:ln>
+        </p:spPr>
+        <p:txBody>
+          <a:bodyPr anchorCtr="0" anchor="t" bIns="91425" lIns="91425" spcFirstLastPara="1" rIns="91425" wrap="square" tIns="91425">
+            <a:noAutofit/>
+          </a:bodyPr>
+          <a:lstStyle/>
+          <a:p>
+            <a:pPr indent="0" lvl="0" marL="0" rtl="0" algn="l">
+              <a:spcBef>
+                <a:spcPts val="0"/>
+              </a:spcBef>
+              <a:spcAft>
+                <a:spcPts val="0"/>
+              </a:spcAft>
+              <a:buNone/>
+            </a:pPr>
+            <a:r>
+              <a:rPr lang="vi">
+                <a:solidFill>
+                  <a:srgbClr val="FFFFFF"/>
+                </a:solidFill>
+                <a:latin typeface="Lato"/>
+                <a:ea typeface="Lato"/>
+                <a:cs typeface="Lato"/>
+                <a:sym typeface="Lato"/>
+              </a:rPr>
+              <a:t>Love, 6:30 na mahal magisimba muna ako love sweethear</a:t>
+            </a:r>
+            <a:endParaRPr>
+              <a:solidFill>
+                <a:srgbClr val="FFFFFF"/>
+              </a:solidFill>
+              <a:latin typeface="Lato"/>
+              <a:ea typeface="Lato"/>
+              <a:cs typeface="Lato"/>
+              <a:sym typeface="Lato"/>
+            </a:endParaRPr>
+          </a:p>
+        </p:txBody>
+      </p:sp>
+      <p:sp>
+        <p:nvSpPr>
+          <p:cNvPr id="254" name="Google Shape;254;p24"/>
+          <p:cNvSpPr txBox="1"/>
+          <p:nvPr/>
+        </p:nvSpPr>
+        <p:spPr>
+          <a:xfrm>
+            <a:off x="611675" y="3860800"/>
+            <a:ext cx="4597200" cy="355500"/>
+          </a:xfrm>
+          <a:prstGeom prst="rect">
+            <a:avLst/>
+          </a:prstGeom>
+          <a:solidFill>
+            <a:srgbClr val="434343"/>
+          </a:solidFill>
+          <a:ln>
+            <a:noFill/>
+          </a:ln>
+        </p:spPr>
+        <p:txBody>
+          <a:bodyPr anchorCtr="0" anchor="t" bIns="91425" lIns="91425" spcFirstLastPara="1" rIns="91425" wrap="square" tIns="91425">
+            <a:noAutofit/>
+          </a:bodyPr>
+          <a:lstStyle/>
+          <a:p>
+            <a:pPr indent="0" lvl="0" marL="0" rtl="0" algn="l">
+              <a:spcBef>
+                <a:spcPts val="0"/>
+              </a:spcBef>
+              <a:spcAft>
+                <a:spcPts val="0"/>
+              </a:spcAft>
+              <a:buNone/>
+            </a:pPr>
+            <a:r>
+              <a:rPr lang="vi">
+                <a:solidFill>
+                  <a:srgbClr val="FFFFFF"/>
+                </a:solidFill>
+                <a:latin typeface="Lato"/>
+                <a:ea typeface="Lato"/>
+                <a:cs typeface="Lato"/>
+                <a:sym typeface="Lato"/>
+              </a:rPr>
+              <a:t>asfasfasdasgagasdafadafa</a:t>
+            </a:r>
+            <a:endParaRPr>
+              <a:solidFill>
+                <a:srgbClr val="FFFFFF"/>
+              </a:solidFill>
+              <a:latin typeface="Lato"/>
+              <a:ea typeface="Lato"/>
+              <a:cs typeface="Lato"/>
+              <a:sym typeface="Lato"/>
+            </a:endParaRPr>
+          </a:p>
+        </p:txBody>
+      </p:sp>
+      <p:sp>
+        <p:nvSpPr>
+          <p:cNvPr id="255" name="Google Shape;255;p24"/>
+          <p:cNvSpPr txBox="1"/>
+          <p:nvPr/>
+        </p:nvSpPr>
+        <p:spPr>
+          <a:xfrm>
+            <a:off x="5475700" y="1659175"/>
+            <a:ext cx="2324700" cy="355500"/>
+          </a:xfrm>
+          <a:prstGeom prst="rect">
+            <a:avLst/>
+          </a:prstGeom>
+          <a:solidFill>
+            <a:srgbClr val="434343"/>
+          </a:solidFill>
+          <a:ln>
+            <a:noFill/>
+          </a:ln>
+        </p:spPr>
+        <p:txBody>
+          <a:bodyPr anchorCtr="0" anchor="t" bIns="91425" lIns="91425" spcFirstLastPara="1" rIns="91425" wrap="square" tIns="91425">
+            <a:noAutofit/>
+          </a:bodyPr>
+          <a:lstStyle/>
+          <a:p>
+            <a:pPr indent="0" lvl="0" marL="0" rtl="0" algn="l">
+              <a:spcBef>
+                <a:spcPts val="0"/>
+              </a:spcBef>
+              <a:spcAft>
+                <a:spcPts val="0"/>
+              </a:spcAft>
+              <a:buNone/>
+            </a:pPr>
+            <a:r>
+              <a:rPr lang="vi">
+                <a:solidFill>
+                  <a:srgbClr val="FFFFFF"/>
+                </a:solidFill>
+                <a:latin typeface="Lato"/>
+                <a:ea typeface="Lato"/>
+                <a:cs typeface="Lato"/>
+                <a:sym typeface="Lato"/>
+              </a:rPr>
+              <a:t>haha </a:t>
+            </a:r>
+            <a:r>
+              <a:rPr lang="vi">
+                <a:solidFill>
+                  <a:srgbClr val="FFFFFF"/>
+                </a:solidFill>
+                <a:latin typeface="Lato"/>
+                <a:ea typeface="Lato"/>
+                <a:cs typeface="Lato"/>
+                <a:sym typeface="Lato"/>
+              </a:rPr>
+              <a:t>so funny</a:t>
+            </a:r>
+            <a:endParaRPr>
+              <a:solidFill>
+                <a:srgbClr val="FFFFFF"/>
+              </a:solidFill>
+              <a:latin typeface="Lato"/>
+              <a:ea typeface="Lato"/>
+              <a:cs typeface="Lato"/>
+              <a:sym typeface="Lato"/>
+            </a:endParaRPr>
+          </a:p>
+          <a:p>
+            <a:pPr indent="0" lvl="0" marL="0" rtl="0" algn="l">
+              <a:spcBef>
+                <a:spcPts val="0"/>
+              </a:spcBef>
+              <a:spcAft>
+                <a:spcPts val="0"/>
+              </a:spcAft>
+              <a:buNone/>
+            </a:pPr>
+            <a:r>
+              <a:t/>
+            </a:r>
+            <a:endParaRPr>
+              <a:solidFill>
+                <a:srgbClr val="FFFFFF"/>
+              </a:solidFill>
+              <a:latin typeface="Lato"/>
+              <a:ea typeface="Lato"/>
+              <a:cs typeface="Lato"/>
+              <a:sym typeface="Lato"/>
+            </a:endParaRPr>
+          </a:p>
+        </p:txBody>
+      </p:sp>
+      <p:sp>
+        <p:nvSpPr>
+          <p:cNvPr id="256" name="Google Shape;256;p24"/>
+          <p:cNvSpPr txBox="1"/>
+          <p:nvPr/>
+        </p:nvSpPr>
+        <p:spPr>
+          <a:xfrm>
+            <a:off x="5475700" y="2099500"/>
+            <a:ext cx="2324700" cy="355500"/>
+          </a:xfrm>
+          <a:prstGeom prst="rect">
+            <a:avLst/>
+          </a:prstGeom>
+          <a:solidFill>
+            <a:srgbClr val="434343"/>
+          </a:solidFill>
+          <a:ln>
+            <a:noFill/>
+          </a:ln>
+        </p:spPr>
+        <p:txBody>
+          <a:bodyPr anchorCtr="0" anchor="t" bIns="91425" lIns="91425" spcFirstLastPara="1" rIns="91425" wrap="square" tIns="91425">
+            <a:noAutofit/>
+          </a:bodyPr>
+          <a:lstStyle/>
+          <a:p>
+            <a:pPr indent="0" lvl="0" marL="0" rtl="0" algn="l">
+              <a:spcBef>
+                <a:spcPts val="0"/>
+              </a:spcBef>
+              <a:spcAft>
+                <a:spcPts val="0"/>
+              </a:spcAft>
+              <a:buNone/>
+            </a:pPr>
+            <a:r>
+              <a:rPr lang="vi">
+                <a:solidFill>
+                  <a:srgbClr val="FFFFFF"/>
+                </a:solidFill>
+                <a:latin typeface="Lato"/>
+                <a:ea typeface="Lato"/>
+                <a:cs typeface="Lato"/>
+                <a:sym typeface="Lato"/>
+              </a:rPr>
+              <a:t>laugh my ass off</a:t>
+            </a:r>
+            <a:endParaRPr>
+              <a:solidFill>
+                <a:srgbClr val="FFFFFF"/>
+              </a:solidFill>
+              <a:latin typeface="Lato"/>
+              <a:ea typeface="Lato"/>
+              <a:cs typeface="Lato"/>
+              <a:sym typeface="Lato"/>
+            </a:endParaRPr>
+          </a:p>
+        </p:txBody>
+      </p:sp>
+      <p:sp>
+        <p:nvSpPr>
+          <p:cNvPr id="257" name="Google Shape;257;p24"/>
+          <p:cNvSpPr txBox="1"/>
+          <p:nvPr/>
+        </p:nvSpPr>
+        <p:spPr>
+          <a:xfrm>
+            <a:off x="5475700" y="2539825"/>
+            <a:ext cx="2324700" cy="355500"/>
+          </a:xfrm>
+          <a:prstGeom prst="rect">
+            <a:avLst/>
+          </a:prstGeom>
+          <a:solidFill>
+            <a:srgbClr val="434343"/>
+          </a:solidFill>
+          <a:ln>
+            <a:noFill/>
+          </a:ln>
+        </p:spPr>
+        <p:txBody>
+          <a:bodyPr anchorCtr="0" anchor="t" bIns="91425" lIns="91425" spcFirstLastPara="1" rIns="91425" wrap="square" tIns="91425">
+            <a:noAutofit/>
+          </a:bodyPr>
+          <a:lstStyle/>
+          <a:p>
+            <a:pPr indent="0" lvl="0" marL="0" rtl="0" algn="l">
+              <a:spcBef>
+                <a:spcPts val="0"/>
+              </a:spcBef>
+              <a:spcAft>
+                <a:spcPts val="0"/>
+              </a:spcAft>
+              <a:buNone/>
+            </a:pPr>
+            <a:r>
+              <a:rPr lang="vi">
+                <a:solidFill>
+                  <a:srgbClr val="FFFFFF"/>
+                </a:solidFill>
+                <a:latin typeface="Lato"/>
+                <a:ea typeface="Lato"/>
+                <a:cs typeface="Lato"/>
+                <a:sym typeface="Lato"/>
+              </a:rPr>
+              <a:t>good morning everyone</a:t>
+            </a:r>
+            <a:endParaRPr>
+              <a:solidFill>
+                <a:srgbClr val="FFFFFF"/>
+              </a:solidFill>
+              <a:latin typeface="Lato"/>
+              <a:ea typeface="Lato"/>
+              <a:cs typeface="Lato"/>
+              <a:sym typeface="Lato"/>
+            </a:endParaRPr>
+          </a:p>
+        </p:txBody>
+      </p:sp>
+      <p:sp>
+        <p:nvSpPr>
+          <p:cNvPr id="258" name="Google Shape;258;p24"/>
+          <p:cNvSpPr txBox="1"/>
+          <p:nvPr/>
+        </p:nvSpPr>
+        <p:spPr>
+          <a:xfrm>
+            <a:off x="5475700" y="2980150"/>
+            <a:ext cx="2324700" cy="355500"/>
+          </a:xfrm>
+          <a:prstGeom prst="rect">
+            <a:avLst/>
+          </a:prstGeom>
+          <a:solidFill>
+            <a:srgbClr val="434343"/>
+          </a:solidFill>
+          <a:ln>
+            <a:noFill/>
+          </a:ln>
+        </p:spPr>
+        <p:txBody>
+          <a:bodyPr anchorCtr="0" anchor="t" bIns="91425" lIns="91425" spcFirstLastPara="1" rIns="91425" wrap="square" tIns="91425">
+            <a:noAutofit/>
+          </a:bodyPr>
+          <a:lstStyle/>
+          <a:p>
+            <a:pPr indent="0" lvl="0" marL="0" rtl="0" algn="l">
+              <a:spcBef>
+                <a:spcPts val="0"/>
+              </a:spcBef>
+              <a:spcAft>
+                <a:spcPts val="0"/>
+              </a:spcAft>
+              <a:buNone/>
+            </a:pPr>
+            <a:r>
+              <a:rPr lang="vi">
+                <a:solidFill>
+                  <a:srgbClr val="FFFFFF"/>
+                </a:solidFill>
+                <a:latin typeface="Lato"/>
+                <a:ea typeface="Lato"/>
+                <a:cs typeface="Lato"/>
+                <a:sym typeface="Lato"/>
+              </a:rPr>
+              <a:t>who watch in</a:t>
+            </a:r>
+            <a:endParaRPr>
+              <a:solidFill>
+                <a:srgbClr val="FFFFFF"/>
+              </a:solidFill>
+              <a:latin typeface="Lato"/>
+              <a:ea typeface="Lato"/>
+              <a:cs typeface="Lato"/>
+              <a:sym typeface="Lato"/>
+            </a:endParaRPr>
+          </a:p>
+        </p:txBody>
+      </p:sp>
+      <p:sp>
+        <p:nvSpPr>
+          <p:cNvPr id="259" name="Google Shape;259;p24"/>
+          <p:cNvSpPr txBox="1"/>
+          <p:nvPr/>
+        </p:nvSpPr>
+        <p:spPr>
+          <a:xfrm>
+            <a:off x="5475700" y="3420475"/>
+            <a:ext cx="2324700" cy="355500"/>
+          </a:xfrm>
+          <a:prstGeom prst="rect">
+            <a:avLst/>
+          </a:prstGeom>
+          <a:solidFill>
+            <a:srgbClr val="434343"/>
+          </a:solidFill>
+          <a:ln>
+            <a:noFill/>
+          </a:ln>
+        </p:spPr>
+        <p:txBody>
+          <a:bodyPr anchorCtr="0" anchor="t" bIns="91425" lIns="91425" spcFirstLastPara="1" rIns="91425" wrap="square" tIns="91425">
+            <a:noAutofit/>
+          </a:bodyPr>
+          <a:lstStyle/>
+          <a:p>
+            <a:pPr indent="0" lvl="0" marL="0" rtl="0" algn="l">
+              <a:spcBef>
+                <a:spcPts val="0"/>
+              </a:spcBef>
+              <a:spcAft>
+                <a:spcPts val="0"/>
+              </a:spcAft>
+              <a:buNone/>
+            </a:pPr>
+            <a:r>
+              <a:rPr lang="vi">
+                <a:solidFill>
+                  <a:srgbClr val="FFFFFF"/>
+                </a:solidFill>
+                <a:latin typeface="Lato"/>
+                <a:ea typeface="Lato"/>
+                <a:cs typeface="Lato"/>
+                <a:sym typeface="Lato"/>
+              </a:rPr>
+              <a:t>Love love sweetheart</a:t>
+            </a:r>
+            <a:endParaRPr>
+              <a:solidFill>
+                <a:srgbClr val="FFFFFF"/>
+              </a:solidFill>
+              <a:latin typeface="Lato"/>
+              <a:ea typeface="Lato"/>
+              <a:cs typeface="Lato"/>
+              <a:sym typeface="Lato"/>
+            </a:endParaRPr>
+          </a:p>
+        </p:txBody>
+      </p:sp>
+      <p:sp>
+        <p:nvSpPr>
+          <p:cNvPr id="260" name="Google Shape;260;p24"/>
+          <p:cNvSpPr txBox="1"/>
+          <p:nvPr/>
+        </p:nvSpPr>
+        <p:spPr>
+          <a:xfrm>
+            <a:off x="5475700" y="3860800"/>
+            <a:ext cx="2324700" cy="355500"/>
+          </a:xfrm>
+          <a:prstGeom prst="rect">
+            <a:avLst/>
+          </a:prstGeom>
+          <a:solidFill>
+            <a:srgbClr val="434343"/>
+          </a:solidFill>
+          <a:ln>
+            <a:noFill/>
+          </a:ln>
+        </p:spPr>
+        <p:txBody>
+          <a:bodyPr anchorCtr="0" anchor="t" bIns="91425" lIns="91425" spcFirstLastPara="1" rIns="91425" wrap="square" tIns="91425">
+            <a:noAutofit/>
+          </a:bodyPr>
+          <a:lstStyle/>
+          <a:p>
+            <a:pPr indent="0" lvl="0" marL="0" rtl="0" algn="l">
+              <a:spcBef>
+                <a:spcPts val="0"/>
+              </a:spcBef>
+              <a:spcAft>
+                <a:spcPts val="0"/>
+              </a:spcAft>
+              <a:buNone/>
+            </a:pPr>
+            <a:r>
+              <a:t/>
+            </a:r>
+            <a:endParaRPr>
+              <a:solidFill>
+                <a:srgbClr val="FFFFFF"/>
+              </a:solidFill>
+              <a:latin typeface="Lato"/>
+              <a:ea typeface="Lato"/>
+              <a:cs typeface="Lato"/>
+              <a:sym typeface="Lato"/>
+            </a:endParaRPr>
           </a:p>
         </p:txBody>
       </p:sp>
@@ -11926,7 +12859,7 @@
 </p:sld>
 </file>
 
-<file path=ppt/slides/slide12.xml><?xml version="1.0" encoding="utf-8"?>
+<file path=ppt/slides/slide13.xml><?xml version="1.0" encoding="utf-8"?>
 <p:sld xmlns:a="http://schemas.openxmlformats.org/drawingml/2006/main" xmlns:r="http://schemas.openxmlformats.org/officeDocument/2006/relationships" xmlns:mc="http://schemas.openxmlformats.org/markup-compatibility/2006" xmlns:mv="urn:schemas-microsoft-com:mac:vml" xmlns:p="http://schemas.openxmlformats.org/presentationml/2006/main" xmlns:c="http://schemas.openxmlformats.org/drawingml/2006/chart" xmlns:dgm="http://schemas.openxmlformats.org/drawingml/2006/diagram" xmlns:o="urn:schemas-microsoft-com:office:office" xmlns:v="urn:schemas-microsoft-com:vml" xmlns:pvml="urn:schemas-microsoft-com:office:powerpoint" xmlns:com="http://schemas.openxmlformats.org/drawingml/2006/compatibility" xmlns:p14="http://schemas.microsoft.com/office/powerpoint/2010/main" xmlns:p15="http://schemas.microsoft.com/office/powerpoint/2012/main">
   <p:cSld>
     <p:spTree>
@@ -11945,7 +12878,7 @@
       </p:grpSpPr>
       <p:sp>
         <p:nvSpPr>
-          <p:cNvPr id="265" name="Google Shape;265;p24"/>
+          <p:cNvPr id="265" name="Google Shape;265;p25"/>
           <p:cNvSpPr txBox="1"/>
           <p:nvPr>
             <p:ph type="title"/>
@@ -11993,7 +12926,7 @@
             </a:pPr>
             <a:r>
               <a:rPr lang="vi" sz="1800"/>
-              <a:t>Model ‘s struture</a:t>
+              <a:t>Preprocessing data</a:t>
             </a:r>
             <a:endParaRPr sz="1800"/>
           </a:p>
@@ -12001,20 +12934,1181 @@
       </p:sp>
       <p:sp>
         <p:nvSpPr>
-          <p:cNvPr id="266" name="Google Shape;266;p24"/>
+          <p:cNvPr id="266" name="Google Shape;266;p25"/>
           <p:cNvSpPr txBox="1"/>
-          <p:nvPr>
-            <p:ph idx="1" type="body"/>
-          </p:nvPr>
+          <p:nvPr/>
         </p:nvSpPr>
         <p:spPr>
           <a:xfrm>
-            <a:off x="1297500" y="1567550"/>
-            <a:ext cx="7038900" cy="2911200"/>
+            <a:off x="1361150" y="2473600"/>
+            <a:ext cx="1151700" cy="418800"/>
           </a:xfrm>
           <a:prstGeom prst="rect">
             <a:avLst/>
           </a:prstGeom>
+          <a:solidFill>
+            <a:srgbClr val="FFFFFF"/>
+          </a:solidFill>
+          <a:ln>
+            <a:noFill/>
+          </a:ln>
+        </p:spPr>
+        <p:txBody>
+          <a:bodyPr anchorCtr="0" anchor="ctr" bIns="91425" lIns="91425" spcFirstLastPara="1" rIns="91425" wrap="square" tIns="91425">
+            <a:noAutofit/>
+          </a:bodyPr>
+          <a:lstStyle/>
+          <a:p>
+            <a:pPr indent="0" lvl="0" marL="0" rtl="0" algn="ctr">
+              <a:spcBef>
+                <a:spcPts val="0"/>
+              </a:spcBef>
+              <a:spcAft>
+                <a:spcPts val="0"/>
+              </a:spcAft>
+              <a:buNone/>
+            </a:pPr>
+            <a:r>
+              <a:rPr lang="vi" sz="1000">
+                <a:latin typeface="Montserrat"/>
+                <a:ea typeface="Montserrat"/>
+                <a:cs typeface="Montserrat"/>
+                <a:sym typeface="Montserrat"/>
+              </a:rPr>
+              <a:t>Normalize</a:t>
+            </a:r>
+            <a:endParaRPr sz="1000">
+              <a:latin typeface="Montserrat"/>
+              <a:ea typeface="Montserrat"/>
+              <a:cs typeface="Montserrat"/>
+              <a:sym typeface="Montserrat"/>
+            </a:endParaRPr>
+          </a:p>
+        </p:txBody>
+      </p:sp>
+      <p:sp>
+        <p:nvSpPr>
+          <p:cNvPr id="267" name="Google Shape;267;p25"/>
+          <p:cNvSpPr txBox="1"/>
+          <p:nvPr/>
+        </p:nvSpPr>
+        <p:spPr>
+          <a:xfrm>
+            <a:off x="2755325" y="2473600"/>
+            <a:ext cx="1151700" cy="418800"/>
+          </a:xfrm>
+          <a:prstGeom prst="rect">
+            <a:avLst/>
+          </a:prstGeom>
+          <a:solidFill>
+            <a:srgbClr val="FFFFFF"/>
+          </a:solidFill>
+          <a:ln>
+            <a:noFill/>
+          </a:ln>
+        </p:spPr>
+        <p:txBody>
+          <a:bodyPr anchorCtr="0" anchor="ctr" bIns="91425" lIns="91425" spcFirstLastPara="1" rIns="91425" wrap="square" tIns="91425">
+            <a:noAutofit/>
+          </a:bodyPr>
+          <a:lstStyle/>
+          <a:p>
+            <a:pPr indent="0" lvl="0" marL="0" rtl="0" algn="ctr">
+              <a:spcBef>
+                <a:spcPts val="0"/>
+              </a:spcBef>
+              <a:spcAft>
+                <a:spcPts val="0"/>
+              </a:spcAft>
+              <a:buNone/>
+            </a:pPr>
+            <a:r>
+              <a:rPr lang="vi" sz="1000">
+                <a:latin typeface="Montserrat"/>
+                <a:ea typeface="Montserrat"/>
+                <a:cs typeface="Montserrat"/>
+                <a:sym typeface="Montserrat"/>
+              </a:rPr>
+              <a:t>Translate unknown</a:t>
+            </a:r>
+            <a:endParaRPr sz="1000">
+              <a:latin typeface="Montserrat"/>
+              <a:ea typeface="Montserrat"/>
+              <a:cs typeface="Montserrat"/>
+              <a:sym typeface="Montserrat"/>
+            </a:endParaRPr>
+          </a:p>
+        </p:txBody>
+      </p:sp>
+      <p:sp>
+        <p:nvSpPr>
+          <p:cNvPr id="268" name="Google Shape;268;p25"/>
+          <p:cNvSpPr txBox="1"/>
+          <p:nvPr/>
+        </p:nvSpPr>
+        <p:spPr>
+          <a:xfrm>
+            <a:off x="4149500" y="2473600"/>
+            <a:ext cx="1151700" cy="418800"/>
+          </a:xfrm>
+          <a:prstGeom prst="rect">
+            <a:avLst/>
+          </a:prstGeom>
+          <a:solidFill>
+            <a:srgbClr val="FFFFFF"/>
+          </a:solidFill>
+          <a:ln>
+            <a:noFill/>
+          </a:ln>
+        </p:spPr>
+        <p:txBody>
+          <a:bodyPr anchorCtr="0" anchor="ctr" bIns="91425" lIns="91425" spcFirstLastPara="1" rIns="91425" wrap="square" tIns="91425">
+            <a:noAutofit/>
+          </a:bodyPr>
+          <a:lstStyle/>
+          <a:p>
+            <a:pPr indent="0" lvl="0" marL="0" rtl="0" algn="ctr">
+              <a:spcBef>
+                <a:spcPts val="0"/>
+              </a:spcBef>
+              <a:spcAft>
+                <a:spcPts val="0"/>
+              </a:spcAft>
+              <a:buNone/>
+            </a:pPr>
+            <a:r>
+              <a:rPr lang="vi" sz="1000">
+                <a:latin typeface="Montserrat"/>
+                <a:ea typeface="Montserrat"/>
+                <a:cs typeface="Montserrat"/>
+                <a:sym typeface="Montserrat"/>
+              </a:rPr>
+              <a:t>Normalize</a:t>
+            </a:r>
+            <a:endParaRPr sz="1000">
+              <a:latin typeface="Montserrat"/>
+              <a:ea typeface="Montserrat"/>
+              <a:cs typeface="Montserrat"/>
+              <a:sym typeface="Montserrat"/>
+            </a:endParaRPr>
+          </a:p>
+        </p:txBody>
+      </p:sp>
+      <p:sp>
+        <p:nvSpPr>
+          <p:cNvPr id="269" name="Google Shape;269;p25"/>
+          <p:cNvSpPr txBox="1"/>
+          <p:nvPr/>
+        </p:nvSpPr>
+        <p:spPr>
+          <a:xfrm>
+            <a:off x="5479800" y="2473600"/>
+            <a:ext cx="1151700" cy="418800"/>
+          </a:xfrm>
+          <a:prstGeom prst="rect">
+            <a:avLst/>
+          </a:prstGeom>
+          <a:solidFill>
+            <a:srgbClr val="FFFFFF"/>
+          </a:solidFill>
+          <a:ln>
+            <a:noFill/>
+          </a:ln>
+        </p:spPr>
+        <p:txBody>
+          <a:bodyPr anchorCtr="0" anchor="ctr" bIns="91425" lIns="91425" spcFirstLastPara="1" rIns="91425" wrap="square" tIns="91425">
+            <a:noAutofit/>
+          </a:bodyPr>
+          <a:lstStyle/>
+          <a:p>
+            <a:pPr indent="0" lvl="0" marL="0" rtl="0" algn="ctr">
+              <a:spcBef>
+                <a:spcPts val="0"/>
+              </a:spcBef>
+              <a:spcAft>
+                <a:spcPts val="0"/>
+              </a:spcAft>
+              <a:buNone/>
+            </a:pPr>
+            <a:r>
+              <a:rPr lang="vi" sz="1000">
+                <a:latin typeface="Montserrat"/>
+                <a:ea typeface="Montserrat"/>
+                <a:cs typeface="Montserrat"/>
+                <a:sym typeface="Montserrat"/>
+              </a:rPr>
+              <a:t>Remove space</a:t>
+            </a:r>
+            <a:endParaRPr sz="1000">
+              <a:latin typeface="Montserrat"/>
+              <a:ea typeface="Montserrat"/>
+              <a:cs typeface="Montserrat"/>
+              <a:sym typeface="Montserrat"/>
+            </a:endParaRPr>
+          </a:p>
+        </p:txBody>
+      </p:sp>
+      <p:sp>
+        <p:nvSpPr>
+          <p:cNvPr id="270" name="Google Shape;270;p25"/>
+          <p:cNvSpPr txBox="1"/>
+          <p:nvPr/>
+        </p:nvSpPr>
+        <p:spPr>
+          <a:xfrm>
+            <a:off x="6810100" y="2473600"/>
+            <a:ext cx="1151700" cy="418800"/>
+          </a:xfrm>
+          <a:prstGeom prst="rect">
+            <a:avLst/>
+          </a:prstGeom>
+          <a:solidFill>
+            <a:srgbClr val="FFFFFF"/>
+          </a:solidFill>
+          <a:ln>
+            <a:noFill/>
+          </a:ln>
+        </p:spPr>
+        <p:txBody>
+          <a:bodyPr anchorCtr="0" anchor="ctr" bIns="91425" lIns="91425" spcFirstLastPara="1" rIns="91425" wrap="square" tIns="91425">
+            <a:noAutofit/>
+          </a:bodyPr>
+          <a:lstStyle/>
+          <a:p>
+            <a:pPr indent="0" lvl="0" marL="0" rtl="0" algn="ctr">
+              <a:spcBef>
+                <a:spcPts val="0"/>
+              </a:spcBef>
+              <a:spcAft>
+                <a:spcPts val="0"/>
+              </a:spcAft>
+              <a:buNone/>
+            </a:pPr>
+            <a:r>
+              <a:rPr lang="vi" sz="1000">
+                <a:latin typeface="Montserrat"/>
+                <a:ea typeface="Montserrat"/>
+                <a:cs typeface="Montserrat"/>
+                <a:sym typeface="Montserrat"/>
+              </a:rPr>
+              <a:t>Remove stop word</a:t>
+            </a:r>
+            <a:endParaRPr sz="1000">
+              <a:latin typeface="Montserrat"/>
+              <a:ea typeface="Montserrat"/>
+              <a:cs typeface="Montserrat"/>
+              <a:sym typeface="Montserrat"/>
+            </a:endParaRPr>
+          </a:p>
+        </p:txBody>
+      </p:sp>
+      <p:cxnSp>
+        <p:nvCxnSpPr>
+          <p:cNvPr id="271" name="Google Shape;271;p25"/>
+          <p:cNvCxnSpPr>
+            <a:stCxn id="266" idx="3"/>
+            <a:endCxn id="267" idx="1"/>
+          </p:cNvCxnSpPr>
+          <p:nvPr/>
+        </p:nvCxnSpPr>
+        <p:spPr>
+          <a:xfrm>
+            <a:off x="2512850" y="2683000"/>
+            <a:ext cx="242400" cy="0"/>
+          </a:xfrm>
+          <a:prstGeom prst="straightConnector1">
+            <a:avLst/>
+          </a:prstGeom>
+          <a:noFill/>
+          <a:ln cap="flat" cmpd="sng" w="9525">
+            <a:solidFill>
+              <a:schemeClr val="dk2"/>
+            </a:solidFill>
+            <a:prstDash val="solid"/>
+            <a:round/>
+            <a:headEnd len="med" w="med" type="none"/>
+            <a:tailEnd len="med" w="med" type="triangle"/>
+          </a:ln>
+        </p:spPr>
+      </p:cxnSp>
+      <p:cxnSp>
+        <p:nvCxnSpPr>
+          <p:cNvPr id="272" name="Google Shape;272;p25"/>
+          <p:cNvCxnSpPr>
+            <a:endCxn id="268" idx="1"/>
+          </p:cNvCxnSpPr>
+          <p:nvPr/>
+        </p:nvCxnSpPr>
+        <p:spPr>
+          <a:xfrm>
+            <a:off x="3907100" y="2683000"/>
+            <a:ext cx="242400" cy="0"/>
+          </a:xfrm>
+          <a:prstGeom prst="straightConnector1">
+            <a:avLst/>
+          </a:prstGeom>
+          <a:noFill/>
+          <a:ln cap="flat" cmpd="sng" w="9525">
+            <a:solidFill>
+              <a:schemeClr val="dk2"/>
+            </a:solidFill>
+            <a:prstDash val="solid"/>
+            <a:round/>
+            <a:headEnd len="med" w="med" type="none"/>
+            <a:tailEnd len="med" w="med" type="triangle"/>
+          </a:ln>
+        </p:spPr>
+      </p:cxnSp>
+      <p:cxnSp>
+        <p:nvCxnSpPr>
+          <p:cNvPr id="273" name="Google Shape;273;p25"/>
+          <p:cNvCxnSpPr>
+            <a:stCxn id="268" idx="3"/>
+            <a:endCxn id="269" idx="1"/>
+          </p:cNvCxnSpPr>
+          <p:nvPr/>
+        </p:nvCxnSpPr>
+        <p:spPr>
+          <a:xfrm>
+            <a:off x="5301200" y="2683000"/>
+            <a:ext cx="178500" cy="0"/>
+          </a:xfrm>
+          <a:prstGeom prst="straightConnector1">
+            <a:avLst/>
+          </a:prstGeom>
+          <a:noFill/>
+          <a:ln cap="flat" cmpd="sng" w="9525">
+            <a:solidFill>
+              <a:schemeClr val="dk2"/>
+            </a:solidFill>
+            <a:prstDash val="solid"/>
+            <a:round/>
+            <a:headEnd len="med" w="med" type="none"/>
+            <a:tailEnd len="med" w="med" type="triangle"/>
+          </a:ln>
+        </p:spPr>
+      </p:cxnSp>
+      <p:cxnSp>
+        <p:nvCxnSpPr>
+          <p:cNvPr id="274" name="Google Shape;274;p25"/>
+          <p:cNvCxnSpPr>
+            <a:stCxn id="269" idx="3"/>
+            <a:endCxn id="270" idx="1"/>
+          </p:cNvCxnSpPr>
+          <p:nvPr/>
+        </p:nvCxnSpPr>
+        <p:spPr>
+          <a:xfrm>
+            <a:off x="6631500" y="2683000"/>
+            <a:ext cx="178500" cy="0"/>
+          </a:xfrm>
+          <a:prstGeom prst="straightConnector1">
+            <a:avLst/>
+          </a:prstGeom>
+          <a:noFill/>
+          <a:ln cap="flat" cmpd="sng" w="9525">
+            <a:solidFill>
+              <a:schemeClr val="dk2"/>
+            </a:solidFill>
+            <a:prstDash val="solid"/>
+            <a:round/>
+            <a:headEnd len="med" w="med" type="none"/>
+            <a:tailEnd len="med" w="med" type="triangle"/>
+          </a:ln>
+        </p:spPr>
+      </p:cxnSp>
+      <p:sp>
+        <p:nvSpPr>
+          <p:cNvPr id="275" name="Google Shape;275;p25"/>
+          <p:cNvSpPr/>
+          <p:nvPr/>
+        </p:nvSpPr>
+        <p:spPr>
+          <a:xfrm>
+            <a:off x="251575" y="2473600"/>
+            <a:ext cx="909000" cy="418800"/>
+          </a:xfrm>
+          <a:prstGeom prst="foldedCorner">
+            <a:avLst>
+              <a:gd fmla="val 16667" name="adj"/>
+            </a:avLst>
+          </a:prstGeom>
+          <a:solidFill>
+            <a:srgbClr val="FFFFFF"/>
+          </a:solidFill>
+          <a:ln cap="flat" cmpd="sng" w="9525">
+            <a:solidFill>
+              <a:schemeClr val="dk2"/>
+            </a:solidFill>
+            <a:prstDash val="solid"/>
+            <a:round/>
+            <a:headEnd len="sm" w="sm" type="none"/>
+            <a:tailEnd len="sm" w="sm" type="none"/>
+          </a:ln>
+        </p:spPr>
+        <p:txBody>
+          <a:bodyPr anchorCtr="0" anchor="ctr" bIns="91425" lIns="91425" spcFirstLastPara="1" rIns="91425" wrap="square" tIns="91425">
+            <a:noAutofit/>
+          </a:bodyPr>
+          <a:lstStyle/>
+          <a:p>
+            <a:pPr indent="0" lvl="0" marL="0" rtl="0" algn="ctr">
+              <a:spcBef>
+                <a:spcPts val="0"/>
+              </a:spcBef>
+              <a:spcAft>
+                <a:spcPts val="0"/>
+              </a:spcAft>
+              <a:buNone/>
+            </a:pPr>
+            <a:r>
+              <a:rPr lang="vi" sz="1000">
+                <a:latin typeface="Montserrat"/>
+                <a:ea typeface="Montserrat"/>
+                <a:cs typeface="Montserrat"/>
+                <a:sym typeface="Montserrat"/>
+              </a:rPr>
+              <a:t>INPUT</a:t>
+            </a:r>
+            <a:endParaRPr sz="1000">
+              <a:latin typeface="Montserrat"/>
+              <a:ea typeface="Montserrat"/>
+              <a:cs typeface="Montserrat"/>
+              <a:sym typeface="Montserrat"/>
+            </a:endParaRPr>
+          </a:p>
+        </p:txBody>
+      </p:sp>
+      <p:sp>
+        <p:nvSpPr>
+          <p:cNvPr id="276" name="Google Shape;276;p25"/>
+          <p:cNvSpPr/>
+          <p:nvPr/>
+        </p:nvSpPr>
+        <p:spPr>
+          <a:xfrm>
+            <a:off x="8095524" y="2473600"/>
+            <a:ext cx="909000" cy="418800"/>
+          </a:xfrm>
+          <a:prstGeom prst="foldedCorner">
+            <a:avLst>
+              <a:gd fmla="val 16667" name="adj"/>
+            </a:avLst>
+          </a:prstGeom>
+          <a:solidFill>
+            <a:srgbClr val="FFFFFF"/>
+          </a:solidFill>
+          <a:ln cap="flat" cmpd="sng" w="9525">
+            <a:solidFill>
+              <a:schemeClr val="dk2"/>
+            </a:solidFill>
+            <a:prstDash val="solid"/>
+            <a:round/>
+            <a:headEnd len="sm" w="sm" type="none"/>
+            <a:tailEnd len="sm" w="sm" type="none"/>
+          </a:ln>
+        </p:spPr>
+        <p:txBody>
+          <a:bodyPr anchorCtr="0" anchor="ctr" bIns="91425" lIns="91425" spcFirstLastPara="1" rIns="91425" wrap="square" tIns="91425">
+            <a:noAutofit/>
+          </a:bodyPr>
+          <a:lstStyle/>
+          <a:p>
+            <a:pPr indent="0" lvl="0" marL="0" rtl="0" algn="ctr">
+              <a:spcBef>
+                <a:spcPts val="0"/>
+              </a:spcBef>
+              <a:spcAft>
+                <a:spcPts val="0"/>
+              </a:spcAft>
+              <a:buNone/>
+            </a:pPr>
+            <a:r>
+              <a:rPr lang="vi" sz="1000">
+                <a:latin typeface="Montserrat"/>
+                <a:ea typeface="Montserrat"/>
+                <a:cs typeface="Montserrat"/>
+                <a:sym typeface="Montserrat"/>
+              </a:rPr>
+              <a:t>OUTPUT</a:t>
+            </a:r>
+            <a:endParaRPr sz="1000">
+              <a:latin typeface="Montserrat"/>
+              <a:ea typeface="Montserrat"/>
+              <a:cs typeface="Montserrat"/>
+              <a:sym typeface="Montserrat"/>
+            </a:endParaRPr>
+          </a:p>
+        </p:txBody>
+      </p:sp>
+      <p:sp>
+        <p:nvSpPr>
+          <p:cNvPr id="277" name="Google Shape;277;p25"/>
+          <p:cNvSpPr txBox="1"/>
+          <p:nvPr/>
+        </p:nvSpPr>
+        <p:spPr>
+          <a:xfrm>
+            <a:off x="221875" y="3180325"/>
+            <a:ext cx="968400" cy="1093500"/>
+          </a:xfrm>
+          <a:prstGeom prst="rect">
+            <a:avLst/>
+          </a:prstGeom>
+          <a:solidFill>
+            <a:srgbClr val="FFFFFF"/>
+          </a:solidFill>
+          <a:ln>
+            <a:noFill/>
+          </a:ln>
+        </p:spPr>
+        <p:txBody>
+          <a:bodyPr anchorCtr="0" anchor="ctr" bIns="91425" lIns="91425" spcFirstLastPara="1" rIns="91425" wrap="square" tIns="91425">
+            <a:noAutofit/>
+          </a:bodyPr>
+          <a:lstStyle/>
+          <a:p>
+            <a:pPr indent="0" lvl="0" marL="0" rtl="0" algn="ctr">
+              <a:spcBef>
+                <a:spcPts val="0"/>
+              </a:spcBef>
+              <a:spcAft>
+                <a:spcPts val="0"/>
+              </a:spcAft>
+              <a:buNone/>
+            </a:pPr>
+            <a:r>
+              <a:rPr lang="vi" sz="1000">
+                <a:latin typeface="Montserrat"/>
+                <a:ea typeface="Montserrat"/>
+                <a:cs typeface="Montserrat"/>
+                <a:sym typeface="Montserrat"/>
+              </a:rPr>
+              <a:t>This is an amazinggg VidEoEs </a:t>
+            </a:r>
+            <a:r>
+              <a:rPr lang="vi" sz="1000">
+                <a:latin typeface="Montserrat"/>
+                <a:ea typeface="Montserrat"/>
+                <a:cs typeface="Montserrat"/>
+                <a:sym typeface="Montserrat"/>
+              </a:rPr>
+              <a:t>owo</a:t>
+            </a:r>
+            <a:endParaRPr sz="1000">
+              <a:latin typeface="Montserrat"/>
+              <a:ea typeface="Montserrat"/>
+              <a:cs typeface="Montserrat"/>
+              <a:sym typeface="Montserrat"/>
+            </a:endParaRPr>
+          </a:p>
+          <a:p>
+            <a:pPr indent="0" lvl="0" marL="0" rtl="0" algn="ctr">
+              <a:spcBef>
+                <a:spcPts val="0"/>
+              </a:spcBef>
+              <a:spcAft>
+                <a:spcPts val="0"/>
+              </a:spcAft>
+              <a:buNone/>
+            </a:pPr>
+            <a:r>
+              <a:rPr lang="vi" sz="1000">
+                <a:solidFill>
+                  <a:srgbClr val="FFFFFF"/>
+                </a:solidFill>
+                <a:latin typeface="Montserrat"/>
+                <a:ea typeface="Montserrat"/>
+                <a:cs typeface="Montserrat"/>
+                <a:sym typeface="Montserrat"/>
+              </a:rPr>
+              <a:t>🥰🥰</a:t>
+            </a:r>
+            <a:r>
+              <a:rPr lang="vi" sz="1000">
+                <a:latin typeface="Montserrat"/>
+                <a:ea typeface="Montserrat"/>
+                <a:cs typeface="Montserrat"/>
+                <a:sym typeface="Montserrat"/>
+              </a:rPr>
+              <a:t> !!!!</a:t>
+            </a:r>
+            <a:endParaRPr sz="1000">
+              <a:latin typeface="Montserrat"/>
+              <a:ea typeface="Montserrat"/>
+              <a:cs typeface="Montserrat"/>
+              <a:sym typeface="Montserrat"/>
+            </a:endParaRPr>
+          </a:p>
+        </p:txBody>
+      </p:sp>
+      <p:sp>
+        <p:nvSpPr>
+          <p:cNvPr id="278" name="Google Shape;278;p25"/>
+          <p:cNvSpPr txBox="1"/>
+          <p:nvPr/>
+        </p:nvSpPr>
+        <p:spPr>
+          <a:xfrm>
+            <a:off x="1452800" y="3180325"/>
+            <a:ext cx="968400" cy="1093500"/>
+          </a:xfrm>
+          <a:prstGeom prst="rect">
+            <a:avLst/>
+          </a:prstGeom>
+          <a:solidFill>
+            <a:srgbClr val="FFFFFF"/>
+          </a:solidFill>
+          <a:ln>
+            <a:noFill/>
+          </a:ln>
+        </p:spPr>
+        <p:txBody>
+          <a:bodyPr anchorCtr="0" anchor="ctr" bIns="91425" lIns="91425" spcFirstLastPara="1" rIns="91425" wrap="square" tIns="91425">
+            <a:noAutofit/>
+          </a:bodyPr>
+          <a:lstStyle/>
+          <a:p>
+            <a:pPr indent="0" lvl="0" marL="0" rtl="0" algn="ctr">
+              <a:spcBef>
+                <a:spcPts val="0"/>
+              </a:spcBef>
+              <a:spcAft>
+                <a:spcPts val="0"/>
+              </a:spcAft>
+              <a:buNone/>
+            </a:pPr>
+            <a:r>
+              <a:rPr lang="vi" sz="1000">
+                <a:latin typeface="Montserrat"/>
+                <a:ea typeface="Montserrat"/>
+                <a:cs typeface="Montserrat"/>
+                <a:sym typeface="Montserrat"/>
+              </a:rPr>
+              <a:t>t</a:t>
+            </a:r>
+            <a:r>
+              <a:rPr lang="vi" sz="1000">
+                <a:latin typeface="Montserrat"/>
+                <a:ea typeface="Montserrat"/>
+                <a:cs typeface="Montserrat"/>
+                <a:sym typeface="Montserrat"/>
+              </a:rPr>
+              <a:t>his is an amazinggg videoes owo</a:t>
+            </a:r>
+            <a:endParaRPr sz="1000">
+              <a:latin typeface="Montserrat"/>
+              <a:ea typeface="Montserrat"/>
+              <a:cs typeface="Montserrat"/>
+              <a:sym typeface="Montserrat"/>
+            </a:endParaRPr>
+          </a:p>
+        </p:txBody>
+      </p:sp>
+      <p:sp>
+        <p:nvSpPr>
+          <p:cNvPr id="279" name="Google Shape;279;p25"/>
+          <p:cNvSpPr txBox="1"/>
+          <p:nvPr/>
+        </p:nvSpPr>
+        <p:spPr>
+          <a:xfrm>
+            <a:off x="2755325" y="3180325"/>
+            <a:ext cx="968400" cy="1093500"/>
+          </a:xfrm>
+          <a:prstGeom prst="rect">
+            <a:avLst/>
+          </a:prstGeom>
+          <a:solidFill>
+            <a:srgbClr val="FFFFFF"/>
+          </a:solidFill>
+          <a:ln>
+            <a:noFill/>
+          </a:ln>
+        </p:spPr>
+        <p:txBody>
+          <a:bodyPr anchorCtr="0" anchor="ctr" bIns="91425" lIns="91425" spcFirstLastPara="1" rIns="91425" wrap="square" tIns="91425">
+            <a:noAutofit/>
+          </a:bodyPr>
+          <a:lstStyle/>
+          <a:p>
+            <a:pPr indent="0" lvl="0" marL="0" rtl="0" algn="ctr">
+              <a:spcBef>
+                <a:spcPts val="0"/>
+              </a:spcBef>
+              <a:spcAft>
+                <a:spcPts val="0"/>
+              </a:spcAft>
+              <a:buNone/>
+            </a:pPr>
+            <a:r>
+              <a:rPr lang="vi" sz="1000">
+                <a:latin typeface="Montserrat"/>
+                <a:ea typeface="Montserrat"/>
+                <a:cs typeface="Montserrat"/>
+                <a:sym typeface="Montserrat"/>
+              </a:rPr>
+              <a:t>This is an amazing\ video</a:t>
+            </a:r>
+            <a:endParaRPr sz="1000">
+              <a:latin typeface="Montserrat"/>
+              <a:ea typeface="Montserrat"/>
+              <a:cs typeface="Montserrat"/>
+              <a:sym typeface="Montserrat"/>
+            </a:endParaRPr>
+          </a:p>
+          <a:p>
+            <a:pPr indent="0" lvl="0" marL="0" rtl="0" algn="ctr">
+              <a:spcBef>
+                <a:spcPts val="0"/>
+              </a:spcBef>
+              <a:spcAft>
+                <a:spcPts val="0"/>
+              </a:spcAft>
+              <a:buNone/>
+            </a:pPr>
+            <a:r>
+              <a:rPr lang="vi" sz="1000">
+                <a:latin typeface="Montserrat"/>
+                <a:ea typeface="Montserrat"/>
+                <a:cs typeface="Montserrat"/>
+                <a:sym typeface="Montserrat"/>
+              </a:rPr>
+              <a:t>    </a:t>
+            </a:r>
+            <a:endParaRPr sz="1000">
+              <a:latin typeface="Montserrat"/>
+              <a:ea typeface="Montserrat"/>
+              <a:cs typeface="Montserrat"/>
+              <a:sym typeface="Montserrat"/>
+            </a:endParaRPr>
+          </a:p>
+        </p:txBody>
+      </p:sp>
+      <p:sp>
+        <p:nvSpPr>
+          <p:cNvPr id="280" name="Google Shape;280;p25"/>
+          <p:cNvSpPr txBox="1"/>
+          <p:nvPr/>
+        </p:nvSpPr>
+        <p:spPr>
+          <a:xfrm>
+            <a:off x="4241150" y="3180325"/>
+            <a:ext cx="968400" cy="1093500"/>
+          </a:xfrm>
+          <a:prstGeom prst="rect">
+            <a:avLst/>
+          </a:prstGeom>
+          <a:solidFill>
+            <a:srgbClr val="FFFFFF"/>
+          </a:solidFill>
+          <a:ln>
+            <a:noFill/>
+          </a:ln>
+        </p:spPr>
+        <p:txBody>
+          <a:bodyPr anchorCtr="0" anchor="ctr" bIns="91425" lIns="91425" spcFirstLastPara="1" rIns="91425" wrap="square" tIns="91425">
+            <a:noAutofit/>
+          </a:bodyPr>
+          <a:lstStyle/>
+          <a:p>
+            <a:pPr indent="0" lvl="0" marL="0" rtl="0" algn="ctr">
+              <a:spcBef>
+                <a:spcPts val="0"/>
+              </a:spcBef>
+              <a:spcAft>
+                <a:spcPts val="0"/>
+              </a:spcAft>
+              <a:buNone/>
+            </a:pPr>
+            <a:r>
+              <a:rPr lang="vi" sz="1000">
+                <a:latin typeface="Montserrat"/>
+                <a:ea typeface="Montserrat"/>
+                <a:cs typeface="Montserrat"/>
+                <a:sym typeface="Montserrat"/>
+              </a:rPr>
+              <a:t>This is an amazing          video</a:t>
+            </a:r>
+            <a:endParaRPr sz="1000">
+              <a:latin typeface="Montserrat"/>
+              <a:ea typeface="Montserrat"/>
+              <a:cs typeface="Montserrat"/>
+              <a:sym typeface="Montserrat"/>
+            </a:endParaRPr>
+          </a:p>
+        </p:txBody>
+      </p:sp>
+      <p:sp>
+        <p:nvSpPr>
+          <p:cNvPr id="281" name="Google Shape;281;p25"/>
+          <p:cNvSpPr txBox="1"/>
+          <p:nvPr/>
+        </p:nvSpPr>
+        <p:spPr>
+          <a:xfrm>
+            <a:off x="5571450" y="3180325"/>
+            <a:ext cx="968400" cy="1093500"/>
+          </a:xfrm>
+          <a:prstGeom prst="rect">
+            <a:avLst/>
+          </a:prstGeom>
+          <a:solidFill>
+            <a:srgbClr val="FFFFFF"/>
+          </a:solidFill>
+          <a:ln>
+            <a:noFill/>
+          </a:ln>
+        </p:spPr>
+        <p:txBody>
+          <a:bodyPr anchorCtr="0" anchor="ctr" bIns="91425" lIns="91425" spcFirstLastPara="1" rIns="91425" wrap="square" tIns="91425">
+            <a:noAutofit/>
+          </a:bodyPr>
+          <a:lstStyle/>
+          <a:p>
+            <a:pPr indent="0" lvl="0" marL="0" rtl="0" algn="ctr">
+              <a:spcBef>
+                <a:spcPts val="0"/>
+              </a:spcBef>
+              <a:spcAft>
+                <a:spcPts val="0"/>
+              </a:spcAft>
+              <a:buNone/>
+            </a:pPr>
+            <a:r>
+              <a:rPr lang="vi" sz="1000">
+                <a:latin typeface="Montserrat"/>
+                <a:ea typeface="Montserrat"/>
+                <a:cs typeface="Montserrat"/>
+                <a:sym typeface="Montserrat"/>
+              </a:rPr>
+              <a:t>This is an amazing video</a:t>
+            </a:r>
+            <a:endParaRPr sz="1000">
+              <a:latin typeface="Montserrat"/>
+              <a:ea typeface="Montserrat"/>
+              <a:cs typeface="Montserrat"/>
+              <a:sym typeface="Montserrat"/>
+            </a:endParaRPr>
+          </a:p>
+        </p:txBody>
+      </p:sp>
+      <p:sp>
+        <p:nvSpPr>
+          <p:cNvPr id="282" name="Google Shape;282;p25"/>
+          <p:cNvSpPr txBox="1"/>
+          <p:nvPr/>
+        </p:nvSpPr>
+        <p:spPr>
+          <a:xfrm>
+            <a:off x="6901750" y="3180325"/>
+            <a:ext cx="968400" cy="1093500"/>
+          </a:xfrm>
+          <a:prstGeom prst="rect">
+            <a:avLst/>
+          </a:prstGeom>
+          <a:solidFill>
+            <a:srgbClr val="FFFFFF"/>
+          </a:solidFill>
+          <a:ln>
+            <a:noFill/>
+          </a:ln>
+        </p:spPr>
+        <p:txBody>
+          <a:bodyPr anchorCtr="0" anchor="ctr" bIns="91425" lIns="91425" spcFirstLastPara="1" rIns="91425" wrap="square" tIns="91425">
+            <a:noAutofit/>
+          </a:bodyPr>
+          <a:lstStyle/>
+          <a:p>
+            <a:pPr indent="0" lvl="0" marL="0" rtl="0" algn="ctr">
+              <a:spcBef>
+                <a:spcPts val="0"/>
+              </a:spcBef>
+              <a:spcAft>
+                <a:spcPts val="0"/>
+              </a:spcAft>
+              <a:buNone/>
+            </a:pPr>
+            <a:r>
+              <a:rPr lang="vi" sz="1000">
+                <a:latin typeface="Montserrat"/>
+                <a:ea typeface="Montserrat"/>
+                <a:cs typeface="Montserrat"/>
+                <a:sym typeface="Montserrat"/>
+              </a:rPr>
+              <a:t>amazing video</a:t>
+            </a:r>
+            <a:endParaRPr sz="1000">
+              <a:latin typeface="Montserrat"/>
+              <a:ea typeface="Montserrat"/>
+              <a:cs typeface="Montserrat"/>
+              <a:sym typeface="Montserrat"/>
+            </a:endParaRPr>
+          </a:p>
+        </p:txBody>
+      </p:sp>
+      <p:cxnSp>
+        <p:nvCxnSpPr>
+          <p:cNvPr id="283" name="Google Shape;283;p25"/>
+          <p:cNvCxnSpPr>
+            <a:stCxn id="270" idx="3"/>
+            <a:endCxn id="276" idx="1"/>
+          </p:cNvCxnSpPr>
+          <p:nvPr/>
+        </p:nvCxnSpPr>
+        <p:spPr>
+          <a:xfrm>
+            <a:off x="7961800" y="2683000"/>
+            <a:ext cx="133800" cy="0"/>
+          </a:xfrm>
+          <a:prstGeom prst="straightConnector1">
+            <a:avLst/>
+          </a:prstGeom>
+          <a:noFill/>
+          <a:ln cap="flat" cmpd="sng" w="9525">
+            <a:solidFill>
+              <a:schemeClr val="dk2"/>
+            </a:solidFill>
+            <a:prstDash val="solid"/>
+            <a:round/>
+            <a:headEnd len="med" w="med" type="none"/>
+            <a:tailEnd len="med" w="med" type="triangle"/>
+          </a:ln>
+        </p:spPr>
+      </p:cxnSp>
+      <p:cxnSp>
+        <p:nvCxnSpPr>
+          <p:cNvPr id="284" name="Google Shape;284;p25"/>
+          <p:cNvCxnSpPr>
+            <a:stCxn id="275" idx="3"/>
+            <a:endCxn id="266" idx="1"/>
+          </p:cNvCxnSpPr>
+          <p:nvPr/>
+        </p:nvCxnSpPr>
+        <p:spPr>
+          <a:xfrm>
+            <a:off x="1160575" y="2683000"/>
+            <a:ext cx="200700" cy="0"/>
+          </a:xfrm>
+          <a:prstGeom prst="straightConnector1">
+            <a:avLst/>
+          </a:prstGeom>
+          <a:noFill/>
+          <a:ln cap="flat" cmpd="sng" w="9525">
+            <a:solidFill>
+              <a:schemeClr val="dk2"/>
+            </a:solidFill>
+            <a:prstDash val="solid"/>
+            <a:round/>
+            <a:headEnd len="med" w="med" type="none"/>
+            <a:tailEnd len="med" w="med" type="triangle"/>
+          </a:ln>
+        </p:spPr>
+      </p:cxnSp>
+      <p:sp>
+        <p:nvSpPr>
+          <p:cNvPr id="285" name="Google Shape;285;p25"/>
+          <p:cNvSpPr txBox="1"/>
+          <p:nvPr/>
+        </p:nvSpPr>
+        <p:spPr>
+          <a:xfrm>
+            <a:off x="2474550" y="1538375"/>
+            <a:ext cx="584100" cy="798300"/>
+          </a:xfrm>
+          <a:prstGeom prst="rect">
+            <a:avLst/>
+          </a:prstGeom>
+          <a:noFill/>
+          <a:ln>
+            <a:noFill/>
+          </a:ln>
+        </p:spPr>
+        <p:txBody>
+          <a:bodyPr anchorCtr="0" anchor="t" bIns="91425" lIns="91425" spcFirstLastPara="1" rIns="91425" wrap="square" tIns="91425">
+            <a:noAutofit/>
+          </a:bodyPr>
+          <a:lstStyle/>
+          <a:p>
+            <a:pPr indent="0" lvl="0" marL="0" rtl="0" algn="r">
+              <a:spcBef>
+                <a:spcPts val="0"/>
+              </a:spcBef>
+              <a:spcAft>
+                <a:spcPts val="0"/>
+              </a:spcAft>
+              <a:buNone/>
+            </a:pPr>
+            <a:r>
+              <a:rPr lang="vi" sz="900">
+                <a:solidFill>
+                  <a:srgbClr val="FFFFFF"/>
+                </a:solidFill>
+                <a:latin typeface="Consolas"/>
+                <a:ea typeface="Consolas"/>
+                <a:cs typeface="Consolas"/>
+                <a:sym typeface="Consolas"/>
+              </a:rPr>
+              <a:t>dont</a:t>
+            </a:r>
+            <a:endParaRPr sz="900">
+              <a:solidFill>
+                <a:srgbClr val="FFFFFF"/>
+              </a:solidFill>
+              <a:latin typeface="Consolas"/>
+              <a:ea typeface="Consolas"/>
+              <a:cs typeface="Consolas"/>
+              <a:sym typeface="Consolas"/>
+            </a:endParaRPr>
+          </a:p>
+          <a:p>
+            <a:pPr indent="0" lvl="0" marL="0" rtl="0" algn="r">
+              <a:spcBef>
+                <a:spcPts val="0"/>
+              </a:spcBef>
+              <a:spcAft>
+                <a:spcPts val="0"/>
+              </a:spcAft>
+              <a:buNone/>
+            </a:pPr>
+            <a:r>
+              <a:rPr lang="vi" sz="900">
+                <a:solidFill>
+                  <a:srgbClr val="FFFFFF"/>
+                </a:solidFill>
+                <a:latin typeface="Consolas"/>
+                <a:ea typeface="Consolas"/>
+                <a:cs typeface="Consolas"/>
+                <a:sym typeface="Consolas"/>
+              </a:rPr>
+              <a:t>won’t</a:t>
+            </a:r>
+            <a:endParaRPr sz="900">
+              <a:solidFill>
+                <a:srgbClr val="FFFFFF"/>
+              </a:solidFill>
+              <a:latin typeface="Consolas"/>
+              <a:ea typeface="Consolas"/>
+              <a:cs typeface="Consolas"/>
+              <a:sym typeface="Consolas"/>
+            </a:endParaRPr>
+          </a:p>
+          <a:p>
+            <a:pPr indent="0" lvl="0" marL="0" rtl="0" algn="r">
+              <a:spcBef>
+                <a:spcPts val="0"/>
+              </a:spcBef>
+              <a:spcAft>
+                <a:spcPts val="0"/>
+              </a:spcAft>
+              <a:buNone/>
+            </a:pPr>
+            <a:r>
+              <a:rPr lang="vi" sz="900">
+                <a:solidFill>
+                  <a:srgbClr val="FFFFFF"/>
+                </a:solidFill>
+                <a:latin typeface="Consolas"/>
+                <a:ea typeface="Consolas"/>
+                <a:cs typeface="Consolas"/>
+                <a:sym typeface="Consolas"/>
+              </a:rPr>
+              <a:t>ppl</a:t>
+            </a:r>
+            <a:endParaRPr sz="900">
+              <a:solidFill>
+                <a:srgbClr val="FFFFFF"/>
+              </a:solidFill>
+              <a:latin typeface="Consolas"/>
+              <a:ea typeface="Consolas"/>
+              <a:cs typeface="Consolas"/>
+              <a:sym typeface="Consolas"/>
+            </a:endParaRPr>
+          </a:p>
+          <a:p>
+            <a:pPr indent="0" lvl="0" marL="0" rtl="0" algn="r">
+              <a:spcBef>
+                <a:spcPts val="0"/>
+              </a:spcBef>
+              <a:spcAft>
+                <a:spcPts val="0"/>
+              </a:spcAft>
+              <a:buNone/>
+            </a:pPr>
+            <a:r>
+              <a:rPr lang="vi" sz="900">
+                <a:solidFill>
+                  <a:srgbClr val="FFFFFF"/>
+                </a:solidFill>
+                <a:latin typeface="Consolas"/>
+                <a:ea typeface="Consolas"/>
+                <a:cs typeface="Consolas"/>
+                <a:sym typeface="Consolas"/>
+              </a:rPr>
+              <a:t>tbh</a:t>
+            </a:r>
+            <a:endParaRPr sz="900">
+              <a:solidFill>
+                <a:srgbClr val="FFFFFF"/>
+              </a:solidFill>
+              <a:latin typeface="Consolas"/>
+              <a:ea typeface="Consolas"/>
+              <a:cs typeface="Consolas"/>
+              <a:sym typeface="Consolas"/>
+            </a:endParaRPr>
+          </a:p>
+          <a:p>
+            <a:pPr indent="0" lvl="0" marL="0" rtl="0" algn="r">
+              <a:spcBef>
+                <a:spcPts val="0"/>
+              </a:spcBef>
+              <a:spcAft>
+                <a:spcPts val="0"/>
+              </a:spcAft>
+              <a:buNone/>
+            </a:pPr>
+            <a:r>
+              <a:rPr lang="vi" sz="900">
+                <a:solidFill>
+                  <a:srgbClr val="FFFFFF"/>
+                </a:solidFill>
+                <a:latin typeface="Consolas"/>
+                <a:ea typeface="Consolas"/>
+                <a:cs typeface="Consolas"/>
+                <a:sym typeface="Consolas"/>
+              </a:rPr>
+              <a:t>...</a:t>
+            </a:r>
+            <a:endParaRPr sz="900">
+              <a:solidFill>
+                <a:srgbClr val="FFFFFF"/>
+              </a:solidFill>
+              <a:latin typeface="Consolas"/>
+              <a:ea typeface="Consolas"/>
+              <a:cs typeface="Consolas"/>
+              <a:sym typeface="Consolas"/>
+            </a:endParaRPr>
+          </a:p>
+        </p:txBody>
+      </p:sp>
+      <p:sp>
+        <p:nvSpPr>
+          <p:cNvPr id="286" name="Google Shape;286;p25"/>
+          <p:cNvSpPr txBox="1"/>
+          <p:nvPr/>
+        </p:nvSpPr>
+        <p:spPr>
+          <a:xfrm>
+            <a:off x="3210400" y="1538375"/>
+            <a:ext cx="968400" cy="798300"/>
+          </a:xfrm>
+          <a:prstGeom prst="rect">
+            <a:avLst/>
+          </a:prstGeom>
+          <a:noFill/>
+          <a:ln>
+            <a:noFill/>
+          </a:ln>
         </p:spPr>
         <p:txBody>
           <a:bodyPr anchorCtr="0" anchor="t" bIns="91425" lIns="91425" spcFirstLastPara="1" rIns="91425" wrap="square" tIns="91425">
@@ -12027,17 +14121,191 @@
                 <a:spcPts val="0"/>
               </a:spcBef>
               <a:spcAft>
-                <a:spcPts val="1600"/>
+                <a:spcPts val="0"/>
               </a:spcAft>
               <a:buNone/>
             </a:pPr>
             <a:r>
-              <a:t/>
+              <a:rPr lang="vi" sz="900">
+                <a:solidFill>
+                  <a:srgbClr val="FFFFFF"/>
+                </a:solidFill>
+                <a:latin typeface="Consolas"/>
+                <a:ea typeface="Consolas"/>
+                <a:cs typeface="Consolas"/>
+                <a:sym typeface="Consolas"/>
+              </a:rPr>
+              <a:t>do not</a:t>
             </a:r>
-            <a:endParaRPr/>
+            <a:endParaRPr sz="900">
+              <a:solidFill>
+                <a:srgbClr val="FFFFFF"/>
+              </a:solidFill>
+              <a:latin typeface="Consolas"/>
+              <a:ea typeface="Consolas"/>
+              <a:cs typeface="Consolas"/>
+              <a:sym typeface="Consolas"/>
+            </a:endParaRPr>
+          </a:p>
+          <a:p>
+            <a:pPr indent="0" lvl="0" marL="0" rtl="0" algn="l">
+              <a:spcBef>
+                <a:spcPts val="0"/>
+              </a:spcBef>
+              <a:spcAft>
+                <a:spcPts val="0"/>
+              </a:spcAft>
+              <a:buNone/>
+            </a:pPr>
+            <a:r>
+              <a:rPr lang="vi" sz="900">
+                <a:solidFill>
+                  <a:srgbClr val="FFFFFF"/>
+                </a:solidFill>
+                <a:latin typeface="Consolas"/>
+                <a:ea typeface="Consolas"/>
+                <a:cs typeface="Consolas"/>
+                <a:sym typeface="Consolas"/>
+              </a:rPr>
+              <a:t>will not</a:t>
+            </a:r>
+            <a:endParaRPr sz="900">
+              <a:solidFill>
+                <a:srgbClr val="FFFFFF"/>
+              </a:solidFill>
+              <a:latin typeface="Consolas"/>
+              <a:ea typeface="Consolas"/>
+              <a:cs typeface="Consolas"/>
+              <a:sym typeface="Consolas"/>
+            </a:endParaRPr>
+          </a:p>
+          <a:p>
+            <a:pPr indent="0" lvl="0" marL="0" rtl="0" algn="l">
+              <a:spcBef>
+                <a:spcPts val="0"/>
+              </a:spcBef>
+              <a:spcAft>
+                <a:spcPts val="0"/>
+              </a:spcAft>
+              <a:buNone/>
+            </a:pPr>
+            <a:r>
+              <a:rPr lang="vi" sz="900">
+                <a:solidFill>
+                  <a:srgbClr val="FFFFFF"/>
+                </a:solidFill>
+                <a:latin typeface="Consolas"/>
+                <a:ea typeface="Consolas"/>
+                <a:cs typeface="Consolas"/>
+                <a:sym typeface="Consolas"/>
+              </a:rPr>
+              <a:t>people</a:t>
+            </a:r>
+            <a:endParaRPr sz="900">
+              <a:solidFill>
+                <a:srgbClr val="FFFFFF"/>
+              </a:solidFill>
+              <a:latin typeface="Consolas"/>
+              <a:ea typeface="Consolas"/>
+              <a:cs typeface="Consolas"/>
+              <a:sym typeface="Consolas"/>
+            </a:endParaRPr>
+          </a:p>
+          <a:p>
+            <a:pPr indent="0" lvl="0" marL="0" rtl="0" algn="l">
+              <a:spcBef>
+                <a:spcPts val="0"/>
+              </a:spcBef>
+              <a:spcAft>
+                <a:spcPts val="0"/>
+              </a:spcAft>
+              <a:buNone/>
+            </a:pPr>
+            <a:r>
+              <a:rPr lang="vi" sz="900">
+                <a:solidFill>
+                  <a:srgbClr val="FFFFFF"/>
+                </a:solidFill>
+                <a:latin typeface="Consolas"/>
+                <a:ea typeface="Consolas"/>
+                <a:cs typeface="Consolas"/>
+                <a:sym typeface="Consolas"/>
+              </a:rPr>
+              <a:t>to be honest</a:t>
+            </a:r>
+            <a:endParaRPr sz="900">
+              <a:solidFill>
+                <a:srgbClr val="FFFFFF"/>
+              </a:solidFill>
+              <a:latin typeface="Consolas"/>
+              <a:ea typeface="Consolas"/>
+              <a:cs typeface="Consolas"/>
+              <a:sym typeface="Consolas"/>
+            </a:endParaRPr>
+          </a:p>
+          <a:p>
+            <a:pPr indent="0" lvl="0" marL="0" rtl="0" algn="l">
+              <a:spcBef>
+                <a:spcPts val="0"/>
+              </a:spcBef>
+              <a:spcAft>
+                <a:spcPts val="0"/>
+              </a:spcAft>
+              <a:buNone/>
+            </a:pPr>
+            <a:r>
+              <a:rPr lang="vi" sz="900">
+                <a:solidFill>
+                  <a:srgbClr val="FFFFFF"/>
+                </a:solidFill>
+                <a:latin typeface="Consolas"/>
+                <a:ea typeface="Consolas"/>
+                <a:cs typeface="Consolas"/>
+                <a:sym typeface="Consolas"/>
+              </a:rPr>
+              <a:t>...</a:t>
+            </a:r>
+            <a:endParaRPr sz="900">
+              <a:solidFill>
+                <a:srgbClr val="FFFFFF"/>
+              </a:solidFill>
+              <a:latin typeface="Consolas"/>
+              <a:ea typeface="Consolas"/>
+              <a:cs typeface="Consolas"/>
+              <a:sym typeface="Consolas"/>
+            </a:endParaRPr>
           </a:p>
         </p:txBody>
       </p:sp>
+      <p:cxnSp>
+        <p:nvCxnSpPr>
+          <p:cNvPr id="287" name="Google Shape;287;p25"/>
+          <p:cNvCxnSpPr>
+            <a:stCxn id="285" idx="3"/>
+            <a:endCxn id="286" idx="1"/>
+          </p:cNvCxnSpPr>
+          <p:nvPr/>
+        </p:nvCxnSpPr>
+        <p:spPr>
+          <a:xfrm>
+            <a:off x="3058650" y="1937525"/>
+            <a:ext cx="151800" cy="0"/>
+          </a:xfrm>
+          <a:prstGeom prst="straightConnector1">
+            <a:avLst/>
+          </a:prstGeom>
+          <a:noFill/>
+          <a:ln cap="flat" cmpd="sng" w="9525">
+            <a:solidFill>
+              <a:schemeClr val="dk2"/>
+            </a:solidFill>
+            <a:prstDash val="solid"/>
+            <a:round/>
+            <a:headEnd len="med" w="med" type="none"/>
+            <a:tailEnd len="med" w="med" type="triangle"/>
+          </a:ln>
+        </p:spPr>
+      </p:cxnSp>
     </p:spTree>
   </p:cSld>
   <p:clrMapOvr>
@@ -12046,12 +14314,12 @@
 </p:sld>
 </file>
 
-<file path=ppt/slides/slide13.xml><?xml version="1.0" encoding="utf-8"?>
+<file path=ppt/slides/slide14.xml><?xml version="1.0" encoding="utf-8"?>
 <p:sld xmlns:a="http://schemas.openxmlformats.org/drawingml/2006/main" xmlns:r="http://schemas.openxmlformats.org/officeDocument/2006/relationships" xmlns:mc="http://schemas.openxmlformats.org/markup-compatibility/2006" xmlns:mv="urn:schemas-microsoft-com:mac:vml" xmlns:p="http://schemas.openxmlformats.org/presentationml/2006/main" xmlns:c="http://schemas.openxmlformats.org/drawingml/2006/chart" xmlns:dgm="http://schemas.openxmlformats.org/drawingml/2006/diagram" xmlns:o="urn:schemas-microsoft-com:office:office" xmlns:v="urn:schemas-microsoft-com:vml" xmlns:pvml="urn:schemas-microsoft-com:office:powerpoint" xmlns:com="http://schemas.openxmlformats.org/drawingml/2006/compatibility" xmlns:p14="http://schemas.microsoft.com/office/powerpoint/2010/main" xmlns:p15="http://schemas.microsoft.com/office/powerpoint/2012/main">
   <p:cSld>
     <p:spTree>
       <p:nvGrpSpPr>
-        <p:cNvPr id="270" name="Shape 270"/>
+        <p:cNvPr id="291" name="Shape 291"/>
         <p:cNvGrpSpPr/>
         <p:nvPr/>
       </p:nvGrpSpPr>
@@ -12065,7 +14333,7 @@
       </p:grpSpPr>
       <p:sp>
         <p:nvSpPr>
-          <p:cNvPr id="271" name="Google Shape;271;p25"/>
+          <p:cNvPr id="292" name="Google Shape;292;p26"/>
           <p:cNvSpPr txBox="1"/>
           <p:nvPr>
             <p:ph type="title"/>
@@ -12113,15 +14381,15 @@
             </a:pPr>
             <a:r>
               <a:rPr lang="vi" sz="1800"/>
-              <a:t>Result</a:t>
+              <a:t>Preprocessing data</a:t>
             </a:r>
-            <a:endParaRPr/>
+            <a:endParaRPr sz="1800"/>
           </a:p>
         </p:txBody>
       </p:sp>
       <p:sp>
         <p:nvSpPr>
-          <p:cNvPr id="272" name="Google Shape;272;p25"/>
+          <p:cNvPr id="293" name="Google Shape;293;p26"/>
           <p:cNvSpPr txBox="1"/>
           <p:nvPr>
             <p:ph idx="1" type="body"/>
@@ -12129,7 +14397,7 @@
         </p:nvSpPr>
         <p:spPr>
           <a:xfrm>
-            <a:off x="1297500" y="1567550"/>
+            <a:off x="1350625" y="4207875"/>
             <a:ext cx="7038900" cy="2911200"/>
           </a:xfrm>
           <a:prstGeom prst="rect">
@@ -12142,7 +14410,7 @@
           </a:bodyPr>
           <a:lstStyle/>
           <a:p>
-            <a:pPr indent="0" lvl="0" marL="0" rtl="0" algn="l">
+            <a:pPr indent="0" lvl="0" marL="0" rtl="0" algn="ctr">
               <a:spcBef>
                 <a:spcPts val="0"/>
               </a:spcBef>
@@ -12152,12 +14420,51 @@
               <a:buNone/>
             </a:pPr>
             <a:r>
-              <a:t/>
+              <a:rPr lang="vi">
+                <a:latin typeface="Montserrat"/>
+                <a:ea typeface="Montserrat"/>
+                <a:cs typeface="Montserrat"/>
+                <a:sym typeface="Montserrat"/>
+              </a:rPr>
+              <a:t>Biểu đồ số lượng của 30 từ được sử dụng nhiều nhất</a:t>
             </a:r>
-            <a:endParaRPr/>
+            <a:endParaRPr>
+              <a:latin typeface="Montserrat"/>
+              <a:ea typeface="Montserrat"/>
+              <a:cs typeface="Montserrat"/>
+              <a:sym typeface="Montserrat"/>
+            </a:endParaRPr>
           </a:p>
         </p:txBody>
       </p:sp>
+      <p:pic>
+        <p:nvPicPr>
+          <p:cNvPr id="294" name="Google Shape;294;p26"/>
+          <p:cNvPicPr preferRelativeResize="0"/>
+          <p:nvPr/>
+        </p:nvPicPr>
+        <p:blipFill>
+          <a:blip r:embed="rId3">
+            <a:alphaModFix/>
+          </a:blip>
+          <a:stretch>
+            <a:fillRect/>
+          </a:stretch>
+        </p:blipFill>
+        <p:spPr>
+          <a:xfrm>
+            <a:off x="1585850" y="1178902"/>
+            <a:ext cx="5972300" cy="3028984"/>
+          </a:xfrm>
+          <a:prstGeom prst="rect">
+            <a:avLst/>
+          </a:prstGeom>
+          <a:noFill/>
+          <a:ln>
+            <a:noFill/>
+          </a:ln>
+        </p:spPr>
+      </p:pic>
     </p:spTree>
   </p:cSld>
   <p:clrMapOvr>
@@ -12166,12 +14473,12 @@
 </p:sld>
 </file>
 
-<file path=ppt/slides/slide14.xml><?xml version="1.0" encoding="utf-8"?>
+<file path=ppt/slides/slide15.xml><?xml version="1.0" encoding="utf-8"?>
 <p:sld xmlns:a="http://schemas.openxmlformats.org/drawingml/2006/main" xmlns:r="http://schemas.openxmlformats.org/officeDocument/2006/relationships" xmlns:mc="http://schemas.openxmlformats.org/markup-compatibility/2006" xmlns:mv="urn:schemas-microsoft-com:mac:vml" xmlns:p="http://schemas.openxmlformats.org/presentationml/2006/main" xmlns:c="http://schemas.openxmlformats.org/drawingml/2006/chart" xmlns:dgm="http://schemas.openxmlformats.org/drawingml/2006/diagram" xmlns:o="urn:schemas-microsoft-com:office:office" xmlns:v="urn:schemas-microsoft-com:vml" xmlns:pvml="urn:schemas-microsoft-com:office:powerpoint" xmlns:com="http://schemas.openxmlformats.org/drawingml/2006/compatibility" xmlns:p14="http://schemas.microsoft.com/office/powerpoint/2010/main" xmlns:p15="http://schemas.microsoft.com/office/powerpoint/2012/main">
   <p:cSld>
     <p:spTree>
       <p:nvGrpSpPr>
-        <p:cNvPr id="276" name="Shape 276"/>
+        <p:cNvPr id="298" name="Shape 298"/>
         <p:cNvGrpSpPr/>
         <p:nvPr/>
       </p:nvGrpSpPr>
@@ -12185,7 +14492,7 @@
       </p:grpSpPr>
       <p:sp>
         <p:nvSpPr>
-          <p:cNvPr id="277" name="Google Shape;277;p26"/>
+          <p:cNvPr id="299" name="Google Shape;299;p27"/>
           <p:cNvSpPr txBox="1"/>
           <p:nvPr>
             <p:ph type="title"/>
@@ -12217,15 +14524,31 @@
             </a:pPr>
             <a:r>
               <a:rPr lang="vi"/>
-              <a:t>What ‘s next ?</a:t>
+              <a:t>PROJECT</a:t>
             </a:r>
             <a:endParaRPr/>
+          </a:p>
+          <a:p>
+            <a:pPr indent="457200" lvl="0" marL="0" rtl="0" algn="l">
+              <a:spcBef>
+                <a:spcPts val="0"/>
+              </a:spcBef>
+              <a:spcAft>
+                <a:spcPts val="0"/>
+              </a:spcAft>
+              <a:buNone/>
+            </a:pPr>
+            <a:r>
+              <a:rPr lang="vi" sz="1800"/>
+              <a:t>Model ‘s struture</a:t>
+            </a:r>
+            <a:endParaRPr sz="1800"/>
           </a:p>
         </p:txBody>
       </p:sp>
       <p:sp>
         <p:nvSpPr>
-          <p:cNvPr id="278" name="Google Shape;278;p26"/>
+          <p:cNvPr id="300" name="Google Shape;300;p27"/>
           <p:cNvSpPr txBox="1"/>
           <p:nvPr>
             <p:ph idx="1" type="body"/>
@@ -12233,7 +14556,7 @@
         </p:nvSpPr>
         <p:spPr>
           <a:xfrm>
-            <a:off x="1297500" y="1567550"/>
+            <a:off x="1249775" y="1567550"/>
             <a:ext cx="7038900" cy="2911200"/>
           </a:xfrm>
           <a:prstGeom prst="rect">
@@ -12246,12 +14569,88 @@
           </a:bodyPr>
           <a:lstStyle/>
           <a:p>
+            <a:pPr indent="-311150" lvl="0" marL="457200" rtl="0" algn="l">
+              <a:spcBef>
+                <a:spcPts val="0"/>
+              </a:spcBef>
+              <a:spcAft>
+                <a:spcPts val="0"/>
+              </a:spcAft>
+              <a:buSzPts val="1300"/>
+              <a:buFont typeface="Montserrat"/>
+              <a:buChar char="-"/>
+            </a:pPr>
+            <a:r>
+              <a:rPr lang="vi">
+                <a:latin typeface="Montserrat"/>
+                <a:ea typeface="Montserrat"/>
+                <a:cs typeface="Montserrat"/>
+                <a:sym typeface="Montserrat"/>
+              </a:rPr>
+              <a:t>Tìm kiếm cấu trúc tốt nhất cũng như tham số tối ưu nhất.</a:t>
+            </a:r>
+            <a:endParaRPr>
+              <a:latin typeface="Montserrat"/>
+              <a:ea typeface="Montserrat"/>
+              <a:cs typeface="Montserrat"/>
+              <a:sym typeface="Montserrat"/>
+            </a:endParaRPr>
+          </a:p>
+          <a:p>
             <a:pPr indent="0" lvl="0" marL="0" rtl="0" algn="l">
               <a:spcBef>
-                <a:spcPts val="0"/>
-              </a:spcBef>
-              <a:spcAft>
                 <a:spcPts val="1600"/>
+              </a:spcBef>
+              <a:spcAft>
+                <a:spcPts val="1600"/>
+              </a:spcAft>
+              <a:buNone/>
+            </a:pPr>
+            <a:r>
+              <a:t/>
+            </a:r>
+            <a:endParaRPr>
+              <a:latin typeface="Montserrat"/>
+              <a:ea typeface="Montserrat"/>
+              <a:cs typeface="Montserrat"/>
+              <a:sym typeface="Montserrat"/>
+            </a:endParaRPr>
+          </a:p>
+        </p:txBody>
+      </p:sp>
+      <p:sp>
+        <p:nvSpPr>
+          <p:cNvPr id="301" name="Google Shape;301;p27"/>
+          <p:cNvSpPr/>
+          <p:nvPr/>
+        </p:nvSpPr>
+        <p:spPr>
+          <a:xfrm>
+            <a:off x="475400" y="3279425"/>
+            <a:ext cx="318600" cy="318600"/>
+          </a:xfrm>
+          <a:prstGeom prst="ellipse">
+            <a:avLst/>
+          </a:prstGeom>
+          <a:solidFill>
+            <a:schemeClr val="lt2"/>
+          </a:solidFill>
+          <a:ln>
+            <a:noFill/>
+          </a:ln>
+        </p:spPr>
+        <p:txBody>
+          <a:bodyPr anchorCtr="0" anchor="ctr" bIns="91425" lIns="91425" spcFirstLastPara="1" rIns="91425" wrap="square" tIns="91425">
+            <a:noAutofit/>
+          </a:bodyPr>
+          <a:lstStyle/>
+          <a:p>
+            <a:pPr indent="0" lvl="0" marL="0" rtl="0" algn="l">
+              <a:spcBef>
+                <a:spcPts val="0"/>
+              </a:spcBef>
+              <a:spcAft>
+                <a:spcPts val="0"/>
               </a:spcAft>
               <a:buNone/>
             </a:pPr>
@@ -12262,6 +14661,722 @@
           </a:p>
         </p:txBody>
       </p:sp>
+      <p:sp>
+        <p:nvSpPr>
+          <p:cNvPr id="302" name="Google Shape;302;p27"/>
+          <p:cNvSpPr/>
+          <p:nvPr/>
+        </p:nvSpPr>
+        <p:spPr>
+          <a:xfrm>
+            <a:off x="3843725" y="2330450"/>
+            <a:ext cx="1851000" cy="394500"/>
+          </a:xfrm>
+          <a:prstGeom prst="rect">
+            <a:avLst/>
+          </a:prstGeom>
+          <a:solidFill>
+            <a:srgbClr val="F3F3F3"/>
+          </a:solidFill>
+          <a:ln>
+            <a:noFill/>
+          </a:ln>
+        </p:spPr>
+        <p:txBody>
+          <a:bodyPr anchorCtr="0" anchor="ctr" bIns="91425" lIns="91425" spcFirstLastPara="1" rIns="91425" wrap="square" tIns="91425">
+            <a:noAutofit/>
+          </a:bodyPr>
+          <a:lstStyle/>
+          <a:p>
+            <a:pPr indent="0" lvl="0" marL="0" rtl="0" algn="ctr">
+              <a:spcBef>
+                <a:spcPts val="0"/>
+              </a:spcBef>
+              <a:spcAft>
+                <a:spcPts val="0"/>
+              </a:spcAft>
+              <a:buNone/>
+            </a:pPr>
+            <a:r>
+              <a:rPr lang="vi" sz="1200">
+                <a:latin typeface="Courier New"/>
+                <a:ea typeface="Courier New"/>
+                <a:cs typeface="Courier New"/>
+                <a:sym typeface="Courier New"/>
+              </a:rPr>
+              <a:t>LogisticRegression</a:t>
+            </a:r>
+            <a:endParaRPr>
+              <a:latin typeface="Courier New"/>
+              <a:ea typeface="Courier New"/>
+              <a:cs typeface="Courier New"/>
+              <a:sym typeface="Courier New"/>
+            </a:endParaRPr>
+          </a:p>
+        </p:txBody>
+      </p:sp>
+      <p:sp>
+        <p:nvSpPr>
+          <p:cNvPr id="303" name="Google Shape;303;p27"/>
+          <p:cNvSpPr/>
+          <p:nvPr/>
+        </p:nvSpPr>
+        <p:spPr>
+          <a:xfrm>
+            <a:off x="3843725" y="3241475"/>
+            <a:ext cx="1851000" cy="394500"/>
+          </a:xfrm>
+          <a:prstGeom prst="rect">
+            <a:avLst/>
+          </a:prstGeom>
+          <a:solidFill>
+            <a:srgbClr val="F3F3F3"/>
+          </a:solidFill>
+          <a:ln>
+            <a:noFill/>
+          </a:ln>
+        </p:spPr>
+        <p:txBody>
+          <a:bodyPr anchorCtr="0" anchor="ctr" bIns="91425" lIns="91425" spcFirstLastPara="1" rIns="91425" wrap="square" tIns="91425">
+            <a:noAutofit/>
+          </a:bodyPr>
+          <a:lstStyle/>
+          <a:p>
+            <a:pPr indent="0" lvl="0" marL="0" rtl="0" algn="ctr">
+              <a:spcBef>
+                <a:spcPts val="0"/>
+              </a:spcBef>
+              <a:spcAft>
+                <a:spcPts val="0"/>
+              </a:spcAft>
+              <a:buNone/>
+            </a:pPr>
+            <a:r>
+              <a:rPr lang="vi" sz="1200">
+                <a:latin typeface="Courier New"/>
+                <a:ea typeface="Courier New"/>
+                <a:cs typeface="Courier New"/>
+                <a:sym typeface="Courier New"/>
+              </a:rPr>
+              <a:t>MultinomialNB</a:t>
+            </a:r>
+            <a:endParaRPr>
+              <a:latin typeface="Courier New"/>
+              <a:ea typeface="Courier New"/>
+              <a:cs typeface="Courier New"/>
+              <a:sym typeface="Courier New"/>
+            </a:endParaRPr>
+          </a:p>
+        </p:txBody>
+      </p:sp>
+      <p:sp>
+        <p:nvSpPr>
+          <p:cNvPr id="304" name="Google Shape;304;p27"/>
+          <p:cNvSpPr/>
+          <p:nvPr/>
+        </p:nvSpPr>
+        <p:spPr>
+          <a:xfrm>
+            <a:off x="1430350" y="2785950"/>
+            <a:ext cx="1851000" cy="394500"/>
+          </a:xfrm>
+          <a:prstGeom prst="rect">
+            <a:avLst/>
+          </a:prstGeom>
+          <a:solidFill>
+            <a:srgbClr val="F3F3F3"/>
+          </a:solidFill>
+          <a:ln>
+            <a:noFill/>
+          </a:ln>
+        </p:spPr>
+        <p:txBody>
+          <a:bodyPr anchorCtr="0" anchor="ctr" bIns="91425" lIns="91425" spcFirstLastPara="1" rIns="91425" wrap="square" tIns="91425">
+            <a:noAutofit/>
+          </a:bodyPr>
+          <a:lstStyle/>
+          <a:p>
+            <a:pPr indent="0" lvl="0" marL="0" rtl="0" algn="ctr">
+              <a:spcBef>
+                <a:spcPts val="0"/>
+              </a:spcBef>
+              <a:spcAft>
+                <a:spcPts val="0"/>
+              </a:spcAft>
+              <a:buNone/>
+            </a:pPr>
+            <a:r>
+              <a:rPr lang="vi" sz="1200">
+                <a:latin typeface="Courier New"/>
+                <a:ea typeface="Courier New"/>
+                <a:cs typeface="Courier New"/>
+                <a:sym typeface="Courier New"/>
+              </a:rPr>
+              <a:t>CountVectorizer</a:t>
+            </a:r>
+            <a:endParaRPr>
+              <a:latin typeface="Courier New"/>
+              <a:ea typeface="Courier New"/>
+              <a:cs typeface="Courier New"/>
+              <a:sym typeface="Courier New"/>
+            </a:endParaRPr>
+          </a:p>
+        </p:txBody>
+      </p:sp>
+      <p:sp>
+        <p:nvSpPr>
+          <p:cNvPr id="305" name="Google Shape;305;p27"/>
+          <p:cNvSpPr/>
+          <p:nvPr/>
+        </p:nvSpPr>
+        <p:spPr>
+          <a:xfrm>
+            <a:off x="1430350" y="3696975"/>
+            <a:ext cx="1851000" cy="394500"/>
+          </a:xfrm>
+          <a:prstGeom prst="rect">
+            <a:avLst/>
+          </a:prstGeom>
+          <a:solidFill>
+            <a:srgbClr val="F3F3F3"/>
+          </a:solidFill>
+          <a:ln>
+            <a:noFill/>
+          </a:ln>
+        </p:spPr>
+        <p:txBody>
+          <a:bodyPr anchorCtr="0" anchor="ctr" bIns="91425" lIns="91425" spcFirstLastPara="1" rIns="91425" wrap="square" tIns="91425">
+            <a:noAutofit/>
+          </a:bodyPr>
+          <a:lstStyle/>
+          <a:p>
+            <a:pPr indent="0" lvl="0" marL="0" rtl="0" algn="ctr">
+              <a:spcBef>
+                <a:spcPts val="0"/>
+              </a:spcBef>
+              <a:spcAft>
+                <a:spcPts val="0"/>
+              </a:spcAft>
+              <a:buNone/>
+            </a:pPr>
+            <a:r>
+              <a:rPr lang="vi" sz="1200">
+                <a:latin typeface="Courier New"/>
+                <a:ea typeface="Courier New"/>
+                <a:cs typeface="Courier New"/>
+                <a:sym typeface="Courier New"/>
+              </a:rPr>
+              <a:t>TF-IDF Vectorizer</a:t>
+            </a:r>
+            <a:endParaRPr>
+              <a:latin typeface="Courier New"/>
+              <a:ea typeface="Courier New"/>
+              <a:cs typeface="Courier New"/>
+              <a:sym typeface="Courier New"/>
+            </a:endParaRPr>
+          </a:p>
+        </p:txBody>
+      </p:sp>
+      <p:sp>
+        <p:nvSpPr>
+          <p:cNvPr id="306" name="Google Shape;306;p27"/>
+          <p:cNvSpPr/>
+          <p:nvPr/>
+        </p:nvSpPr>
+        <p:spPr>
+          <a:xfrm>
+            <a:off x="3843725" y="4084250"/>
+            <a:ext cx="1851000" cy="394500"/>
+          </a:xfrm>
+          <a:prstGeom prst="rect">
+            <a:avLst/>
+          </a:prstGeom>
+          <a:solidFill>
+            <a:srgbClr val="F3F3F3"/>
+          </a:solidFill>
+          <a:ln>
+            <a:noFill/>
+          </a:ln>
+        </p:spPr>
+        <p:txBody>
+          <a:bodyPr anchorCtr="0" anchor="ctr" bIns="91425" lIns="91425" spcFirstLastPara="1" rIns="91425" wrap="square" tIns="91425">
+            <a:noAutofit/>
+          </a:bodyPr>
+          <a:lstStyle/>
+          <a:p>
+            <a:pPr indent="0" lvl="0" marL="0" rtl="0" algn="ctr">
+              <a:spcBef>
+                <a:spcPts val="0"/>
+              </a:spcBef>
+              <a:spcAft>
+                <a:spcPts val="0"/>
+              </a:spcAft>
+              <a:buNone/>
+            </a:pPr>
+            <a:r>
+              <a:rPr lang="vi" sz="1200">
+                <a:latin typeface="Courier New"/>
+                <a:ea typeface="Courier New"/>
+                <a:cs typeface="Courier New"/>
+                <a:sym typeface="Courier New"/>
+              </a:rPr>
+              <a:t>SGDClassifier</a:t>
+            </a:r>
+            <a:endParaRPr>
+              <a:latin typeface="Courier New"/>
+              <a:ea typeface="Courier New"/>
+              <a:cs typeface="Courier New"/>
+              <a:sym typeface="Courier New"/>
+            </a:endParaRPr>
+          </a:p>
+        </p:txBody>
+      </p:sp>
+      <p:sp>
+        <p:nvSpPr>
+          <p:cNvPr id="307" name="Google Shape;307;p27"/>
+          <p:cNvSpPr/>
+          <p:nvPr/>
+        </p:nvSpPr>
+        <p:spPr>
+          <a:xfrm>
+            <a:off x="6013375" y="3063125"/>
+            <a:ext cx="1244100" cy="751200"/>
+          </a:xfrm>
+          <a:prstGeom prst="roundRect">
+            <a:avLst>
+              <a:gd fmla="val 16667" name="adj"/>
+            </a:avLst>
+          </a:prstGeom>
+          <a:solidFill>
+            <a:srgbClr val="F3F3F3"/>
+          </a:solidFill>
+          <a:ln>
+            <a:noFill/>
+          </a:ln>
+        </p:spPr>
+        <p:txBody>
+          <a:bodyPr anchorCtr="0" anchor="ctr" bIns="91425" lIns="91425" spcFirstLastPara="1" rIns="91425" wrap="square" tIns="91425">
+            <a:noAutofit/>
+          </a:bodyPr>
+          <a:lstStyle/>
+          <a:p>
+            <a:pPr indent="0" lvl="0" marL="0" rtl="0" algn="ctr">
+              <a:spcBef>
+                <a:spcPts val="0"/>
+              </a:spcBef>
+              <a:spcAft>
+                <a:spcPts val="0"/>
+              </a:spcAft>
+              <a:buNone/>
+            </a:pPr>
+            <a:r>
+              <a:rPr lang="vi" sz="1200">
+                <a:latin typeface="Courier New"/>
+                <a:ea typeface="Courier New"/>
+                <a:cs typeface="Courier New"/>
+                <a:sym typeface="Courier New"/>
+              </a:rPr>
+              <a:t>Try on different params</a:t>
+            </a:r>
+            <a:endParaRPr/>
+          </a:p>
+        </p:txBody>
+      </p:sp>
+      <p:sp>
+        <p:nvSpPr>
+          <p:cNvPr id="308" name="Google Shape;308;p27"/>
+          <p:cNvSpPr/>
+          <p:nvPr/>
+        </p:nvSpPr>
+        <p:spPr>
+          <a:xfrm>
+            <a:off x="7756450" y="3001625"/>
+            <a:ext cx="874200" cy="874200"/>
+          </a:xfrm>
+          <a:prstGeom prst="ellipse">
+            <a:avLst/>
+          </a:prstGeom>
+          <a:solidFill>
+            <a:srgbClr val="F3F3F3"/>
+          </a:solidFill>
+          <a:ln>
+            <a:noFill/>
+          </a:ln>
+        </p:spPr>
+        <p:txBody>
+          <a:bodyPr anchorCtr="0" anchor="ctr" bIns="91425" lIns="91425" spcFirstLastPara="1" rIns="91425" wrap="square" tIns="91425">
+            <a:noAutofit/>
+          </a:bodyPr>
+          <a:lstStyle/>
+          <a:p>
+            <a:pPr indent="0" lvl="0" marL="0" rtl="0" algn="ctr">
+              <a:spcBef>
+                <a:spcPts val="0"/>
+              </a:spcBef>
+              <a:spcAft>
+                <a:spcPts val="0"/>
+              </a:spcAft>
+              <a:buNone/>
+            </a:pPr>
+            <a:r>
+              <a:rPr lang="vi" sz="1100">
+                <a:latin typeface="Courier New"/>
+                <a:ea typeface="Courier New"/>
+                <a:cs typeface="Courier New"/>
+                <a:sym typeface="Courier New"/>
+              </a:rPr>
+              <a:t>Best Model</a:t>
+            </a:r>
+            <a:endParaRPr sz="1100">
+              <a:latin typeface="Courier New"/>
+              <a:ea typeface="Courier New"/>
+              <a:cs typeface="Courier New"/>
+              <a:sym typeface="Courier New"/>
+            </a:endParaRPr>
+          </a:p>
+        </p:txBody>
+      </p:sp>
+      <p:cxnSp>
+        <p:nvCxnSpPr>
+          <p:cNvPr id="309" name="Google Shape;309;p27"/>
+          <p:cNvCxnSpPr>
+            <a:stCxn id="301" idx="6"/>
+            <a:endCxn id="304" idx="1"/>
+          </p:cNvCxnSpPr>
+          <p:nvPr/>
+        </p:nvCxnSpPr>
+        <p:spPr>
+          <a:xfrm flipH="1" rot="10800000">
+            <a:off x="794000" y="2983325"/>
+            <a:ext cx="636300" cy="455400"/>
+          </a:xfrm>
+          <a:prstGeom prst="bentConnector3">
+            <a:avLst>
+              <a:gd fmla="val 50004" name="adj1"/>
+            </a:avLst>
+          </a:prstGeom>
+          <a:noFill/>
+          <a:ln cap="flat" cmpd="sng" w="9525">
+            <a:solidFill>
+              <a:schemeClr val="dk2"/>
+            </a:solidFill>
+            <a:prstDash val="solid"/>
+            <a:round/>
+            <a:headEnd len="med" w="med" type="none"/>
+            <a:tailEnd len="med" w="med" type="none"/>
+          </a:ln>
+        </p:spPr>
+      </p:cxnSp>
+      <p:cxnSp>
+        <p:nvCxnSpPr>
+          <p:cNvPr id="310" name="Google Shape;310;p27"/>
+          <p:cNvCxnSpPr>
+            <a:stCxn id="301" idx="6"/>
+            <a:endCxn id="305" idx="1"/>
+          </p:cNvCxnSpPr>
+          <p:nvPr/>
+        </p:nvCxnSpPr>
+        <p:spPr>
+          <a:xfrm>
+            <a:off x="794000" y="3438725"/>
+            <a:ext cx="636300" cy="455400"/>
+          </a:xfrm>
+          <a:prstGeom prst="bentConnector3">
+            <a:avLst>
+              <a:gd fmla="val 50004" name="adj1"/>
+            </a:avLst>
+          </a:prstGeom>
+          <a:noFill/>
+          <a:ln cap="flat" cmpd="sng" w="9525">
+            <a:solidFill>
+              <a:schemeClr val="dk2"/>
+            </a:solidFill>
+            <a:prstDash val="solid"/>
+            <a:round/>
+            <a:headEnd len="med" w="med" type="none"/>
+            <a:tailEnd len="med" w="med" type="none"/>
+          </a:ln>
+        </p:spPr>
+      </p:cxnSp>
+      <p:cxnSp>
+        <p:nvCxnSpPr>
+          <p:cNvPr id="311" name="Google Shape;311;p27"/>
+          <p:cNvCxnSpPr>
+            <a:stCxn id="302" idx="1"/>
+            <a:endCxn id="304" idx="3"/>
+          </p:cNvCxnSpPr>
+          <p:nvPr/>
+        </p:nvCxnSpPr>
+        <p:spPr>
+          <a:xfrm flipH="1">
+            <a:off x="3281225" y="2527700"/>
+            <a:ext cx="562500" cy="455400"/>
+          </a:xfrm>
+          <a:prstGeom prst="bentConnector3">
+            <a:avLst>
+              <a:gd fmla="val 49989" name="adj1"/>
+            </a:avLst>
+          </a:prstGeom>
+          <a:noFill/>
+          <a:ln cap="flat" cmpd="sng" w="9525">
+            <a:solidFill>
+              <a:schemeClr val="dk2"/>
+            </a:solidFill>
+            <a:prstDash val="solid"/>
+            <a:round/>
+            <a:headEnd len="med" w="med" type="none"/>
+            <a:tailEnd len="med" w="med" type="none"/>
+          </a:ln>
+        </p:spPr>
+      </p:cxnSp>
+      <p:cxnSp>
+        <p:nvCxnSpPr>
+          <p:cNvPr id="312" name="Google Shape;312;p27"/>
+          <p:cNvCxnSpPr>
+            <a:stCxn id="306" idx="1"/>
+            <a:endCxn id="305" idx="3"/>
+          </p:cNvCxnSpPr>
+          <p:nvPr/>
+        </p:nvCxnSpPr>
+        <p:spPr>
+          <a:xfrm rot="10800000">
+            <a:off x="3281225" y="3894200"/>
+            <a:ext cx="562500" cy="387300"/>
+          </a:xfrm>
+          <a:prstGeom prst="bentConnector3">
+            <a:avLst>
+              <a:gd fmla="val 49989" name="adj1"/>
+            </a:avLst>
+          </a:prstGeom>
+          <a:noFill/>
+          <a:ln cap="flat" cmpd="sng" w="9525">
+            <a:solidFill>
+              <a:schemeClr val="dk2"/>
+            </a:solidFill>
+            <a:prstDash val="solid"/>
+            <a:round/>
+            <a:headEnd len="med" w="med" type="none"/>
+            <a:tailEnd len="med" w="med" type="none"/>
+          </a:ln>
+        </p:spPr>
+      </p:cxnSp>
+      <p:cxnSp>
+        <p:nvCxnSpPr>
+          <p:cNvPr id="313" name="Google Shape;313;p27"/>
+          <p:cNvCxnSpPr>
+            <a:stCxn id="303" idx="1"/>
+            <a:endCxn id="304" idx="3"/>
+          </p:cNvCxnSpPr>
+          <p:nvPr/>
+        </p:nvCxnSpPr>
+        <p:spPr>
+          <a:xfrm rot="10800000">
+            <a:off x="3281225" y="2983325"/>
+            <a:ext cx="562500" cy="455400"/>
+          </a:xfrm>
+          <a:prstGeom prst="bentConnector3">
+            <a:avLst>
+              <a:gd fmla="val 49989" name="adj1"/>
+            </a:avLst>
+          </a:prstGeom>
+          <a:noFill/>
+          <a:ln cap="flat" cmpd="sng" w="9525">
+            <a:solidFill>
+              <a:schemeClr val="dk2"/>
+            </a:solidFill>
+            <a:prstDash val="solid"/>
+            <a:round/>
+            <a:headEnd len="med" w="med" type="none"/>
+            <a:tailEnd len="med" w="med" type="none"/>
+          </a:ln>
+        </p:spPr>
+      </p:cxnSp>
+      <p:cxnSp>
+        <p:nvCxnSpPr>
+          <p:cNvPr id="314" name="Google Shape;314;p27"/>
+          <p:cNvCxnSpPr>
+            <a:stCxn id="306" idx="1"/>
+            <a:endCxn id="304" idx="3"/>
+          </p:cNvCxnSpPr>
+          <p:nvPr/>
+        </p:nvCxnSpPr>
+        <p:spPr>
+          <a:xfrm rot="10800000">
+            <a:off x="3281225" y="2983100"/>
+            <a:ext cx="562500" cy="1298400"/>
+          </a:xfrm>
+          <a:prstGeom prst="bentConnector3">
+            <a:avLst>
+              <a:gd fmla="val 49989" name="adj1"/>
+            </a:avLst>
+          </a:prstGeom>
+          <a:noFill/>
+          <a:ln cap="flat" cmpd="sng" w="9525">
+            <a:solidFill>
+              <a:schemeClr val="dk2"/>
+            </a:solidFill>
+            <a:prstDash val="solid"/>
+            <a:round/>
+            <a:headEnd len="med" w="med" type="none"/>
+            <a:tailEnd len="med" w="med" type="none"/>
+          </a:ln>
+        </p:spPr>
+      </p:cxnSp>
+      <p:cxnSp>
+        <p:nvCxnSpPr>
+          <p:cNvPr id="315" name="Google Shape;315;p27"/>
+          <p:cNvCxnSpPr>
+            <a:stCxn id="304" idx="3"/>
+            <a:endCxn id="303" idx="1"/>
+          </p:cNvCxnSpPr>
+          <p:nvPr/>
+        </p:nvCxnSpPr>
+        <p:spPr>
+          <a:xfrm>
+            <a:off x="3281350" y="2983200"/>
+            <a:ext cx="562500" cy="455400"/>
+          </a:xfrm>
+          <a:prstGeom prst="bentConnector3">
+            <a:avLst>
+              <a:gd fmla="val 49989" name="adj1"/>
+            </a:avLst>
+          </a:prstGeom>
+          <a:noFill/>
+          <a:ln cap="flat" cmpd="sng" w="9525">
+            <a:solidFill>
+              <a:schemeClr val="dk2"/>
+            </a:solidFill>
+            <a:prstDash val="solid"/>
+            <a:round/>
+            <a:headEnd len="med" w="med" type="none"/>
+            <a:tailEnd len="med" w="med" type="none"/>
+          </a:ln>
+        </p:spPr>
+      </p:cxnSp>
+      <p:cxnSp>
+        <p:nvCxnSpPr>
+          <p:cNvPr id="316" name="Google Shape;316;p27"/>
+          <p:cNvCxnSpPr>
+            <a:stCxn id="303" idx="3"/>
+            <a:endCxn id="307" idx="1"/>
+          </p:cNvCxnSpPr>
+          <p:nvPr/>
+        </p:nvCxnSpPr>
+        <p:spPr>
+          <a:xfrm>
+            <a:off x="5694725" y="3438725"/>
+            <a:ext cx="318600" cy="600"/>
+          </a:xfrm>
+          <a:prstGeom prst="bentConnector3">
+            <a:avLst>
+              <a:gd fmla="val 50008" name="adj1"/>
+            </a:avLst>
+          </a:prstGeom>
+          <a:noFill/>
+          <a:ln cap="flat" cmpd="sng" w="9525">
+            <a:solidFill>
+              <a:schemeClr val="dk2"/>
+            </a:solidFill>
+            <a:prstDash val="solid"/>
+            <a:round/>
+            <a:headEnd len="med" w="med" type="none"/>
+            <a:tailEnd len="med" w="med" type="none"/>
+          </a:ln>
+        </p:spPr>
+      </p:cxnSp>
+      <p:cxnSp>
+        <p:nvCxnSpPr>
+          <p:cNvPr id="317" name="Google Shape;317;p27"/>
+          <p:cNvCxnSpPr>
+            <a:stCxn id="307" idx="3"/>
+            <a:endCxn id="308" idx="2"/>
+          </p:cNvCxnSpPr>
+          <p:nvPr/>
+        </p:nvCxnSpPr>
+        <p:spPr>
+          <a:xfrm>
+            <a:off x="7257475" y="3438725"/>
+            <a:ext cx="498900" cy="600"/>
+          </a:xfrm>
+          <a:prstGeom prst="bentConnector3">
+            <a:avLst>
+              <a:gd fmla="val 50008" name="adj1"/>
+            </a:avLst>
+          </a:prstGeom>
+          <a:noFill/>
+          <a:ln cap="flat" cmpd="sng" w="9525">
+            <a:solidFill>
+              <a:schemeClr val="dk2"/>
+            </a:solidFill>
+            <a:prstDash val="solid"/>
+            <a:round/>
+            <a:headEnd len="med" w="med" type="none"/>
+            <a:tailEnd len="med" w="med" type="none"/>
+          </a:ln>
+        </p:spPr>
+      </p:cxnSp>
+      <p:cxnSp>
+        <p:nvCxnSpPr>
+          <p:cNvPr id="318" name="Google Shape;318;p27"/>
+          <p:cNvCxnSpPr>
+            <a:stCxn id="302" idx="3"/>
+            <a:endCxn id="307" idx="1"/>
+          </p:cNvCxnSpPr>
+          <p:nvPr/>
+        </p:nvCxnSpPr>
+        <p:spPr>
+          <a:xfrm>
+            <a:off x="5694725" y="2527700"/>
+            <a:ext cx="318600" cy="911100"/>
+          </a:xfrm>
+          <a:prstGeom prst="bentConnector3">
+            <a:avLst>
+              <a:gd fmla="val 50008" name="adj1"/>
+            </a:avLst>
+          </a:prstGeom>
+          <a:noFill/>
+          <a:ln cap="flat" cmpd="sng" w="9525">
+            <a:solidFill>
+              <a:schemeClr val="dk2"/>
+            </a:solidFill>
+            <a:prstDash val="solid"/>
+            <a:round/>
+            <a:headEnd len="med" w="med" type="none"/>
+            <a:tailEnd len="med" w="med" type="none"/>
+          </a:ln>
+        </p:spPr>
+      </p:cxnSp>
+      <p:cxnSp>
+        <p:nvCxnSpPr>
+          <p:cNvPr id="319" name="Google Shape;319;p27"/>
+          <p:cNvCxnSpPr>
+            <a:stCxn id="306" idx="3"/>
+            <a:endCxn id="307" idx="1"/>
+          </p:cNvCxnSpPr>
+          <p:nvPr/>
+        </p:nvCxnSpPr>
+        <p:spPr>
+          <a:xfrm flipH="1" rot="10800000">
+            <a:off x="5694725" y="3438800"/>
+            <a:ext cx="318600" cy="842700"/>
+          </a:xfrm>
+          <a:prstGeom prst="bentConnector3">
+            <a:avLst>
+              <a:gd fmla="val 50008" name="adj1"/>
+            </a:avLst>
+          </a:prstGeom>
+          <a:noFill/>
+          <a:ln cap="flat" cmpd="sng" w="9525">
+            <a:solidFill>
+              <a:schemeClr val="dk2"/>
+            </a:solidFill>
+            <a:prstDash val="solid"/>
+            <a:round/>
+            <a:headEnd len="med" w="med" type="none"/>
+            <a:tailEnd len="med" w="med" type="none"/>
+          </a:ln>
+        </p:spPr>
+      </p:cxnSp>
     </p:spTree>
   </p:cSld>
   <p:clrMapOvr>
@@ -12270,12 +15385,12 @@
 </p:sld>
 </file>
 
-<file path=ppt/slides/slide15.xml><?xml version="1.0" encoding="utf-8"?>
+<file path=ppt/slides/slide16.xml><?xml version="1.0" encoding="utf-8"?>
 <p:sld xmlns:a="http://schemas.openxmlformats.org/drawingml/2006/main" xmlns:r="http://schemas.openxmlformats.org/officeDocument/2006/relationships" xmlns:mc="http://schemas.openxmlformats.org/markup-compatibility/2006" xmlns:mv="urn:schemas-microsoft-com:mac:vml" xmlns:p="http://schemas.openxmlformats.org/presentationml/2006/main" xmlns:c="http://schemas.openxmlformats.org/drawingml/2006/chart" xmlns:dgm="http://schemas.openxmlformats.org/drawingml/2006/diagram" xmlns:o="urn:schemas-microsoft-com:office:office" xmlns:v="urn:schemas-microsoft-com:vml" xmlns:pvml="urn:schemas-microsoft-com:office:powerpoint" xmlns:com="http://schemas.openxmlformats.org/drawingml/2006/compatibility" xmlns:p14="http://schemas.microsoft.com/office/powerpoint/2010/main" xmlns:p15="http://schemas.microsoft.com/office/powerpoint/2012/main">
   <p:cSld>
     <p:spTree>
       <p:nvGrpSpPr>
-        <p:cNvPr id="282" name="Shape 282"/>
+        <p:cNvPr id="323" name="Shape 323"/>
         <p:cNvGrpSpPr/>
         <p:nvPr/>
       </p:nvGrpSpPr>
@@ -12289,7 +15404,7 @@
       </p:grpSpPr>
       <p:sp>
         <p:nvSpPr>
-          <p:cNvPr id="283" name="Google Shape;283;p27"/>
+          <p:cNvPr id="324" name="Google Shape;324;p28"/>
           <p:cNvSpPr txBox="1"/>
           <p:nvPr>
             <p:ph type="title"/>
@@ -12321,7 +15436,23 @@
             </a:pPr>
             <a:r>
               <a:rPr lang="vi"/>
-              <a:t>SUMMARY</a:t>
+              <a:t>PROJECT</a:t>
+            </a:r>
+            <a:endParaRPr/>
+          </a:p>
+          <a:p>
+            <a:pPr indent="457200" lvl="0" marL="0" rtl="0" algn="l">
+              <a:spcBef>
+                <a:spcPts val="0"/>
+              </a:spcBef>
+              <a:spcAft>
+                <a:spcPts val="0"/>
+              </a:spcAft>
+              <a:buNone/>
+            </a:pPr>
+            <a:r>
+              <a:rPr lang="vi" sz="1800"/>
+              <a:t>Result</a:t>
             </a:r>
             <a:endParaRPr/>
           </a:p>
@@ -12329,7 +15460,7 @@
       </p:sp>
       <p:sp>
         <p:nvSpPr>
-          <p:cNvPr id="284" name="Google Shape;284;p27"/>
+          <p:cNvPr id="325" name="Google Shape;325;p28"/>
           <p:cNvSpPr txBox="1"/>
           <p:nvPr>
             <p:ph idx="1" type="body"/>
@@ -12366,6 +15497,224 @@
           </a:p>
         </p:txBody>
       </p:sp>
+      <p:sp>
+        <p:nvSpPr>
+          <p:cNvPr id="326" name="Google Shape;326;p28"/>
+          <p:cNvSpPr/>
+          <p:nvPr/>
+        </p:nvSpPr>
+        <p:spPr>
+          <a:xfrm>
+            <a:off x="1297500" y="1173050"/>
+            <a:ext cx="1851000" cy="394500"/>
+          </a:xfrm>
+          <a:prstGeom prst="rect">
+            <a:avLst/>
+          </a:prstGeom>
+          <a:solidFill>
+            <a:srgbClr val="F3F3F3"/>
+          </a:solidFill>
+          <a:ln>
+            <a:noFill/>
+          </a:ln>
+        </p:spPr>
+        <p:txBody>
+          <a:bodyPr anchorCtr="0" anchor="ctr" bIns="91425" lIns="91425" spcFirstLastPara="1" rIns="91425" wrap="square" tIns="91425">
+            <a:noAutofit/>
+          </a:bodyPr>
+          <a:lstStyle/>
+          <a:p>
+            <a:pPr indent="0" lvl="0" marL="0" rtl="0" algn="ctr">
+              <a:spcBef>
+                <a:spcPts val="0"/>
+              </a:spcBef>
+              <a:spcAft>
+                <a:spcPts val="0"/>
+              </a:spcAft>
+              <a:buNone/>
+            </a:pPr>
+            <a:r>
+              <a:rPr lang="vi" sz="1200">
+                <a:latin typeface="Courier New"/>
+                <a:ea typeface="Courier New"/>
+                <a:cs typeface="Courier New"/>
+                <a:sym typeface="Courier New"/>
+              </a:rPr>
+              <a:t>MultinomialNB</a:t>
+            </a:r>
+            <a:endParaRPr>
+              <a:latin typeface="Courier New"/>
+              <a:ea typeface="Courier New"/>
+              <a:cs typeface="Courier New"/>
+              <a:sym typeface="Courier New"/>
+            </a:endParaRPr>
+          </a:p>
+        </p:txBody>
+      </p:sp>
+      <p:sp>
+        <p:nvSpPr>
+          <p:cNvPr id="327" name="Google Shape;327;p28"/>
+          <p:cNvSpPr/>
+          <p:nvPr/>
+        </p:nvSpPr>
+        <p:spPr>
+          <a:xfrm>
+            <a:off x="2158963" y="2179038"/>
+            <a:ext cx="1851000" cy="394500"/>
+          </a:xfrm>
+          <a:prstGeom prst="rect">
+            <a:avLst/>
+          </a:prstGeom>
+          <a:solidFill>
+            <a:srgbClr val="F3F3F3"/>
+          </a:solidFill>
+          <a:ln>
+            <a:noFill/>
+          </a:ln>
+        </p:spPr>
+        <p:txBody>
+          <a:bodyPr anchorCtr="0" anchor="ctr" bIns="91425" lIns="91425" spcFirstLastPara="1" rIns="91425" wrap="square" tIns="91425">
+            <a:noAutofit/>
+          </a:bodyPr>
+          <a:lstStyle/>
+          <a:p>
+            <a:pPr indent="0" lvl="0" marL="0" rtl="0" algn="ctr">
+              <a:spcBef>
+                <a:spcPts val="0"/>
+              </a:spcBef>
+              <a:spcAft>
+                <a:spcPts val="0"/>
+              </a:spcAft>
+              <a:buNone/>
+            </a:pPr>
+            <a:r>
+              <a:rPr lang="vi" sz="1200">
+                <a:latin typeface="Courier New"/>
+                <a:ea typeface="Courier New"/>
+                <a:cs typeface="Courier New"/>
+                <a:sym typeface="Courier New"/>
+              </a:rPr>
+              <a:t>CountVectorizer</a:t>
+            </a:r>
+            <a:endParaRPr>
+              <a:latin typeface="Courier New"/>
+              <a:ea typeface="Courier New"/>
+              <a:cs typeface="Courier New"/>
+              <a:sym typeface="Courier New"/>
+            </a:endParaRPr>
+          </a:p>
+        </p:txBody>
+      </p:sp>
+      <p:sp>
+        <p:nvSpPr>
+          <p:cNvPr id="328" name="Google Shape;328;p28"/>
+          <p:cNvSpPr/>
+          <p:nvPr/>
+        </p:nvSpPr>
+        <p:spPr>
+          <a:xfrm>
+            <a:off x="5225688" y="2179038"/>
+            <a:ext cx="1851000" cy="394500"/>
+          </a:xfrm>
+          <a:prstGeom prst="rect">
+            <a:avLst/>
+          </a:prstGeom>
+          <a:solidFill>
+            <a:srgbClr val="F3F3F3"/>
+          </a:solidFill>
+          <a:ln>
+            <a:noFill/>
+          </a:ln>
+        </p:spPr>
+        <p:txBody>
+          <a:bodyPr anchorCtr="0" anchor="ctr" bIns="91425" lIns="91425" spcFirstLastPara="1" rIns="91425" wrap="square" tIns="91425">
+            <a:noAutofit/>
+          </a:bodyPr>
+          <a:lstStyle/>
+          <a:p>
+            <a:pPr indent="0" lvl="0" marL="0" rtl="0" algn="ctr">
+              <a:spcBef>
+                <a:spcPts val="0"/>
+              </a:spcBef>
+              <a:spcAft>
+                <a:spcPts val="0"/>
+              </a:spcAft>
+              <a:buNone/>
+            </a:pPr>
+            <a:r>
+              <a:rPr lang="vi" sz="1200">
+                <a:latin typeface="Courier New"/>
+                <a:ea typeface="Courier New"/>
+                <a:cs typeface="Courier New"/>
+                <a:sym typeface="Courier New"/>
+              </a:rPr>
+              <a:t>TF-IDF Vectorizer</a:t>
+            </a:r>
+            <a:endParaRPr>
+              <a:latin typeface="Courier New"/>
+              <a:ea typeface="Courier New"/>
+              <a:cs typeface="Courier New"/>
+              <a:sym typeface="Courier New"/>
+            </a:endParaRPr>
+          </a:p>
+        </p:txBody>
+      </p:sp>
+      <p:pic>
+        <p:nvPicPr>
+          <p:cNvPr id="329" name="Google Shape;329;p28"/>
+          <p:cNvPicPr preferRelativeResize="0"/>
+          <p:nvPr/>
+        </p:nvPicPr>
+        <p:blipFill>
+          <a:blip r:embed="rId3">
+            <a:alphaModFix/>
+          </a:blip>
+          <a:stretch>
+            <a:fillRect/>
+          </a:stretch>
+        </p:blipFill>
+        <p:spPr>
+          <a:xfrm>
+            <a:off x="1787325" y="2806922"/>
+            <a:ext cx="2816961" cy="1023725"/>
+          </a:xfrm>
+          <a:prstGeom prst="rect">
+            <a:avLst/>
+          </a:prstGeom>
+          <a:noFill/>
+          <a:ln>
+            <a:noFill/>
+          </a:ln>
+        </p:spPr>
+      </p:pic>
+      <p:pic>
+        <p:nvPicPr>
+          <p:cNvPr id="330" name="Google Shape;330;p28"/>
+          <p:cNvPicPr preferRelativeResize="0"/>
+          <p:nvPr/>
+        </p:nvPicPr>
+        <p:blipFill>
+          <a:blip r:embed="rId4">
+            <a:alphaModFix/>
+          </a:blip>
+          <a:stretch>
+            <a:fillRect/>
+          </a:stretch>
+        </p:blipFill>
+        <p:spPr>
+          <a:xfrm>
+            <a:off x="4830910" y="2806925"/>
+            <a:ext cx="2989574" cy="1023725"/>
+          </a:xfrm>
+          <a:prstGeom prst="rect">
+            <a:avLst/>
+          </a:prstGeom>
+          <a:noFill/>
+          <a:ln>
+            <a:noFill/>
+          </a:ln>
+        </p:spPr>
+      </p:pic>
     </p:spTree>
   </p:cSld>
   <p:clrMapOvr>
@@ -12374,12 +15723,12 @@
 </p:sld>
 </file>
 
-<file path=ppt/slides/slide16.xml><?xml version="1.0" encoding="utf-8"?>
+<file path=ppt/slides/slide17.xml><?xml version="1.0" encoding="utf-8"?>
 <p:sld xmlns:a="http://schemas.openxmlformats.org/drawingml/2006/main" xmlns:r="http://schemas.openxmlformats.org/officeDocument/2006/relationships" xmlns:mc="http://schemas.openxmlformats.org/markup-compatibility/2006" xmlns:mv="urn:schemas-microsoft-com:mac:vml" xmlns:p="http://schemas.openxmlformats.org/presentationml/2006/main" xmlns:c="http://schemas.openxmlformats.org/drawingml/2006/chart" xmlns:dgm="http://schemas.openxmlformats.org/drawingml/2006/diagram" xmlns:o="urn:schemas-microsoft-com:office:office" xmlns:v="urn:schemas-microsoft-com:vml" xmlns:pvml="urn:schemas-microsoft-com:office:powerpoint" xmlns:com="http://schemas.openxmlformats.org/drawingml/2006/compatibility" xmlns:p14="http://schemas.microsoft.com/office/powerpoint/2010/main" xmlns:p15="http://schemas.microsoft.com/office/powerpoint/2012/main">
   <p:cSld>
     <p:spTree>
       <p:nvGrpSpPr>
-        <p:cNvPr id="288" name="Shape 288"/>
+        <p:cNvPr id="334" name="Shape 334"/>
         <p:cNvGrpSpPr/>
         <p:nvPr/>
       </p:nvGrpSpPr>
@@ -12393,7 +15742,7 @@
       </p:grpSpPr>
       <p:sp>
         <p:nvSpPr>
-          <p:cNvPr id="289" name="Google Shape;289;p28"/>
+          <p:cNvPr id="335" name="Google Shape;335;p29"/>
           <p:cNvSpPr txBox="1"/>
           <p:nvPr>
             <p:ph type="title"/>
@@ -12425,7 +15774,23 @@
             </a:pPr>
             <a:r>
               <a:rPr lang="vi"/>
-              <a:t>REFERENCE</a:t>
+              <a:t>PROJECT</a:t>
+            </a:r>
+            <a:endParaRPr/>
+          </a:p>
+          <a:p>
+            <a:pPr indent="457200" lvl="0" marL="0" rtl="0" algn="l">
+              <a:spcBef>
+                <a:spcPts val="0"/>
+              </a:spcBef>
+              <a:spcAft>
+                <a:spcPts val="0"/>
+              </a:spcAft>
+              <a:buNone/>
+            </a:pPr>
+            <a:r>
+              <a:rPr lang="vi" sz="1800"/>
+              <a:t>Result</a:t>
             </a:r>
             <a:endParaRPr/>
           </a:p>
@@ -12433,7 +15798,7 @@
       </p:sp>
       <p:sp>
         <p:nvSpPr>
-          <p:cNvPr id="290" name="Google Shape;290;p28"/>
+          <p:cNvPr id="336" name="Google Shape;336;p29"/>
           <p:cNvSpPr txBox="1"/>
           <p:nvPr>
             <p:ph idx="1" type="body"/>
@@ -12470,6 +15835,671 @@
           </a:p>
         </p:txBody>
       </p:sp>
+      <p:sp>
+        <p:nvSpPr>
+          <p:cNvPr id="337" name="Google Shape;337;p29"/>
+          <p:cNvSpPr/>
+          <p:nvPr/>
+        </p:nvSpPr>
+        <p:spPr>
+          <a:xfrm>
+            <a:off x="1297500" y="1173050"/>
+            <a:ext cx="1851000" cy="394500"/>
+          </a:xfrm>
+          <a:prstGeom prst="rect">
+            <a:avLst/>
+          </a:prstGeom>
+          <a:solidFill>
+            <a:srgbClr val="F3F3F3"/>
+          </a:solidFill>
+          <a:ln>
+            <a:noFill/>
+          </a:ln>
+        </p:spPr>
+        <p:txBody>
+          <a:bodyPr anchorCtr="0" anchor="ctr" bIns="91425" lIns="91425" spcFirstLastPara="1" rIns="91425" wrap="square" tIns="91425">
+            <a:noAutofit/>
+          </a:bodyPr>
+          <a:lstStyle/>
+          <a:p>
+            <a:pPr indent="0" lvl="0" marL="0" rtl="0" algn="ctr">
+              <a:spcBef>
+                <a:spcPts val="0"/>
+              </a:spcBef>
+              <a:spcAft>
+                <a:spcPts val="0"/>
+              </a:spcAft>
+              <a:buNone/>
+            </a:pPr>
+            <a:r>
+              <a:rPr lang="vi" sz="1200">
+                <a:latin typeface="Courier New"/>
+                <a:ea typeface="Courier New"/>
+                <a:cs typeface="Courier New"/>
+                <a:sym typeface="Courier New"/>
+              </a:rPr>
+              <a:t>LogisticRegression</a:t>
+            </a:r>
+            <a:endParaRPr sz="1200">
+              <a:latin typeface="Courier New"/>
+              <a:ea typeface="Courier New"/>
+              <a:cs typeface="Courier New"/>
+              <a:sym typeface="Courier New"/>
+            </a:endParaRPr>
+          </a:p>
+        </p:txBody>
+      </p:sp>
+      <p:sp>
+        <p:nvSpPr>
+          <p:cNvPr id="338" name="Google Shape;338;p29"/>
+          <p:cNvSpPr/>
+          <p:nvPr/>
+        </p:nvSpPr>
+        <p:spPr>
+          <a:xfrm>
+            <a:off x="2158963" y="2179038"/>
+            <a:ext cx="1851000" cy="394500"/>
+          </a:xfrm>
+          <a:prstGeom prst="rect">
+            <a:avLst/>
+          </a:prstGeom>
+          <a:solidFill>
+            <a:srgbClr val="F3F3F3"/>
+          </a:solidFill>
+          <a:ln>
+            <a:noFill/>
+          </a:ln>
+        </p:spPr>
+        <p:txBody>
+          <a:bodyPr anchorCtr="0" anchor="ctr" bIns="91425" lIns="91425" spcFirstLastPara="1" rIns="91425" wrap="square" tIns="91425">
+            <a:noAutofit/>
+          </a:bodyPr>
+          <a:lstStyle/>
+          <a:p>
+            <a:pPr indent="0" lvl="0" marL="0" rtl="0" algn="ctr">
+              <a:spcBef>
+                <a:spcPts val="0"/>
+              </a:spcBef>
+              <a:spcAft>
+                <a:spcPts val="0"/>
+              </a:spcAft>
+              <a:buNone/>
+            </a:pPr>
+            <a:r>
+              <a:rPr lang="vi" sz="1200">
+                <a:latin typeface="Courier New"/>
+                <a:ea typeface="Courier New"/>
+                <a:cs typeface="Courier New"/>
+                <a:sym typeface="Courier New"/>
+              </a:rPr>
+              <a:t>CountVectorizer</a:t>
+            </a:r>
+            <a:endParaRPr>
+              <a:latin typeface="Courier New"/>
+              <a:ea typeface="Courier New"/>
+              <a:cs typeface="Courier New"/>
+              <a:sym typeface="Courier New"/>
+            </a:endParaRPr>
+          </a:p>
+        </p:txBody>
+      </p:sp>
+      <p:sp>
+        <p:nvSpPr>
+          <p:cNvPr id="339" name="Google Shape;339;p29"/>
+          <p:cNvSpPr/>
+          <p:nvPr/>
+        </p:nvSpPr>
+        <p:spPr>
+          <a:xfrm>
+            <a:off x="5225688" y="2179038"/>
+            <a:ext cx="1851000" cy="394500"/>
+          </a:xfrm>
+          <a:prstGeom prst="rect">
+            <a:avLst/>
+          </a:prstGeom>
+          <a:solidFill>
+            <a:srgbClr val="F3F3F3"/>
+          </a:solidFill>
+          <a:ln>
+            <a:noFill/>
+          </a:ln>
+        </p:spPr>
+        <p:txBody>
+          <a:bodyPr anchorCtr="0" anchor="ctr" bIns="91425" lIns="91425" spcFirstLastPara="1" rIns="91425" wrap="square" tIns="91425">
+            <a:noAutofit/>
+          </a:bodyPr>
+          <a:lstStyle/>
+          <a:p>
+            <a:pPr indent="0" lvl="0" marL="0" rtl="0" algn="ctr">
+              <a:spcBef>
+                <a:spcPts val="0"/>
+              </a:spcBef>
+              <a:spcAft>
+                <a:spcPts val="0"/>
+              </a:spcAft>
+              <a:buNone/>
+            </a:pPr>
+            <a:r>
+              <a:rPr lang="vi" sz="1200">
+                <a:latin typeface="Courier New"/>
+                <a:ea typeface="Courier New"/>
+                <a:cs typeface="Courier New"/>
+                <a:sym typeface="Courier New"/>
+              </a:rPr>
+              <a:t>TF-IDF Vectorizer</a:t>
+            </a:r>
+            <a:endParaRPr>
+              <a:latin typeface="Courier New"/>
+              <a:ea typeface="Courier New"/>
+              <a:cs typeface="Courier New"/>
+              <a:sym typeface="Courier New"/>
+            </a:endParaRPr>
+          </a:p>
+        </p:txBody>
+      </p:sp>
+      <p:pic>
+        <p:nvPicPr>
+          <p:cNvPr id="340" name="Google Shape;340;p29"/>
+          <p:cNvPicPr preferRelativeResize="0"/>
+          <p:nvPr/>
+        </p:nvPicPr>
+        <p:blipFill>
+          <a:blip r:embed="rId3">
+            <a:alphaModFix/>
+          </a:blip>
+          <a:stretch>
+            <a:fillRect/>
+          </a:stretch>
+        </p:blipFill>
+        <p:spPr>
+          <a:xfrm>
+            <a:off x="4702124" y="2806925"/>
+            <a:ext cx="2898151" cy="1023725"/>
+          </a:xfrm>
+          <a:prstGeom prst="rect">
+            <a:avLst/>
+          </a:prstGeom>
+          <a:noFill/>
+          <a:ln>
+            <a:noFill/>
+          </a:ln>
+        </p:spPr>
+      </p:pic>
+      <p:pic>
+        <p:nvPicPr>
+          <p:cNvPr id="341" name="Google Shape;341;p29"/>
+          <p:cNvPicPr preferRelativeResize="0"/>
+          <p:nvPr/>
+        </p:nvPicPr>
+        <p:blipFill>
+          <a:blip r:embed="rId4">
+            <a:alphaModFix/>
+          </a:blip>
+          <a:stretch>
+            <a:fillRect/>
+          </a:stretch>
+        </p:blipFill>
+        <p:spPr>
+          <a:xfrm>
+            <a:off x="1584684" y="2806922"/>
+            <a:ext cx="2999585" cy="1023725"/>
+          </a:xfrm>
+          <a:prstGeom prst="rect">
+            <a:avLst/>
+          </a:prstGeom>
+          <a:noFill/>
+          <a:ln>
+            <a:noFill/>
+          </a:ln>
+        </p:spPr>
+      </p:pic>
+    </p:spTree>
+  </p:cSld>
+  <p:clrMapOvr>
+    <a:masterClrMapping/>
+  </p:clrMapOvr>
+</p:sld>
+</file>
+
+<file path=ppt/slides/slide18.xml><?xml version="1.0" encoding="utf-8"?>
+<p:sld xmlns:a="http://schemas.openxmlformats.org/drawingml/2006/main" xmlns:r="http://schemas.openxmlformats.org/officeDocument/2006/relationships" xmlns:mc="http://schemas.openxmlformats.org/markup-compatibility/2006" xmlns:mv="urn:schemas-microsoft-com:mac:vml" xmlns:p="http://schemas.openxmlformats.org/presentationml/2006/main" xmlns:c="http://schemas.openxmlformats.org/drawingml/2006/chart" xmlns:dgm="http://schemas.openxmlformats.org/drawingml/2006/diagram" xmlns:o="urn:schemas-microsoft-com:office:office" xmlns:v="urn:schemas-microsoft-com:vml" xmlns:pvml="urn:schemas-microsoft-com:office:powerpoint" xmlns:com="http://schemas.openxmlformats.org/drawingml/2006/compatibility" xmlns:p14="http://schemas.microsoft.com/office/powerpoint/2010/main" xmlns:p15="http://schemas.microsoft.com/office/powerpoint/2012/main">
+  <p:cSld>
+    <p:spTree>
+      <p:nvGrpSpPr>
+        <p:cNvPr id="345" name="Shape 345"/>
+        <p:cNvGrpSpPr/>
+        <p:nvPr/>
+      </p:nvGrpSpPr>
+      <p:grpSpPr>
+        <a:xfrm>
+          <a:off x="0" y="0"/>
+          <a:ext cx="0" cy="0"/>
+          <a:chOff x="0" y="0"/>
+          <a:chExt cx="0" cy="0"/>
+        </a:xfrm>
+      </p:grpSpPr>
+      <p:sp>
+        <p:nvSpPr>
+          <p:cNvPr id="346" name="Google Shape;346;p30"/>
+          <p:cNvSpPr txBox="1"/>
+          <p:nvPr>
+            <p:ph type="title"/>
+          </p:nvPr>
+        </p:nvSpPr>
+        <p:spPr>
+          <a:xfrm>
+            <a:off x="1297500" y="393750"/>
+            <a:ext cx="7038900" cy="914100"/>
+          </a:xfrm>
+          <a:prstGeom prst="rect">
+            <a:avLst/>
+          </a:prstGeom>
+        </p:spPr>
+        <p:txBody>
+          <a:bodyPr anchorCtr="0" anchor="t" bIns="91425" lIns="91425" spcFirstLastPara="1" rIns="91425" wrap="square" tIns="91425">
+            <a:noAutofit/>
+          </a:bodyPr>
+          <a:lstStyle/>
+          <a:p>
+            <a:pPr indent="0" lvl="0" marL="0" rtl="0" algn="l">
+              <a:spcBef>
+                <a:spcPts val="0"/>
+              </a:spcBef>
+              <a:spcAft>
+                <a:spcPts val="0"/>
+              </a:spcAft>
+              <a:buNone/>
+            </a:pPr>
+            <a:r>
+              <a:rPr lang="vi"/>
+              <a:t>PROJECT</a:t>
+            </a:r>
+            <a:endParaRPr/>
+          </a:p>
+          <a:p>
+            <a:pPr indent="457200" lvl="0" marL="0" rtl="0" algn="l">
+              <a:spcBef>
+                <a:spcPts val="0"/>
+              </a:spcBef>
+              <a:spcAft>
+                <a:spcPts val="0"/>
+              </a:spcAft>
+              <a:buNone/>
+            </a:pPr>
+            <a:r>
+              <a:rPr lang="vi" sz="1800"/>
+              <a:t>Result</a:t>
+            </a:r>
+            <a:endParaRPr/>
+          </a:p>
+        </p:txBody>
+      </p:sp>
+      <p:sp>
+        <p:nvSpPr>
+          <p:cNvPr id="347" name="Google Shape;347;p30"/>
+          <p:cNvSpPr txBox="1"/>
+          <p:nvPr>
+            <p:ph idx="1" type="body"/>
+          </p:nvPr>
+        </p:nvSpPr>
+        <p:spPr>
+          <a:xfrm>
+            <a:off x="1297500" y="1567550"/>
+            <a:ext cx="7038900" cy="2911200"/>
+          </a:xfrm>
+          <a:prstGeom prst="rect">
+            <a:avLst/>
+          </a:prstGeom>
+        </p:spPr>
+        <p:txBody>
+          <a:bodyPr anchorCtr="0" anchor="t" bIns="91425" lIns="91425" spcFirstLastPara="1" rIns="91425" wrap="square" tIns="91425">
+            <a:noAutofit/>
+          </a:bodyPr>
+          <a:lstStyle/>
+          <a:p>
+            <a:pPr indent="0" lvl="0" marL="0" rtl="0" algn="l">
+              <a:spcBef>
+                <a:spcPts val="0"/>
+              </a:spcBef>
+              <a:spcAft>
+                <a:spcPts val="1600"/>
+              </a:spcAft>
+              <a:buNone/>
+            </a:pPr>
+            <a:r>
+              <a:t/>
+            </a:r>
+            <a:endParaRPr/>
+          </a:p>
+        </p:txBody>
+      </p:sp>
+      <p:sp>
+        <p:nvSpPr>
+          <p:cNvPr id="348" name="Google Shape;348;p30"/>
+          <p:cNvSpPr/>
+          <p:nvPr/>
+        </p:nvSpPr>
+        <p:spPr>
+          <a:xfrm>
+            <a:off x="1297500" y="1173050"/>
+            <a:ext cx="1851000" cy="394500"/>
+          </a:xfrm>
+          <a:prstGeom prst="rect">
+            <a:avLst/>
+          </a:prstGeom>
+          <a:solidFill>
+            <a:srgbClr val="F3F3F3"/>
+          </a:solidFill>
+          <a:ln>
+            <a:noFill/>
+          </a:ln>
+        </p:spPr>
+        <p:txBody>
+          <a:bodyPr anchorCtr="0" anchor="ctr" bIns="91425" lIns="91425" spcFirstLastPara="1" rIns="91425" wrap="square" tIns="91425">
+            <a:noAutofit/>
+          </a:bodyPr>
+          <a:lstStyle/>
+          <a:p>
+            <a:pPr indent="0" lvl="0" marL="0" rtl="0" algn="ctr">
+              <a:spcBef>
+                <a:spcPts val="0"/>
+              </a:spcBef>
+              <a:spcAft>
+                <a:spcPts val="0"/>
+              </a:spcAft>
+              <a:buNone/>
+            </a:pPr>
+            <a:r>
+              <a:rPr lang="vi" sz="1200">
+                <a:latin typeface="Courier New"/>
+                <a:ea typeface="Courier New"/>
+                <a:cs typeface="Courier New"/>
+                <a:sym typeface="Courier New"/>
+              </a:rPr>
+              <a:t>SGDClassifier</a:t>
+            </a:r>
+            <a:endParaRPr sz="1200">
+              <a:latin typeface="Courier New"/>
+              <a:ea typeface="Courier New"/>
+              <a:cs typeface="Courier New"/>
+              <a:sym typeface="Courier New"/>
+            </a:endParaRPr>
+          </a:p>
+        </p:txBody>
+      </p:sp>
+      <p:sp>
+        <p:nvSpPr>
+          <p:cNvPr id="349" name="Google Shape;349;p30"/>
+          <p:cNvSpPr/>
+          <p:nvPr/>
+        </p:nvSpPr>
+        <p:spPr>
+          <a:xfrm>
+            <a:off x="2158963" y="2179038"/>
+            <a:ext cx="1851000" cy="394500"/>
+          </a:xfrm>
+          <a:prstGeom prst="rect">
+            <a:avLst/>
+          </a:prstGeom>
+          <a:solidFill>
+            <a:srgbClr val="F3F3F3"/>
+          </a:solidFill>
+          <a:ln>
+            <a:noFill/>
+          </a:ln>
+        </p:spPr>
+        <p:txBody>
+          <a:bodyPr anchorCtr="0" anchor="ctr" bIns="91425" lIns="91425" spcFirstLastPara="1" rIns="91425" wrap="square" tIns="91425">
+            <a:noAutofit/>
+          </a:bodyPr>
+          <a:lstStyle/>
+          <a:p>
+            <a:pPr indent="0" lvl="0" marL="0" rtl="0" algn="ctr">
+              <a:spcBef>
+                <a:spcPts val="0"/>
+              </a:spcBef>
+              <a:spcAft>
+                <a:spcPts val="0"/>
+              </a:spcAft>
+              <a:buNone/>
+            </a:pPr>
+            <a:r>
+              <a:rPr lang="vi" sz="1200">
+                <a:latin typeface="Courier New"/>
+                <a:ea typeface="Courier New"/>
+                <a:cs typeface="Courier New"/>
+                <a:sym typeface="Courier New"/>
+              </a:rPr>
+              <a:t>CountVectorizer</a:t>
+            </a:r>
+            <a:endParaRPr>
+              <a:latin typeface="Courier New"/>
+              <a:ea typeface="Courier New"/>
+              <a:cs typeface="Courier New"/>
+              <a:sym typeface="Courier New"/>
+            </a:endParaRPr>
+          </a:p>
+        </p:txBody>
+      </p:sp>
+      <p:sp>
+        <p:nvSpPr>
+          <p:cNvPr id="350" name="Google Shape;350;p30"/>
+          <p:cNvSpPr/>
+          <p:nvPr/>
+        </p:nvSpPr>
+        <p:spPr>
+          <a:xfrm>
+            <a:off x="5225688" y="2179038"/>
+            <a:ext cx="1851000" cy="394500"/>
+          </a:xfrm>
+          <a:prstGeom prst="rect">
+            <a:avLst/>
+          </a:prstGeom>
+          <a:solidFill>
+            <a:srgbClr val="F3F3F3"/>
+          </a:solidFill>
+          <a:ln>
+            <a:noFill/>
+          </a:ln>
+        </p:spPr>
+        <p:txBody>
+          <a:bodyPr anchorCtr="0" anchor="ctr" bIns="91425" lIns="91425" spcFirstLastPara="1" rIns="91425" wrap="square" tIns="91425">
+            <a:noAutofit/>
+          </a:bodyPr>
+          <a:lstStyle/>
+          <a:p>
+            <a:pPr indent="0" lvl="0" marL="0" rtl="0" algn="ctr">
+              <a:spcBef>
+                <a:spcPts val="0"/>
+              </a:spcBef>
+              <a:spcAft>
+                <a:spcPts val="0"/>
+              </a:spcAft>
+              <a:buNone/>
+            </a:pPr>
+            <a:r>
+              <a:rPr lang="vi" sz="1200">
+                <a:latin typeface="Courier New"/>
+                <a:ea typeface="Courier New"/>
+                <a:cs typeface="Courier New"/>
+                <a:sym typeface="Courier New"/>
+              </a:rPr>
+              <a:t>TF-IDF Vectorizer</a:t>
+            </a:r>
+            <a:endParaRPr>
+              <a:latin typeface="Courier New"/>
+              <a:ea typeface="Courier New"/>
+              <a:cs typeface="Courier New"/>
+              <a:sym typeface="Courier New"/>
+            </a:endParaRPr>
+          </a:p>
+        </p:txBody>
+      </p:sp>
+      <p:pic>
+        <p:nvPicPr>
+          <p:cNvPr id="351" name="Google Shape;351;p30"/>
+          <p:cNvPicPr preferRelativeResize="0"/>
+          <p:nvPr/>
+        </p:nvPicPr>
+        <p:blipFill>
+          <a:blip r:embed="rId3">
+            <a:alphaModFix/>
+          </a:blip>
+          <a:stretch>
+            <a:fillRect/>
+          </a:stretch>
+        </p:blipFill>
+        <p:spPr>
+          <a:xfrm>
+            <a:off x="4680434" y="2732850"/>
+            <a:ext cx="2941541" cy="1097800"/>
+          </a:xfrm>
+          <a:prstGeom prst="rect">
+            <a:avLst/>
+          </a:prstGeom>
+          <a:noFill/>
+          <a:ln>
+            <a:noFill/>
+          </a:ln>
+        </p:spPr>
+      </p:pic>
+      <p:pic>
+        <p:nvPicPr>
+          <p:cNvPr id="352" name="Google Shape;352;p30"/>
+          <p:cNvPicPr preferRelativeResize="0"/>
+          <p:nvPr/>
+        </p:nvPicPr>
+        <p:blipFill>
+          <a:blip r:embed="rId4">
+            <a:alphaModFix/>
+          </a:blip>
+          <a:stretch>
+            <a:fillRect/>
+          </a:stretch>
+        </p:blipFill>
+        <p:spPr>
+          <a:xfrm>
+            <a:off x="1613697" y="2725244"/>
+            <a:ext cx="2941550" cy="1113019"/>
+          </a:xfrm>
+          <a:prstGeom prst="rect">
+            <a:avLst/>
+          </a:prstGeom>
+          <a:noFill/>
+          <a:ln>
+            <a:noFill/>
+          </a:ln>
+        </p:spPr>
+      </p:pic>
+    </p:spTree>
+  </p:cSld>
+  <p:clrMapOvr>
+    <a:masterClrMapping/>
+  </p:clrMapOvr>
+</p:sld>
+</file>
+
+<file path=ppt/slides/slide19.xml><?xml version="1.0" encoding="utf-8"?>
+<p:sld xmlns:a="http://schemas.openxmlformats.org/drawingml/2006/main" xmlns:r="http://schemas.openxmlformats.org/officeDocument/2006/relationships" xmlns:mc="http://schemas.openxmlformats.org/markup-compatibility/2006" xmlns:mv="urn:schemas-microsoft-com:mac:vml" xmlns:p="http://schemas.openxmlformats.org/presentationml/2006/main" xmlns:c="http://schemas.openxmlformats.org/drawingml/2006/chart" xmlns:dgm="http://schemas.openxmlformats.org/drawingml/2006/diagram" xmlns:o="urn:schemas-microsoft-com:office:office" xmlns:v="urn:schemas-microsoft-com:vml" xmlns:pvml="urn:schemas-microsoft-com:office:powerpoint" xmlns:com="http://schemas.openxmlformats.org/drawingml/2006/compatibility" xmlns:p14="http://schemas.microsoft.com/office/powerpoint/2010/main" xmlns:p15="http://schemas.microsoft.com/office/powerpoint/2012/main">
+  <p:cSld>
+    <p:spTree>
+      <p:nvGrpSpPr>
+        <p:cNvPr id="356" name="Shape 356"/>
+        <p:cNvGrpSpPr/>
+        <p:nvPr/>
+      </p:nvGrpSpPr>
+      <p:grpSpPr>
+        <a:xfrm>
+          <a:off x="0" y="0"/>
+          <a:ext cx="0" cy="0"/>
+          <a:chOff x="0" y="0"/>
+          <a:chExt cx="0" cy="0"/>
+        </a:xfrm>
+      </p:grpSpPr>
+      <p:sp>
+        <p:nvSpPr>
+          <p:cNvPr id="357" name="Google Shape;357;p31"/>
+          <p:cNvSpPr txBox="1"/>
+          <p:nvPr>
+            <p:ph type="title"/>
+          </p:nvPr>
+        </p:nvSpPr>
+        <p:spPr>
+          <a:xfrm>
+            <a:off x="1297500" y="393750"/>
+            <a:ext cx="7038900" cy="914100"/>
+          </a:xfrm>
+          <a:prstGeom prst="rect">
+            <a:avLst/>
+          </a:prstGeom>
+        </p:spPr>
+        <p:txBody>
+          <a:bodyPr anchorCtr="0" anchor="t" bIns="91425" lIns="91425" spcFirstLastPara="1" rIns="91425" wrap="square" tIns="91425">
+            <a:noAutofit/>
+          </a:bodyPr>
+          <a:lstStyle/>
+          <a:p>
+            <a:pPr indent="0" lvl="0" marL="0" rtl="0" algn="l">
+              <a:spcBef>
+                <a:spcPts val="0"/>
+              </a:spcBef>
+              <a:spcAft>
+                <a:spcPts val="0"/>
+              </a:spcAft>
+              <a:buNone/>
+            </a:pPr>
+            <a:r>
+              <a:rPr lang="vi"/>
+              <a:t>PROJECT</a:t>
+            </a:r>
+            <a:endParaRPr/>
+          </a:p>
+          <a:p>
+            <a:pPr indent="457200" lvl="0" marL="0" rtl="0" algn="l">
+              <a:spcBef>
+                <a:spcPts val="0"/>
+              </a:spcBef>
+              <a:spcAft>
+                <a:spcPts val="0"/>
+              </a:spcAft>
+              <a:buNone/>
+            </a:pPr>
+            <a:r>
+              <a:rPr lang="vi" sz="1800"/>
+              <a:t>Result</a:t>
+            </a:r>
+            <a:endParaRPr/>
+          </a:p>
+        </p:txBody>
+      </p:sp>
+      <p:pic>
+        <p:nvPicPr>
+          <p:cNvPr id="358" name="Google Shape;358;p31"/>
+          <p:cNvPicPr preferRelativeResize="0"/>
+          <p:nvPr/>
+        </p:nvPicPr>
+        <p:blipFill>
+          <a:blip r:embed="rId3">
+            <a:alphaModFix/>
+          </a:blip>
+          <a:stretch>
+            <a:fillRect/>
+          </a:stretch>
+        </p:blipFill>
+        <p:spPr>
+          <a:xfrm>
+            <a:off x="417925" y="1354050"/>
+            <a:ext cx="8372475" cy="2952750"/>
+          </a:xfrm>
+          <a:prstGeom prst="rect">
+            <a:avLst/>
+          </a:prstGeom>
+          <a:noFill/>
+          <a:ln>
+            <a:noFill/>
+          </a:ln>
+        </p:spPr>
+      </p:pic>
     </p:spTree>
   </p:cSld>
   <p:clrMapOvr>
@@ -12668,6 +16698,770 @@
               <a:cs typeface="Montserrat"/>
               <a:sym typeface="Montserrat"/>
             </a:endParaRPr>
+          </a:p>
+        </p:txBody>
+      </p:sp>
+    </p:spTree>
+  </p:cSld>
+  <p:clrMapOvr>
+    <a:masterClrMapping/>
+  </p:clrMapOvr>
+</p:sld>
+</file>
+
+<file path=ppt/slides/slide20.xml><?xml version="1.0" encoding="utf-8"?>
+<p:sld xmlns:a="http://schemas.openxmlformats.org/drawingml/2006/main" xmlns:r="http://schemas.openxmlformats.org/officeDocument/2006/relationships" xmlns:mc="http://schemas.openxmlformats.org/markup-compatibility/2006" xmlns:mv="urn:schemas-microsoft-com:mac:vml" xmlns:p="http://schemas.openxmlformats.org/presentationml/2006/main" xmlns:c="http://schemas.openxmlformats.org/drawingml/2006/chart" xmlns:dgm="http://schemas.openxmlformats.org/drawingml/2006/diagram" xmlns:o="urn:schemas-microsoft-com:office:office" xmlns:v="urn:schemas-microsoft-com:vml" xmlns:pvml="urn:schemas-microsoft-com:office:powerpoint" xmlns:com="http://schemas.openxmlformats.org/drawingml/2006/compatibility" xmlns:p14="http://schemas.microsoft.com/office/powerpoint/2010/main" xmlns:p15="http://schemas.microsoft.com/office/powerpoint/2012/main">
+  <p:cSld>
+    <p:spTree>
+      <p:nvGrpSpPr>
+        <p:cNvPr id="362" name="Shape 362"/>
+        <p:cNvGrpSpPr/>
+        <p:nvPr/>
+      </p:nvGrpSpPr>
+      <p:grpSpPr>
+        <a:xfrm>
+          <a:off x="0" y="0"/>
+          <a:ext cx="0" cy="0"/>
+          <a:chOff x="0" y="0"/>
+          <a:chExt cx="0" cy="0"/>
+        </a:xfrm>
+      </p:grpSpPr>
+      <p:sp>
+        <p:nvSpPr>
+          <p:cNvPr id="363" name="Google Shape;363;p32"/>
+          <p:cNvSpPr txBox="1"/>
+          <p:nvPr>
+            <p:ph type="title"/>
+          </p:nvPr>
+        </p:nvSpPr>
+        <p:spPr>
+          <a:xfrm>
+            <a:off x="1297500" y="393750"/>
+            <a:ext cx="7038900" cy="914100"/>
+          </a:xfrm>
+          <a:prstGeom prst="rect">
+            <a:avLst/>
+          </a:prstGeom>
+        </p:spPr>
+        <p:txBody>
+          <a:bodyPr anchorCtr="0" anchor="t" bIns="91425" lIns="91425" spcFirstLastPara="1" rIns="91425" wrap="square" tIns="91425">
+            <a:noAutofit/>
+          </a:bodyPr>
+          <a:lstStyle/>
+          <a:p>
+            <a:pPr indent="0" lvl="0" marL="0" rtl="0" algn="l">
+              <a:spcBef>
+                <a:spcPts val="0"/>
+              </a:spcBef>
+              <a:spcAft>
+                <a:spcPts val="0"/>
+              </a:spcAft>
+              <a:buNone/>
+            </a:pPr>
+            <a:r>
+              <a:rPr lang="vi"/>
+              <a:t>SUMMARY</a:t>
+            </a:r>
+            <a:endParaRPr/>
+          </a:p>
+        </p:txBody>
+      </p:sp>
+      <p:sp>
+        <p:nvSpPr>
+          <p:cNvPr id="364" name="Google Shape;364;p32"/>
+          <p:cNvSpPr/>
+          <p:nvPr/>
+        </p:nvSpPr>
+        <p:spPr>
+          <a:xfrm>
+            <a:off x="494375" y="1975350"/>
+            <a:ext cx="318600" cy="318600"/>
+          </a:xfrm>
+          <a:prstGeom prst="ellipse">
+            <a:avLst/>
+          </a:prstGeom>
+          <a:solidFill>
+            <a:schemeClr val="lt2"/>
+          </a:solidFill>
+          <a:ln>
+            <a:noFill/>
+          </a:ln>
+        </p:spPr>
+        <p:txBody>
+          <a:bodyPr anchorCtr="0" anchor="ctr" bIns="91425" lIns="91425" spcFirstLastPara="1" rIns="91425" wrap="square" tIns="91425">
+            <a:noAutofit/>
+          </a:bodyPr>
+          <a:lstStyle/>
+          <a:p>
+            <a:pPr indent="0" lvl="0" marL="0" rtl="0" algn="l">
+              <a:spcBef>
+                <a:spcPts val="0"/>
+              </a:spcBef>
+              <a:spcAft>
+                <a:spcPts val="0"/>
+              </a:spcAft>
+              <a:buNone/>
+            </a:pPr>
+            <a:r>
+              <a:t/>
+            </a:r>
+            <a:endParaRPr/>
+          </a:p>
+        </p:txBody>
+      </p:sp>
+      <p:sp>
+        <p:nvSpPr>
+          <p:cNvPr id="365" name="Google Shape;365;p32"/>
+          <p:cNvSpPr/>
+          <p:nvPr/>
+        </p:nvSpPr>
+        <p:spPr>
+          <a:xfrm>
+            <a:off x="3568338" y="1937100"/>
+            <a:ext cx="1851000" cy="394500"/>
+          </a:xfrm>
+          <a:prstGeom prst="rect">
+            <a:avLst/>
+          </a:prstGeom>
+          <a:solidFill>
+            <a:srgbClr val="F3F3F3"/>
+          </a:solidFill>
+          <a:ln>
+            <a:noFill/>
+          </a:ln>
+        </p:spPr>
+        <p:txBody>
+          <a:bodyPr anchorCtr="0" anchor="ctr" bIns="91425" lIns="91425" spcFirstLastPara="1" rIns="91425" wrap="square" tIns="91425">
+            <a:noAutofit/>
+          </a:bodyPr>
+          <a:lstStyle/>
+          <a:p>
+            <a:pPr indent="0" lvl="0" marL="0" rtl="0" algn="ctr">
+              <a:spcBef>
+                <a:spcPts val="0"/>
+              </a:spcBef>
+              <a:spcAft>
+                <a:spcPts val="0"/>
+              </a:spcAft>
+              <a:buNone/>
+            </a:pPr>
+            <a:r>
+              <a:rPr lang="vi" sz="1200">
+                <a:latin typeface="Courier New"/>
+                <a:ea typeface="Courier New"/>
+                <a:cs typeface="Courier New"/>
+                <a:sym typeface="Courier New"/>
+              </a:rPr>
+              <a:t>LogisticRegression</a:t>
+            </a:r>
+            <a:endParaRPr>
+              <a:latin typeface="Courier New"/>
+              <a:ea typeface="Courier New"/>
+              <a:cs typeface="Courier New"/>
+              <a:sym typeface="Courier New"/>
+            </a:endParaRPr>
+          </a:p>
+        </p:txBody>
+      </p:sp>
+      <p:sp>
+        <p:nvSpPr>
+          <p:cNvPr id="366" name="Google Shape;366;p32"/>
+          <p:cNvSpPr/>
+          <p:nvPr/>
+        </p:nvSpPr>
+        <p:spPr>
+          <a:xfrm>
+            <a:off x="1265163" y="1937088"/>
+            <a:ext cx="1851000" cy="394500"/>
+          </a:xfrm>
+          <a:prstGeom prst="rect">
+            <a:avLst/>
+          </a:prstGeom>
+          <a:solidFill>
+            <a:srgbClr val="F3F3F3"/>
+          </a:solidFill>
+          <a:ln>
+            <a:noFill/>
+          </a:ln>
+        </p:spPr>
+        <p:txBody>
+          <a:bodyPr anchorCtr="0" anchor="ctr" bIns="91425" lIns="91425" spcFirstLastPara="1" rIns="91425" wrap="square" tIns="91425">
+            <a:noAutofit/>
+          </a:bodyPr>
+          <a:lstStyle/>
+          <a:p>
+            <a:pPr indent="0" lvl="0" marL="0" rtl="0" algn="ctr">
+              <a:spcBef>
+                <a:spcPts val="0"/>
+              </a:spcBef>
+              <a:spcAft>
+                <a:spcPts val="0"/>
+              </a:spcAft>
+              <a:buNone/>
+            </a:pPr>
+            <a:r>
+              <a:rPr lang="vi" sz="1200">
+                <a:latin typeface="Courier New"/>
+                <a:ea typeface="Courier New"/>
+                <a:cs typeface="Courier New"/>
+                <a:sym typeface="Courier New"/>
+              </a:rPr>
+              <a:t>TF-IDF Vectorizer</a:t>
+            </a:r>
+            <a:endParaRPr>
+              <a:latin typeface="Courier New"/>
+              <a:ea typeface="Courier New"/>
+              <a:cs typeface="Courier New"/>
+              <a:sym typeface="Courier New"/>
+            </a:endParaRPr>
+          </a:p>
+        </p:txBody>
+      </p:sp>
+      <p:sp>
+        <p:nvSpPr>
+          <p:cNvPr id="367" name="Google Shape;367;p32"/>
+          <p:cNvSpPr/>
+          <p:nvPr/>
+        </p:nvSpPr>
+        <p:spPr>
+          <a:xfrm>
+            <a:off x="6032350" y="1759050"/>
+            <a:ext cx="1244100" cy="751200"/>
+          </a:xfrm>
+          <a:prstGeom prst="roundRect">
+            <a:avLst>
+              <a:gd fmla="val 16667" name="adj"/>
+            </a:avLst>
+          </a:prstGeom>
+          <a:solidFill>
+            <a:srgbClr val="F3F3F3"/>
+          </a:solidFill>
+          <a:ln>
+            <a:noFill/>
+          </a:ln>
+        </p:spPr>
+        <p:txBody>
+          <a:bodyPr anchorCtr="0" anchor="ctr" bIns="91425" lIns="91425" spcFirstLastPara="1" rIns="91425" wrap="square" tIns="91425">
+            <a:noAutofit/>
+          </a:bodyPr>
+          <a:lstStyle/>
+          <a:p>
+            <a:pPr indent="0" lvl="0" marL="0" rtl="0" algn="ctr">
+              <a:spcBef>
+                <a:spcPts val="0"/>
+              </a:spcBef>
+              <a:spcAft>
+                <a:spcPts val="0"/>
+              </a:spcAft>
+              <a:buNone/>
+            </a:pPr>
+            <a:r>
+              <a:rPr lang="vi" sz="1200">
+                <a:latin typeface="Courier New"/>
+                <a:ea typeface="Courier New"/>
+                <a:cs typeface="Courier New"/>
+                <a:sym typeface="Courier New"/>
+              </a:rPr>
+              <a:t>Params</a:t>
+            </a:r>
+            <a:endParaRPr/>
+          </a:p>
+        </p:txBody>
+      </p:sp>
+      <p:sp>
+        <p:nvSpPr>
+          <p:cNvPr id="368" name="Google Shape;368;p32"/>
+          <p:cNvSpPr/>
+          <p:nvPr/>
+        </p:nvSpPr>
+        <p:spPr>
+          <a:xfrm>
+            <a:off x="7775425" y="1697550"/>
+            <a:ext cx="874200" cy="874200"/>
+          </a:xfrm>
+          <a:prstGeom prst="ellipse">
+            <a:avLst/>
+          </a:prstGeom>
+          <a:solidFill>
+            <a:srgbClr val="F3F3F3"/>
+          </a:solidFill>
+          <a:ln>
+            <a:noFill/>
+          </a:ln>
+        </p:spPr>
+        <p:txBody>
+          <a:bodyPr anchorCtr="0" anchor="ctr" bIns="91425" lIns="91425" spcFirstLastPara="1" rIns="91425" wrap="square" tIns="91425">
+            <a:noAutofit/>
+          </a:bodyPr>
+          <a:lstStyle/>
+          <a:p>
+            <a:pPr indent="0" lvl="0" marL="0" rtl="0" algn="ctr">
+              <a:spcBef>
+                <a:spcPts val="0"/>
+              </a:spcBef>
+              <a:spcAft>
+                <a:spcPts val="0"/>
+              </a:spcAft>
+              <a:buNone/>
+            </a:pPr>
+            <a:r>
+              <a:rPr lang="vi" sz="1100">
+                <a:latin typeface="Courier New"/>
+                <a:ea typeface="Courier New"/>
+                <a:cs typeface="Courier New"/>
+                <a:sym typeface="Courier New"/>
+              </a:rPr>
+              <a:t>Final Model</a:t>
+            </a:r>
+            <a:endParaRPr sz="1100">
+              <a:latin typeface="Courier New"/>
+              <a:ea typeface="Courier New"/>
+              <a:cs typeface="Courier New"/>
+              <a:sym typeface="Courier New"/>
+            </a:endParaRPr>
+          </a:p>
+        </p:txBody>
+      </p:sp>
+      <p:cxnSp>
+        <p:nvCxnSpPr>
+          <p:cNvPr id="369" name="Google Shape;369;p32"/>
+          <p:cNvCxnSpPr>
+            <a:endCxn id="366" idx="1"/>
+          </p:cNvCxnSpPr>
+          <p:nvPr/>
+        </p:nvCxnSpPr>
+        <p:spPr>
+          <a:xfrm>
+            <a:off x="812763" y="2133738"/>
+            <a:ext cx="452400" cy="600"/>
+          </a:xfrm>
+          <a:prstGeom prst="bentConnector3">
+            <a:avLst>
+              <a:gd fmla="val 50000" name="adj1"/>
+            </a:avLst>
+          </a:prstGeom>
+          <a:noFill/>
+          <a:ln cap="flat" cmpd="sng" w="9525">
+            <a:solidFill>
+              <a:schemeClr val="dk2"/>
+            </a:solidFill>
+            <a:prstDash val="solid"/>
+            <a:round/>
+            <a:headEnd len="med" w="med" type="none"/>
+            <a:tailEnd len="med" w="med" type="none"/>
+          </a:ln>
+        </p:spPr>
+      </p:cxnSp>
+      <p:cxnSp>
+        <p:nvCxnSpPr>
+          <p:cNvPr id="370" name="Google Shape;370;p32"/>
+          <p:cNvCxnSpPr>
+            <a:stCxn id="365" idx="1"/>
+            <a:endCxn id="366" idx="3"/>
+          </p:cNvCxnSpPr>
+          <p:nvPr/>
+        </p:nvCxnSpPr>
+        <p:spPr>
+          <a:xfrm flipH="1">
+            <a:off x="3116238" y="2134350"/>
+            <a:ext cx="452100" cy="600"/>
+          </a:xfrm>
+          <a:prstGeom prst="bentConnector3">
+            <a:avLst>
+              <a:gd fmla="val 50008" name="adj1"/>
+            </a:avLst>
+          </a:prstGeom>
+          <a:noFill/>
+          <a:ln cap="flat" cmpd="sng" w="9525">
+            <a:solidFill>
+              <a:schemeClr val="dk2"/>
+            </a:solidFill>
+            <a:prstDash val="solid"/>
+            <a:round/>
+            <a:headEnd len="med" w="med" type="none"/>
+            <a:tailEnd len="med" w="med" type="none"/>
+          </a:ln>
+        </p:spPr>
+      </p:cxnSp>
+      <p:cxnSp>
+        <p:nvCxnSpPr>
+          <p:cNvPr id="371" name="Google Shape;371;p32"/>
+          <p:cNvCxnSpPr>
+            <a:stCxn id="365" idx="3"/>
+            <a:endCxn id="367" idx="1"/>
+          </p:cNvCxnSpPr>
+          <p:nvPr/>
+        </p:nvCxnSpPr>
+        <p:spPr>
+          <a:xfrm>
+            <a:off x="5419338" y="2134350"/>
+            <a:ext cx="612900" cy="600"/>
+          </a:xfrm>
+          <a:prstGeom prst="bentConnector3">
+            <a:avLst>
+              <a:gd fmla="val 50009" name="adj1"/>
+            </a:avLst>
+          </a:prstGeom>
+          <a:noFill/>
+          <a:ln cap="flat" cmpd="sng" w="9525">
+            <a:solidFill>
+              <a:schemeClr val="dk2"/>
+            </a:solidFill>
+            <a:prstDash val="solid"/>
+            <a:round/>
+            <a:headEnd len="med" w="med" type="none"/>
+            <a:tailEnd len="med" w="med" type="none"/>
+          </a:ln>
+        </p:spPr>
+      </p:cxnSp>
+      <p:cxnSp>
+        <p:nvCxnSpPr>
+          <p:cNvPr id="372" name="Google Shape;372;p32"/>
+          <p:cNvCxnSpPr>
+            <a:stCxn id="367" idx="3"/>
+            <a:endCxn id="368" idx="2"/>
+          </p:cNvCxnSpPr>
+          <p:nvPr/>
+        </p:nvCxnSpPr>
+        <p:spPr>
+          <a:xfrm>
+            <a:off x="7276450" y="2134650"/>
+            <a:ext cx="498900" cy="600"/>
+          </a:xfrm>
+          <a:prstGeom prst="bentConnector3">
+            <a:avLst>
+              <a:gd fmla="val 50008" name="adj1"/>
+            </a:avLst>
+          </a:prstGeom>
+          <a:noFill/>
+          <a:ln cap="flat" cmpd="sng" w="9525">
+            <a:solidFill>
+              <a:schemeClr val="dk2"/>
+            </a:solidFill>
+            <a:prstDash val="solid"/>
+            <a:round/>
+            <a:headEnd len="med" w="med" type="none"/>
+            <a:tailEnd len="med" w="med" type="none"/>
+          </a:ln>
+        </p:spPr>
+      </p:cxnSp>
+      <p:sp>
+        <p:nvSpPr>
+          <p:cNvPr id="373" name="Google Shape;373;p32"/>
+          <p:cNvSpPr txBox="1"/>
+          <p:nvPr/>
+        </p:nvSpPr>
+        <p:spPr>
+          <a:xfrm>
+            <a:off x="5830000" y="1007850"/>
+            <a:ext cx="1648800" cy="751200"/>
+          </a:xfrm>
+          <a:prstGeom prst="rect">
+            <a:avLst/>
+          </a:prstGeom>
+          <a:noFill/>
+          <a:ln>
+            <a:noFill/>
+          </a:ln>
+        </p:spPr>
+        <p:txBody>
+          <a:bodyPr anchorCtr="0" anchor="t" bIns="91425" lIns="91425" spcFirstLastPara="1" rIns="91425" wrap="square" tIns="91425">
+            <a:noAutofit/>
+          </a:bodyPr>
+          <a:lstStyle/>
+          <a:p>
+            <a:pPr indent="0" lvl="0" marL="0" rtl="0" algn="l">
+              <a:spcBef>
+                <a:spcPts val="0"/>
+              </a:spcBef>
+              <a:spcAft>
+                <a:spcPts val="0"/>
+              </a:spcAft>
+              <a:buNone/>
+            </a:pPr>
+            <a:r>
+              <a:rPr lang="vi" sz="900">
+                <a:solidFill>
+                  <a:srgbClr val="FFFFFF"/>
+                </a:solidFill>
+                <a:latin typeface="Courier New"/>
+                <a:ea typeface="Courier New"/>
+                <a:cs typeface="Courier New"/>
+                <a:sym typeface="Courier New"/>
+              </a:rPr>
+              <a:t>clf_C: 1.0</a:t>
+            </a:r>
+            <a:endParaRPr sz="900">
+              <a:solidFill>
+                <a:srgbClr val="FFFFFF"/>
+              </a:solidFill>
+              <a:latin typeface="Courier New"/>
+              <a:ea typeface="Courier New"/>
+              <a:cs typeface="Courier New"/>
+              <a:sym typeface="Courier New"/>
+            </a:endParaRPr>
+          </a:p>
+          <a:p>
+            <a:pPr indent="0" lvl="0" marL="0" rtl="0" algn="l">
+              <a:spcBef>
+                <a:spcPts val="0"/>
+              </a:spcBef>
+              <a:spcAft>
+                <a:spcPts val="0"/>
+              </a:spcAft>
+              <a:buNone/>
+            </a:pPr>
+            <a:r>
+              <a:rPr lang="vi" sz="900">
+                <a:solidFill>
+                  <a:srgbClr val="FFFFFF"/>
+                </a:solidFill>
+                <a:latin typeface="Courier New"/>
+                <a:ea typeface="Courier New"/>
+                <a:cs typeface="Courier New"/>
+                <a:sym typeface="Courier New"/>
+              </a:rPr>
+              <a:t>max_df = 0.25</a:t>
+            </a:r>
+            <a:endParaRPr sz="900">
+              <a:solidFill>
+                <a:srgbClr val="FFFFFF"/>
+              </a:solidFill>
+              <a:latin typeface="Courier New"/>
+              <a:ea typeface="Courier New"/>
+              <a:cs typeface="Courier New"/>
+              <a:sym typeface="Courier New"/>
+            </a:endParaRPr>
+          </a:p>
+          <a:p>
+            <a:pPr indent="0" lvl="0" marL="0" rtl="0" algn="l">
+              <a:spcBef>
+                <a:spcPts val="0"/>
+              </a:spcBef>
+              <a:spcAft>
+                <a:spcPts val="0"/>
+              </a:spcAft>
+              <a:buNone/>
+            </a:pPr>
+            <a:r>
+              <a:rPr lang="vi" sz="900">
+                <a:solidFill>
+                  <a:srgbClr val="FFFFFF"/>
+                </a:solidFill>
+                <a:latin typeface="Courier New"/>
+                <a:ea typeface="Courier New"/>
+                <a:cs typeface="Courier New"/>
+                <a:sym typeface="Courier New"/>
+              </a:rPr>
+              <a:t>min_df = 2</a:t>
+            </a:r>
+            <a:endParaRPr sz="900">
+              <a:solidFill>
+                <a:srgbClr val="FFFFFF"/>
+              </a:solidFill>
+              <a:latin typeface="Courier New"/>
+              <a:ea typeface="Courier New"/>
+              <a:cs typeface="Courier New"/>
+              <a:sym typeface="Courier New"/>
+            </a:endParaRPr>
+          </a:p>
+          <a:p>
+            <a:pPr indent="0" lvl="0" marL="0" rtl="0" algn="l">
+              <a:spcBef>
+                <a:spcPts val="0"/>
+              </a:spcBef>
+              <a:spcAft>
+                <a:spcPts val="0"/>
+              </a:spcAft>
+              <a:buNone/>
+            </a:pPr>
+            <a:r>
+              <a:rPr lang="vi" sz="900">
+                <a:solidFill>
+                  <a:srgbClr val="FFFFFF"/>
+                </a:solidFill>
+                <a:latin typeface="Courier New"/>
+                <a:ea typeface="Courier New"/>
+                <a:cs typeface="Courier New"/>
+                <a:sym typeface="Courier New"/>
+              </a:rPr>
+              <a:t>ngram_range = (1, 2)</a:t>
+            </a:r>
+            <a:endParaRPr sz="900">
+              <a:solidFill>
+                <a:srgbClr val="FFFFFF"/>
+              </a:solidFill>
+              <a:latin typeface="Courier New"/>
+              <a:ea typeface="Courier New"/>
+              <a:cs typeface="Courier New"/>
+              <a:sym typeface="Courier New"/>
+            </a:endParaRPr>
+          </a:p>
+          <a:p>
+            <a:pPr indent="0" lvl="0" marL="0" rtl="0" algn="l">
+              <a:spcBef>
+                <a:spcPts val="0"/>
+              </a:spcBef>
+              <a:spcAft>
+                <a:spcPts val="0"/>
+              </a:spcAft>
+              <a:buNone/>
+            </a:pPr>
+            <a:r>
+              <a:t/>
+            </a:r>
+            <a:endParaRPr sz="900">
+              <a:solidFill>
+                <a:srgbClr val="FFFFFF"/>
+              </a:solidFill>
+              <a:latin typeface="Courier New"/>
+              <a:ea typeface="Courier New"/>
+              <a:cs typeface="Courier New"/>
+              <a:sym typeface="Courier New"/>
+            </a:endParaRPr>
+          </a:p>
+        </p:txBody>
+      </p:sp>
+      <p:pic>
+        <p:nvPicPr>
+          <p:cNvPr id="374" name="Google Shape;374;p32"/>
+          <p:cNvPicPr preferRelativeResize="0"/>
+          <p:nvPr/>
+        </p:nvPicPr>
+        <p:blipFill>
+          <a:blip r:embed="rId3">
+            <a:alphaModFix/>
+          </a:blip>
+          <a:stretch>
+            <a:fillRect/>
+          </a:stretch>
+        </p:blipFill>
+        <p:spPr>
+          <a:xfrm>
+            <a:off x="3027525" y="2625525"/>
+            <a:ext cx="2932641" cy="2266950"/>
+          </a:xfrm>
+          <a:prstGeom prst="rect">
+            <a:avLst/>
+          </a:prstGeom>
+          <a:noFill/>
+          <a:ln>
+            <a:noFill/>
+          </a:ln>
+        </p:spPr>
+      </p:pic>
+    </p:spTree>
+  </p:cSld>
+  <p:clrMapOvr>
+    <a:masterClrMapping/>
+  </p:clrMapOvr>
+</p:sld>
+</file>
+
+<file path=ppt/slides/slide21.xml><?xml version="1.0" encoding="utf-8"?>
+<p:sld xmlns:a="http://schemas.openxmlformats.org/drawingml/2006/main" xmlns:r="http://schemas.openxmlformats.org/officeDocument/2006/relationships" xmlns:mc="http://schemas.openxmlformats.org/markup-compatibility/2006" xmlns:mv="urn:schemas-microsoft-com:mac:vml" xmlns:p="http://schemas.openxmlformats.org/presentationml/2006/main" xmlns:c="http://schemas.openxmlformats.org/drawingml/2006/chart" xmlns:dgm="http://schemas.openxmlformats.org/drawingml/2006/diagram" xmlns:o="urn:schemas-microsoft-com:office:office" xmlns:v="urn:schemas-microsoft-com:vml" xmlns:pvml="urn:schemas-microsoft-com:office:powerpoint" xmlns:com="http://schemas.openxmlformats.org/drawingml/2006/compatibility" xmlns:p14="http://schemas.microsoft.com/office/powerpoint/2010/main" xmlns:p15="http://schemas.microsoft.com/office/powerpoint/2012/main">
+  <p:cSld>
+    <p:spTree>
+      <p:nvGrpSpPr>
+        <p:cNvPr id="378" name="Shape 378"/>
+        <p:cNvGrpSpPr/>
+        <p:nvPr/>
+      </p:nvGrpSpPr>
+      <p:grpSpPr>
+        <a:xfrm>
+          <a:off x="0" y="0"/>
+          <a:ext cx="0" cy="0"/>
+          <a:chOff x="0" y="0"/>
+          <a:chExt cx="0" cy="0"/>
+        </a:xfrm>
+      </p:grpSpPr>
+      <p:sp>
+        <p:nvSpPr>
+          <p:cNvPr id="379" name="Google Shape;379;p33"/>
+          <p:cNvSpPr txBox="1"/>
+          <p:nvPr>
+            <p:ph type="title"/>
+          </p:nvPr>
+        </p:nvSpPr>
+        <p:spPr>
+          <a:xfrm>
+            <a:off x="1297500" y="393750"/>
+            <a:ext cx="7038900" cy="914100"/>
+          </a:xfrm>
+          <a:prstGeom prst="rect">
+            <a:avLst/>
+          </a:prstGeom>
+        </p:spPr>
+        <p:txBody>
+          <a:bodyPr anchorCtr="0" anchor="t" bIns="91425" lIns="91425" spcFirstLastPara="1" rIns="91425" wrap="square" tIns="91425">
+            <a:noAutofit/>
+          </a:bodyPr>
+          <a:lstStyle/>
+          <a:p>
+            <a:pPr indent="0" lvl="0" marL="0" rtl="0" algn="l">
+              <a:spcBef>
+                <a:spcPts val="0"/>
+              </a:spcBef>
+              <a:spcAft>
+                <a:spcPts val="0"/>
+              </a:spcAft>
+              <a:buNone/>
+            </a:pPr>
+            <a:r>
+              <a:rPr lang="vi"/>
+              <a:t>REFERENCE</a:t>
+            </a:r>
+            <a:endParaRPr/>
+          </a:p>
+        </p:txBody>
+      </p:sp>
+      <p:sp>
+        <p:nvSpPr>
+          <p:cNvPr id="380" name="Google Shape;380;p33"/>
+          <p:cNvSpPr txBox="1"/>
+          <p:nvPr>
+            <p:ph idx="1" type="body"/>
+          </p:nvPr>
+        </p:nvSpPr>
+        <p:spPr>
+          <a:xfrm>
+            <a:off x="1297500" y="1567550"/>
+            <a:ext cx="7038900" cy="2911200"/>
+          </a:xfrm>
+          <a:prstGeom prst="rect">
+            <a:avLst/>
+          </a:prstGeom>
+        </p:spPr>
+        <p:txBody>
+          <a:bodyPr anchorCtr="0" anchor="t" bIns="91425" lIns="91425" spcFirstLastPara="1" rIns="91425" wrap="square" tIns="91425">
+            <a:noAutofit/>
+          </a:bodyPr>
+          <a:lstStyle/>
+          <a:p>
+            <a:pPr indent="-311150" lvl="0" marL="457200" rtl="0" algn="l">
+              <a:spcBef>
+                <a:spcPts val="0"/>
+              </a:spcBef>
+              <a:spcAft>
+                <a:spcPts val="0"/>
+              </a:spcAft>
+              <a:buSzPts val="1300"/>
+              <a:buAutoNum type="arabicPeriod"/>
+            </a:pPr>
+            <a:r>
+              <a:rPr lang="vi" sz="1100" u="sng">
+                <a:solidFill>
+                  <a:schemeClr val="hlink"/>
+                </a:solidFill>
+                <a:latin typeface="Arial"/>
+                <a:ea typeface="Arial"/>
+                <a:cs typeface="Arial"/>
+                <a:sym typeface="Arial"/>
+                <a:hlinkClick r:id="rId3"/>
+              </a:rPr>
+              <a:t>https://towardsdatascience.com/sentiment-analysis-with-text-mining-13dd2b33de27</a:t>
+            </a:r>
+            <a:endParaRPr/>
           </a:p>
         </p:txBody>
       </p:sp>
@@ -14171,14 +18965,15 @@
         <p:nvCxnSpPr>
           <p:cNvPr id="186" name="Google Shape;186;p17"/>
           <p:cNvCxnSpPr>
+            <a:stCxn id="180" idx="3"/>
             <a:endCxn id="183" idx="1"/>
           </p:cNvCxnSpPr>
           <p:nvPr/>
         </p:nvCxnSpPr>
         <p:spPr>
-          <a:xfrm flipH="1" rot="10800000">
-            <a:off x="4766575" y="2741800"/>
-            <a:ext cx="1884900" cy="20100"/>
+          <a:xfrm>
+            <a:off x="5236800" y="2741800"/>
+            <a:ext cx="1414800" cy="0"/>
           </a:xfrm>
           <a:prstGeom prst="straightConnector1">
             <a:avLst/>
@@ -15078,7 +19873,11 @@
             </a:pPr>
             <a:r>
               <a:rPr lang="vi" sz="1800"/>
-              <a:t>Preprocessing data</a:t>
+              <a:t>D</a:t>
+            </a:r>
+            <a:r>
+              <a:rPr lang="vi" sz="1800"/>
+              <a:t>ata Observation</a:t>
             </a:r>
             <a:endParaRPr sz="1800"/>
           </a:p>
@@ -15095,7 +19894,7 @@
         <p:spPr>
           <a:xfrm>
             <a:off x="1297500" y="1567550"/>
-            <a:ext cx="7038900" cy="2911200"/>
+            <a:ext cx="3724500" cy="2911200"/>
           </a:xfrm>
           <a:prstGeom prst="rect">
             <a:avLst/>
@@ -15107,791 +19906,63 @@
           </a:bodyPr>
           <a:lstStyle/>
           <a:p>
-            <a:pPr indent="0" lvl="0" marL="0" rtl="0" algn="l">
-              <a:spcBef>
-                <a:spcPts val="0"/>
-              </a:spcBef>
-              <a:spcAft>
-                <a:spcPts val="1600"/>
-              </a:spcAft>
-              <a:buNone/>
-            </a:pPr>
-            <a:r>
-              <a:t/>
-            </a:r>
-            <a:endParaRPr/>
-          </a:p>
-        </p:txBody>
-      </p:sp>
-      <p:sp>
-        <p:nvSpPr>
-          <p:cNvPr id="213" name="Google Shape;213;p20"/>
-          <p:cNvSpPr txBox="1"/>
-          <p:nvPr/>
-        </p:nvSpPr>
-        <p:spPr>
-          <a:xfrm>
-            <a:off x="611675" y="1659175"/>
-            <a:ext cx="4597200" cy="355500"/>
-          </a:xfrm>
-          <a:prstGeom prst="rect">
-            <a:avLst/>
-          </a:prstGeom>
-          <a:solidFill>
-            <a:srgbClr val="434343"/>
-          </a:solidFill>
-          <a:ln>
-            <a:noFill/>
-          </a:ln>
-        </p:spPr>
-        <p:txBody>
-          <a:bodyPr anchorCtr="0" anchor="t" bIns="91425" lIns="91425" spcFirstLastPara="1" rIns="91425" wrap="square" tIns="91425">
-            <a:noAutofit/>
-          </a:bodyPr>
-          <a:lstStyle/>
-          <a:p>
-            <a:pPr indent="0" lvl="0" marL="0" rtl="0" algn="l">
-              <a:spcBef>
-                <a:spcPts val="0"/>
-              </a:spcBef>
-              <a:spcAft>
-                <a:spcPts val="0"/>
-              </a:spcAft>
-              <a:buNone/>
+            <a:pPr indent="-311150" lvl="0" marL="457200" rtl="0" algn="l">
+              <a:spcBef>
+                <a:spcPts val="0"/>
+              </a:spcBef>
+              <a:spcAft>
+                <a:spcPts val="0"/>
+              </a:spcAft>
+              <a:buSzPts val="1300"/>
+              <a:buFont typeface="Montserrat"/>
+              <a:buChar char="-"/>
             </a:pPr>
             <a:r>
               <a:rPr lang="vi">
-                <a:solidFill>
-                  <a:srgbClr val="FFFFFF"/>
-                </a:solidFill>
-                <a:latin typeface="Lato"/>
-                <a:ea typeface="Lato"/>
-                <a:cs typeface="Lato"/>
-                <a:sym typeface="Lato"/>
+                <a:latin typeface="Montserrat"/>
+                <a:ea typeface="Montserrat"/>
+                <a:cs typeface="Montserrat"/>
+                <a:sym typeface="Montserrat"/>
               </a:rPr>
-              <a:t>hahahahaha its soooo funny</a:t>
+              <a:t>Phân bố của các nhãn trong data thu được</a:t>
             </a:r>
             <a:endParaRPr>
-              <a:solidFill>
-                <a:srgbClr val="FFFFFF"/>
-              </a:solidFill>
-              <a:latin typeface="Lato"/>
-              <a:ea typeface="Lato"/>
-              <a:cs typeface="Lato"/>
-              <a:sym typeface="Lato"/>
-            </a:endParaRPr>
-          </a:p>
-          <a:p>
-            <a:pPr indent="0" lvl="0" marL="0" rtl="0" algn="l">
-              <a:spcBef>
-                <a:spcPts val="0"/>
-              </a:spcBef>
-              <a:spcAft>
-                <a:spcPts val="0"/>
-              </a:spcAft>
-              <a:buNone/>
-            </a:pPr>
-            <a:r>
-              <a:t/>
-            </a:r>
-            <a:endParaRPr>
-              <a:solidFill>
-                <a:srgbClr val="FFFFFF"/>
-              </a:solidFill>
-              <a:latin typeface="Lato"/>
-              <a:ea typeface="Lato"/>
-              <a:cs typeface="Lato"/>
-              <a:sym typeface="Lato"/>
+              <a:latin typeface="Montserrat"/>
+              <a:ea typeface="Montserrat"/>
+              <a:cs typeface="Montserrat"/>
+              <a:sym typeface="Montserrat"/>
             </a:endParaRPr>
           </a:p>
         </p:txBody>
       </p:sp>
-      <p:sp>
-        <p:nvSpPr>
-          <p:cNvPr id="214" name="Google Shape;214;p20"/>
-          <p:cNvSpPr txBox="1"/>
+      <p:pic>
+        <p:nvPicPr>
+          <p:cNvPr id="213" name="Google Shape;213;p20"/>
+          <p:cNvPicPr preferRelativeResize="0"/>
           <p:nvPr/>
-        </p:nvSpPr>
-        <p:spPr>
-          <a:xfrm>
-            <a:off x="611675" y="2099500"/>
-            <a:ext cx="4597200" cy="355500"/>
+        </p:nvPicPr>
+        <p:blipFill>
+          <a:blip r:embed="rId3">
+            <a:alphaModFix/>
+          </a:blip>
+          <a:stretch>
+            <a:fillRect/>
+          </a:stretch>
+        </p:blipFill>
+        <p:spPr>
+          <a:xfrm>
+            <a:off x="5193150" y="1567550"/>
+            <a:ext cx="3143250" cy="2667000"/>
           </a:xfrm>
           <a:prstGeom prst="rect">
             <a:avLst/>
           </a:prstGeom>
-          <a:solidFill>
-            <a:srgbClr val="434343"/>
-          </a:solidFill>
+          <a:noFill/>
           <a:ln>
             <a:noFill/>
           </a:ln>
         </p:spPr>
-        <p:txBody>
-          <a:bodyPr anchorCtr="0" anchor="t" bIns="91425" lIns="91425" spcFirstLastPara="1" rIns="91425" wrap="square" tIns="91425">
-            <a:noAutofit/>
-          </a:bodyPr>
-          <a:lstStyle/>
-          <a:p>
-            <a:pPr indent="0" lvl="0" marL="0" rtl="0" algn="l">
-              <a:spcBef>
-                <a:spcPts val="0"/>
-              </a:spcBef>
-              <a:spcAft>
-                <a:spcPts val="0"/>
-              </a:spcAft>
-              <a:buNone/>
-            </a:pPr>
-            <a:r>
-              <a:rPr lang="vi">
-                <a:solidFill>
-                  <a:srgbClr val="FFFFFF"/>
-                </a:solidFill>
-                <a:latin typeface="Lato"/>
-                <a:ea typeface="Lato"/>
-                <a:cs typeface="Lato"/>
-                <a:sym typeface="Lato"/>
-              </a:rPr>
-              <a:t>lmao</a:t>
-            </a:r>
-            <a:endParaRPr>
-              <a:solidFill>
-                <a:srgbClr val="FFFFFF"/>
-              </a:solidFill>
-              <a:latin typeface="Lato"/>
-              <a:ea typeface="Lato"/>
-              <a:cs typeface="Lato"/>
-              <a:sym typeface="Lato"/>
-            </a:endParaRPr>
-          </a:p>
-        </p:txBody>
-      </p:sp>
-      <p:sp>
-        <p:nvSpPr>
-          <p:cNvPr id="215" name="Google Shape;215;p20"/>
-          <p:cNvSpPr txBox="1"/>
-          <p:nvPr/>
-        </p:nvSpPr>
-        <p:spPr>
-          <a:xfrm>
-            <a:off x="611675" y="2539825"/>
-            <a:ext cx="4597200" cy="355500"/>
-          </a:xfrm>
-          <a:prstGeom prst="rect">
-            <a:avLst/>
-          </a:prstGeom>
-          <a:solidFill>
-            <a:srgbClr val="434343"/>
-          </a:solidFill>
-          <a:ln>
-            <a:noFill/>
-          </a:ln>
-        </p:spPr>
-        <p:txBody>
-          <a:bodyPr anchorCtr="0" anchor="t" bIns="91425" lIns="91425" spcFirstLastPara="1" rIns="91425" wrap="square" tIns="91425">
-            <a:noAutofit/>
-          </a:bodyPr>
-          <a:lstStyle/>
-          <a:p>
-            <a:pPr indent="0" lvl="0" marL="0" rtl="0" algn="l">
-              <a:spcBef>
-                <a:spcPts val="0"/>
-              </a:spcBef>
-              <a:spcAft>
-                <a:spcPts val="0"/>
-              </a:spcAft>
-              <a:buNone/>
-            </a:pPr>
-            <a:r>
-              <a:rPr lang="vi">
-                <a:solidFill>
-                  <a:srgbClr val="FFFFFF"/>
-                </a:solidFill>
-                <a:latin typeface="Lato"/>
-                <a:ea typeface="Lato"/>
-                <a:cs typeface="Lato"/>
-                <a:sym typeface="Lato"/>
-              </a:rPr>
-              <a:t>good morning eveyone !!!</a:t>
-            </a:r>
-            <a:endParaRPr>
-              <a:solidFill>
-                <a:srgbClr val="FFFFFF"/>
-              </a:solidFill>
-              <a:latin typeface="Lato"/>
-              <a:ea typeface="Lato"/>
-              <a:cs typeface="Lato"/>
-              <a:sym typeface="Lato"/>
-            </a:endParaRPr>
-          </a:p>
-        </p:txBody>
-      </p:sp>
-      <p:sp>
-        <p:nvSpPr>
-          <p:cNvPr id="216" name="Google Shape;216;p20"/>
-          <p:cNvSpPr txBox="1"/>
-          <p:nvPr/>
-        </p:nvSpPr>
-        <p:spPr>
-          <a:xfrm>
-            <a:off x="611675" y="2980150"/>
-            <a:ext cx="4597200" cy="355500"/>
-          </a:xfrm>
-          <a:prstGeom prst="rect">
-            <a:avLst/>
-          </a:prstGeom>
-          <a:solidFill>
-            <a:srgbClr val="434343"/>
-          </a:solidFill>
-          <a:ln>
-            <a:noFill/>
-          </a:ln>
-        </p:spPr>
-        <p:txBody>
-          <a:bodyPr anchorCtr="0" anchor="t" bIns="91425" lIns="91425" spcFirstLastPara="1" rIns="91425" wrap="square" tIns="91425">
-            <a:noAutofit/>
-          </a:bodyPr>
-          <a:lstStyle/>
-          <a:p>
-            <a:pPr indent="0" lvl="0" marL="0" rtl="0" algn="l">
-              <a:spcBef>
-                <a:spcPts val="0"/>
-              </a:spcBef>
-              <a:spcAft>
-                <a:spcPts val="0"/>
-              </a:spcAft>
-              <a:buNone/>
-            </a:pPr>
-            <a:r>
-              <a:rPr lang="vi">
-                <a:solidFill>
-                  <a:srgbClr val="FFFFFF"/>
-                </a:solidFill>
-                <a:latin typeface="Lato"/>
-                <a:ea typeface="Lato"/>
-                <a:cs typeface="Lato"/>
-                <a:sym typeface="Lato"/>
-              </a:rPr>
-              <a:t>who watch in 2019 ??? 🥰🥰🥰🥰🥰</a:t>
-            </a:r>
-            <a:endParaRPr>
-              <a:solidFill>
-                <a:srgbClr val="FFFFFF"/>
-              </a:solidFill>
-              <a:latin typeface="Lato"/>
-              <a:ea typeface="Lato"/>
-              <a:cs typeface="Lato"/>
-              <a:sym typeface="Lato"/>
-            </a:endParaRPr>
-          </a:p>
-        </p:txBody>
-      </p:sp>
-      <p:sp>
-        <p:nvSpPr>
-          <p:cNvPr id="217" name="Google Shape;217;p20"/>
-          <p:cNvSpPr txBox="1"/>
-          <p:nvPr/>
-        </p:nvSpPr>
-        <p:spPr>
-          <a:xfrm>
-            <a:off x="611675" y="3420475"/>
-            <a:ext cx="4597200" cy="355500"/>
-          </a:xfrm>
-          <a:prstGeom prst="rect">
-            <a:avLst/>
-          </a:prstGeom>
-          <a:solidFill>
-            <a:srgbClr val="434343"/>
-          </a:solidFill>
-          <a:ln>
-            <a:noFill/>
-          </a:ln>
-        </p:spPr>
-        <p:txBody>
-          <a:bodyPr anchorCtr="0" anchor="t" bIns="91425" lIns="91425" spcFirstLastPara="1" rIns="91425" wrap="square" tIns="91425">
-            <a:noAutofit/>
-          </a:bodyPr>
-          <a:lstStyle/>
-          <a:p>
-            <a:pPr indent="0" lvl="0" marL="0" rtl="0" algn="l">
-              <a:spcBef>
-                <a:spcPts val="0"/>
-              </a:spcBef>
-              <a:spcAft>
-                <a:spcPts val="0"/>
-              </a:spcAft>
-              <a:buNone/>
-            </a:pPr>
-            <a:r>
-              <a:rPr lang="vi">
-                <a:solidFill>
-                  <a:srgbClr val="FFFFFF"/>
-                </a:solidFill>
-                <a:latin typeface="Lato"/>
-                <a:ea typeface="Lato"/>
-                <a:cs typeface="Lato"/>
-                <a:sym typeface="Lato"/>
-              </a:rPr>
-              <a:t>Love, 6:30 na mahal magisimba muna ako love sweethear</a:t>
-            </a:r>
-            <a:endParaRPr>
-              <a:solidFill>
-                <a:srgbClr val="FFFFFF"/>
-              </a:solidFill>
-              <a:latin typeface="Lato"/>
-              <a:ea typeface="Lato"/>
-              <a:cs typeface="Lato"/>
-              <a:sym typeface="Lato"/>
-            </a:endParaRPr>
-          </a:p>
-        </p:txBody>
-      </p:sp>
-      <p:sp>
-        <p:nvSpPr>
-          <p:cNvPr id="218" name="Google Shape;218;p20"/>
-          <p:cNvSpPr txBox="1"/>
-          <p:nvPr/>
-        </p:nvSpPr>
-        <p:spPr>
-          <a:xfrm>
-            <a:off x="611675" y="3860800"/>
-            <a:ext cx="4597200" cy="355500"/>
-          </a:xfrm>
-          <a:prstGeom prst="rect">
-            <a:avLst/>
-          </a:prstGeom>
-          <a:solidFill>
-            <a:srgbClr val="434343"/>
-          </a:solidFill>
-          <a:ln>
-            <a:noFill/>
-          </a:ln>
-        </p:spPr>
-        <p:txBody>
-          <a:bodyPr anchorCtr="0" anchor="t" bIns="91425" lIns="91425" spcFirstLastPara="1" rIns="91425" wrap="square" tIns="91425">
-            <a:noAutofit/>
-          </a:bodyPr>
-          <a:lstStyle/>
-          <a:p>
-            <a:pPr indent="0" lvl="0" marL="0" rtl="0" algn="l">
-              <a:spcBef>
-                <a:spcPts val="0"/>
-              </a:spcBef>
-              <a:spcAft>
-                <a:spcPts val="0"/>
-              </a:spcAft>
-              <a:buNone/>
-            </a:pPr>
-            <a:r>
-              <a:rPr lang="vi">
-                <a:solidFill>
-                  <a:srgbClr val="FFFFFF"/>
-                </a:solidFill>
-                <a:latin typeface="Lato"/>
-                <a:ea typeface="Lato"/>
-                <a:cs typeface="Lato"/>
-                <a:sym typeface="Lato"/>
-              </a:rPr>
-              <a:t>asfasfasdasgagasdafadafa</a:t>
-            </a:r>
-            <a:endParaRPr>
-              <a:solidFill>
-                <a:srgbClr val="FFFFFF"/>
-              </a:solidFill>
-              <a:latin typeface="Lato"/>
-              <a:ea typeface="Lato"/>
-              <a:cs typeface="Lato"/>
-              <a:sym typeface="Lato"/>
-            </a:endParaRPr>
-          </a:p>
-        </p:txBody>
-      </p:sp>
-      <p:sp>
-        <p:nvSpPr>
-          <p:cNvPr id="219" name="Google Shape;219;p20"/>
-          <p:cNvSpPr txBox="1"/>
-          <p:nvPr/>
-        </p:nvSpPr>
-        <p:spPr>
-          <a:xfrm>
-            <a:off x="5475700" y="1659175"/>
-            <a:ext cx="2324700" cy="355500"/>
-          </a:xfrm>
-          <a:prstGeom prst="rect">
-            <a:avLst/>
-          </a:prstGeom>
-          <a:solidFill>
-            <a:srgbClr val="434343"/>
-          </a:solidFill>
-          <a:ln>
-            <a:noFill/>
-          </a:ln>
-        </p:spPr>
-        <p:txBody>
-          <a:bodyPr anchorCtr="0" anchor="t" bIns="91425" lIns="91425" spcFirstLastPara="1" rIns="91425" wrap="square" tIns="91425">
-            <a:noAutofit/>
-          </a:bodyPr>
-          <a:lstStyle/>
-          <a:p>
-            <a:pPr indent="0" lvl="0" marL="0" rtl="0" algn="l">
-              <a:spcBef>
-                <a:spcPts val="0"/>
-              </a:spcBef>
-              <a:spcAft>
-                <a:spcPts val="0"/>
-              </a:spcAft>
-              <a:buNone/>
-            </a:pPr>
-            <a:r>
-              <a:rPr lang="vi">
-                <a:solidFill>
-                  <a:srgbClr val="FFFFFF"/>
-                </a:solidFill>
-                <a:latin typeface="Lato"/>
-                <a:ea typeface="Lato"/>
-                <a:cs typeface="Lato"/>
-                <a:sym typeface="Lato"/>
-              </a:rPr>
-              <a:t>haha </a:t>
-            </a:r>
-            <a:r>
-              <a:rPr lang="vi">
-                <a:solidFill>
-                  <a:srgbClr val="FFFFFF"/>
-                </a:solidFill>
-                <a:latin typeface="Lato"/>
-                <a:ea typeface="Lato"/>
-                <a:cs typeface="Lato"/>
-                <a:sym typeface="Lato"/>
-              </a:rPr>
-              <a:t>so funny</a:t>
-            </a:r>
-            <a:endParaRPr>
-              <a:solidFill>
-                <a:srgbClr val="FFFFFF"/>
-              </a:solidFill>
-              <a:latin typeface="Lato"/>
-              <a:ea typeface="Lato"/>
-              <a:cs typeface="Lato"/>
-              <a:sym typeface="Lato"/>
-            </a:endParaRPr>
-          </a:p>
-          <a:p>
-            <a:pPr indent="0" lvl="0" marL="0" rtl="0" algn="l">
-              <a:spcBef>
-                <a:spcPts val="0"/>
-              </a:spcBef>
-              <a:spcAft>
-                <a:spcPts val="0"/>
-              </a:spcAft>
-              <a:buNone/>
-            </a:pPr>
-            <a:r>
-              <a:t/>
-            </a:r>
-            <a:endParaRPr>
-              <a:solidFill>
-                <a:srgbClr val="FFFFFF"/>
-              </a:solidFill>
-              <a:latin typeface="Lato"/>
-              <a:ea typeface="Lato"/>
-              <a:cs typeface="Lato"/>
-              <a:sym typeface="Lato"/>
-            </a:endParaRPr>
-          </a:p>
-        </p:txBody>
-      </p:sp>
-      <p:sp>
-        <p:nvSpPr>
-          <p:cNvPr id="220" name="Google Shape;220;p20"/>
-          <p:cNvSpPr txBox="1"/>
-          <p:nvPr/>
-        </p:nvSpPr>
-        <p:spPr>
-          <a:xfrm>
-            <a:off x="5475700" y="2099500"/>
-            <a:ext cx="2324700" cy="355500"/>
-          </a:xfrm>
-          <a:prstGeom prst="rect">
-            <a:avLst/>
-          </a:prstGeom>
-          <a:solidFill>
-            <a:srgbClr val="434343"/>
-          </a:solidFill>
-          <a:ln>
-            <a:noFill/>
-          </a:ln>
-        </p:spPr>
-        <p:txBody>
-          <a:bodyPr anchorCtr="0" anchor="t" bIns="91425" lIns="91425" spcFirstLastPara="1" rIns="91425" wrap="square" tIns="91425">
-            <a:noAutofit/>
-          </a:bodyPr>
-          <a:lstStyle/>
-          <a:p>
-            <a:pPr indent="0" lvl="0" marL="0" rtl="0" algn="l">
-              <a:spcBef>
-                <a:spcPts val="0"/>
-              </a:spcBef>
-              <a:spcAft>
-                <a:spcPts val="0"/>
-              </a:spcAft>
-              <a:buNone/>
-            </a:pPr>
-            <a:r>
-              <a:rPr lang="vi">
-                <a:solidFill>
-                  <a:srgbClr val="FFFFFF"/>
-                </a:solidFill>
-                <a:latin typeface="Lato"/>
-                <a:ea typeface="Lato"/>
-                <a:cs typeface="Lato"/>
-                <a:sym typeface="Lato"/>
-              </a:rPr>
-              <a:t>laugh my ass off</a:t>
-            </a:r>
-            <a:endParaRPr>
-              <a:solidFill>
-                <a:srgbClr val="FFFFFF"/>
-              </a:solidFill>
-              <a:latin typeface="Lato"/>
-              <a:ea typeface="Lato"/>
-              <a:cs typeface="Lato"/>
-              <a:sym typeface="Lato"/>
-            </a:endParaRPr>
-          </a:p>
-        </p:txBody>
-      </p:sp>
-      <p:sp>
-        <p:nvSpPr>
-          <p:cNvPr id="221" name="Google Shape;221;p20"/>
-          <p:cNvSpPr txBox="1"/>
-          <p:nvPr/>
-        </p:nvSpPr>
-        <p:spPr>
-          <a:xfrm>
-            <a:off x="5475700" y="2539825"/>
-            <a:ext cx="2324700" cy="355500"/>
-          </a:xfrm>
-          <a:prstGeom prst="rect">
-            <a:avLst/>
-          </a:prstGeom>
-          <a:solidFill>
-            <a:srgbClr val="434343"/>
-          </a:solidFill>
-          <a:ln>
-            <a:noFill/>
-          </a:ln>
-        </p:spPr>
-        <p:txBody>
-          <a:bodyPr anchorCtr="0" anchor="t" bIns="91425" lIns="91425" spcFirstLastPara="1" rIns="91425" wrap="square" tIns="91425">
-            <a:noAutofit/>
-          </a:bodyPr>
-          <a:lstStyle/>
-          <a:p>
-            <a:pPr indent="0" lvl="0" marL="0" rtl="0" algn="l">
-              <a:spcBef>
-                <a:spcPts val="0"/>
-              </a:spcBef>
-              <a:spcAft>
-                <a:spcPts val="0"/>
-              </a:spcAft>
-              <a:buNone/>
-            </a:pPr>
-            <a:r>
-              <a:rPr lang="vi">
-                <a:solidFill>
-                  <a:srgbClr val="FFFFFF"/>
-                </a:solidFill>
-                <a:latin typeface="Lato"/>
-                <a:ea typeface="Lato"/>
-                <a:cs typeface="Lato"/>
-                <a:sym typeface="Lato"/>
-              </a:rPr>
-              <a:t>good morning everyone</a:t>
-            </a:r>
-            <a:endParaRPr>
-              <a:solidFill>
-                <a:srgbClr val="FFFFFF"/>
-              </a:solidFill>
-              <a:latin typeface="Lato"/>
-              <a:ea typeface="Lato"/>
-              <a:cs typeface="Lato"/>
-              <a:sym typeface="Lato"/>
-            </a:endParaRPr>
-          </a:p>
-        </p:txBody>
-      </p:sp>
-      <p:sp>
-        <p:nvSpPr>
-          <p:cNvPr id="222" name="Google Shape;222;p20"/>
-          <p:cNvSpPr txBox="1"/>
-          <p:nvPr/>
-        </p:nvSpPr>
-        <p:spPr>
-          <a:xfrm>
-            <a:off x="5475700" y="2980150"/>
-            <a:ext cx="2324700" cy="355500"/>
-          </a:xfrm>
-          <a:prstGeom prst="rect">
-            <a:avLst/>
-          </a:prstGeom>
-          <a:solidFill>
-            <a:srgbClr val="434343"/>
-          </a:solidFill>
-          <a:ln>
-            <a:noFill/>
-          </a:ln>
-        </p:spPr>
-        <p:txBody>
-          <a:bodyPr anchorCtr="0" anchor="t" bIns="91425" lIns="91425" spcFirstLastPara="1" rIns="91425" wrap="square" tIns="91425">
-            <a:noAutofit/>
-          </a:bodyPr>
-          <a:lstStyle/>
-          <a:p>
-            <a:pPr indent="0" lvl="0" marL="0" rtl="0" algn="l">
-              <a:spcBef>
-                <a:spcPts val="0"/>
-              </a:spcBef>
-              <a:spcAft>
-                <a:spcPts val="0"/>
-              </a:spcAft>
-              <a:buNone/>
-            </a:pPr>
-            <a:r>
-              <a:rPr lang="vi">
-                <a:solidFill>
-                  <a:srgbClr val="FFFFFF"/>
-                </a:solidFill>
-                <a:latin typeface="Lato"/>
-                <a:ea typeface="Lato"/>
-                <a:cs typeface="Lato"/>
-                <a:sym typeface="Lato"/>
-              </a:rPr>
-              <a:t>who watch in</a:t>
-            </a:r>
-            <a:endParaRPr>
-              <a:solidFill>
-                <a:srgbClr val="FFFFFF"/>
-              </a:solidFill>
-              <a:latin typeface="Lato"/>
-              <a:ea typeface="Lato"/>
-              <a:cs typeface="Lato"/>
-              <a:sym typeface="Lato"/>
-            </a:endParaRPr>
-          </a:p>
-        </p:txBody>
-      </p:sp>
-      <p:sp>
-        <p:nvSpPr>
-          <p:cNvPr id="223" name="Google Shape;223;p20"/>
-          <p:cNvSpPr txBox="1"/>
-          <p:nvPr/>
-        </p:nvSpPr>
-        <p:spPr>
-          <a:xfrm>
-            <a:off x="5475700" y="3420475"/>
-            <a:ext cx="2324700" cy="355500"/>
-          </a:xfrm>
-          <a:prstGeom prst="rect">
-            <a:avLst/>
-          </a:prstGeom>
-          <a:solidFill>
-            <a:srgbClr val="434343"/>
-          </a:solidFill>
-          <a:ln>
-            <a:noFill/>
-          </a:ln>
-        </p:spPr>
-        <p:txBody>
-          <a:bodyPr anchorCtr="0" anchor="t" bIns="91425" lIns="91425" spcFirstLastPara="1" rIns="91425" wrap="square" tIns="91425">
-            <a:noAutofit/>
-          </a:bodyPr>
-          <a:lstStyle/>
-          <a:p>
-            <a:pPr indent="0" lvl="0" marL="0" rtl="0" algn="l">
-              <a:spcBef>
-                <a:spcPts val="0"/>
-              </a:spcBef>
-              <a:spcAft>
-                <a:spcPts val="0"/>
-              </a:spcAft>
-              <a:buNone/>
-            </a:pPr>
-            <a:r>
-              <a:rPr lang="vi">
-                <a:solidFill>
-                  <a:srgbClr val="FFFFFF"/>
-                </a:solidFill>
-                <a:latin typeface="Lato"/>
-                <a:ea typeface="Lato"/>
-                <a:cs typeface="Lato"/>
-                <a:sym typeface="Lato"/>
-              </a:rPr>
-              <a:t>Love love sweetheart</a:t>
-            </a:r>
-            <a:endParaRPr>
-              <a:solidFill>
-                <a:srgbClr val="FFFFFF"/>
-              </a:solidFill>
-              <a:latin typeface="Lato"/>
-              <a:ea typeface="Lato"/>
-              <a:cs typeface="Lato"/>
-              <a:sym typeface="Lato"/>
-            </a:endParaRPr>
-          </a:p>
-        </p:txBody>
-      </p:sp>
-      <p:sp>
-        <p:nvSpPr>
-          <p:cNvPr id="224" name="Google Shape;224;p20"/>
-          <p:cNvSpPr txBox="1"/>
-          <p:nvPr/>
-        </p:nvSpPr>
-        <p:spPr>
-          <a:xfrm>
-            <a:off x="5475700" y="3860800"/>
-            <a:ext cx="2324700" cy="355500"/>
-          </a:xfrm>
-          <a:prstGeom prst="rect">
-            <a:avLst/>
-          </a:prstGeom>
-          <a:solidFill>
-            <a:srgbClr val="434343"/>
-          </a:solidFill>
-          <a:ln>
-            <a:noFill/>
-          </a:ln>
-        </p:spPr>
-        <p:txBody>
-          <a:bodyPr anchorCtr="0" anchor="t" bIns="91425" lIns="91425" spcFirstLastPara="1" rIns="91425" wrap="square" tIns="91425">
-            <a:noAutofit/>
-          </a:bodyPr>
-          <a:lstStyle/>
-          <a:p>
-            <a:pPr indent="0" lvl="0" marL="0" rtl="0" algn="l">
-              <a:spcBef>
-                <a:spcPts val="0"/>
-              </a:spcBef>
-              <a:spcAft>
-                <a:spcPts val="0"/>
-              </a:spcAft>
-              <a:buNone/>
-            </a:pPr>
-            <a:r>
-              <a:t/>
-            </a:r>
-            <a:endParaRPr>
-              <a:solidFill>
-                <a:srgbClr val="FFFFFF"/>
-              </a:solidFill>
-              <a:latin typeface="Lato"/>
-              <a:ea typeface="Lato"/>
-              <a:cs typeface="Lato"/>
-              <a:sym typeface="Lato"/>
-            </a:endParaRPr>
-          </a:p>
-        </p:txBody>
-      </p:sp>
+      </p:pic>
     </p:spTree>
   </p:cSld>
   <p:clrMapOvr>
@@ -15905,7 +19976,7 @@
   <p:cSld>
     <p:spTree>
       <p:nvGrpSpPr>
-        <p:cNvPr id="228" name="Shape 228"/>
+        <p:cNvPr id="217" name="Shape 217"/>
         <p:cNvGrpSpPr/>
         <p:nvPr/>
       </p:nvGrpSpPr>
@@ -15919,7 +19990,7 @@
       </p:grpSpPr>
       <p:sp>
         <p:nvSpPr>
-          <p:cNvPr id="229" name="Google Shape;229;p21"/>
+          <p:cNvPr id="218" name="Google Shape;218;p21"/>
           <p:cNvSpPr txBox="1"/>
           <p:nvPr>
             <p:ph type="title"/>
@@ -15967,11 +20038,7 @@
             </a:pPr>
             <a:r>
               <a:rPr lang="vi" sz="1800"/>
-              <a:t>D</a:t>
-            </a:r>
-            <a:r>
-              <a:rPr lang="vi" sz="1800"/>
-              <a:t>ata Observation</a:t>
+              <a:t>Data Observation</a:t>
             </a:r>
             <a:endParaRPr sz="1800"/>
           </a:p>
@@ -15979,7 +20046,7 @@
       </p:sp>
       <p:sp>
         <p:nvSpPr>
-          <p:cNvPr id="230" name="Google Shape;230;p21"/>
+          <p:cNvPr id="219" name="Google Shape;219;p21"/>
           <p:cNvSpPr txBox="1"/>
           <p:nvPr>
             <p:ph idx="1" type="body"/>
@@ -15987,8 +20054,8 @@
         </p:nvSpPr>
         <p:spPr>
           <a:xfrm>
-            <a:off x="1297500" y="1567550"/>
-            <a:ext cx="7038900" cy="2911200"/>
+            <a:off x="1509925" y="4275875"/>
+            <a:ext cx="7563300" cy="351900"/>
           </a:xfrm>
           <a:prstGeom prst="rect">
             <a:avLst/>
@@ -16000,22 +20067,63 @@
           </a:bodyPr>
           <a:lstStyle/>
           <a:p>
-            <a:pPr indent="0" lvl="0" marL="0" rtl="0" algn="l">
-              <a:spcBef>
-                <a:spcPts val="0"/>
-              </a:spcBef>
-              <a:spcAft>
-                <a:spcPts val="1600"/>
-              </a:spcAft>
-              <a:buNone/>
+            <a:pPr indent="-311150" lvl="0" marL="457200" rtl="0" algn="l">
+              <a:spcBef>
+                <a:spcPts val="0"/>
+              </a:spcBef>
+              <a:spcAft>
+                <a:spcPts val="0"/>
+              </a:spcAft>
+              <a:buSzPts val="1300"/>
+              <a:buFont typeface="Montserrat"/>
+              <a:buChar char="-"/>
             </a:pPr>
             <a:r>
-              <a:t/>
+              <a:rPr lang="vi">
+                <a:latin typeface="Montserrat"/>
+                <a:ea typeface="Montserrat"/>
+                <a:cs typeface="Montserrat"/>
+                <a:sym typeface="Montserrat"/>
+              </a:rPr>
+              <a:t>Biểu đồ số lượng kí tự trong một câu ở các nhãn</a:t>
             </a:r>
-            <a:endParaRPr/>
+            <a:endParaRPr>
+              <a:latin typeface="Montserrat"/>
+              <a:ea typeface="Montserrat"/>
+              <a:cs typeface="Montserrat"/>
+              <a:sym typeface="Montserrat"/>
+            </a:endParaRPr>
           </a:p>
         </p:txBody>
       </p:sp>
+      <p:pic>
+        <p:nvPicPr>
+          <p:cNvPr id="220" name="Google Shape;220;p21"/>
+          <p:cNvPicPr preferRelativeResize="0"/>
+          <p:nvPr/>
+        </p:nvPicPr>
+        <p:blipFill>
+          <a:blip r:embed="rId3">
+            <a:alphaModFix/>
+          </a:blip>
+          <a:stretch>
+            <a:fillRect/>
+          </a:stretch>
+        </p:blipFill>
+        <p:spPr>
+          <a:xfrm>
+            <a:off x="0" y="1770605"/>
+            <a:ext cx="9144000" cy="2283641"/>
+          </a:xfrm>
+          <a:prstGeom prst="rect">
+            <a:avLst/>
+          </a:prstGeom>
+          <a:noFill/>
+          <a:ln>
+            <a:noFill/>
+          </a:ln>
+        </p:spPr>
+      </p:pic>
     </p:spTree>
   </p:cSld>
   <p:clrMapOvr>
@@ -16025,6 +20133,285 @@
 </file>
 
 <file path=ppt/theme/theme1.xml><?xml version="1.0" encoding="utf-8"?>
+<a:theme xmlns:a="http://schemas.openxmlformats.org/drawingml/2006/main" xmlns:r="http://schemas.openxmlformats.org/officeDocument/2006/relationships" name="Focus">
+  <a:themeElements>
+    <a:clrScheme name="Focus">
+      <a:dk1>
+        <a:srgbClr val="1B212C"/>
+      </a:dk1>
+      <a:lt1>
+        <a:srgbClr val="FFFFFF"/>
+      </a:lt1>
+      <a:dk2>
+        <a:srgbClr val="D9D9D9"/>
+      </a:dk2>
+      <a:lt2>
+        <a:srgbClr val="82C7A5"/>
+      </a:lt2>
+      <a:accent1>
+        <a:srgbClr val="0145AC"/>
+      </a:accent1>
+      <a:accent2>
+        <a:srgbClr val="EECE1A"/>
+      </a:accent2>
+      <a:accent3>
+        <a:srgbClr val="4E5567"/>
+      </a:accent3>
+      <a:accent4>
+        <a:srgbClr val="F4D6AD"/>
+      </a:accent4>
+      <a:accent5>
+        <a:srgbClr val="7890CD"/>
+      </a:accent5>
+      <a:accent6>
+        <a:srgbClr val="F15E22"/>
+      </a:accent6>
+      <a:hlink>
+        <a:srgbClr val="7890CD"/>
+      </a:hlink>
+      <a:folHlink>
+        <a:srgbClr val="7890CD"/>
+      </a:folHlink>
+    </a:clrScheme>
+    <a:fontScheme name="Office">
+      <a:majorFont>
+        <a:latin typeface="Arial"/>
+        <a:ea typeface=""/>
+        <a:cs typeface=""/>
+        <a:font script="Jpan" typeface="ＭＳ Ｐゴシック"/>
+        <a:font script="Hang" typeface="맑은 고딕"/>
+        <a:font script="Hans" typeface="宋体"/>
+        <a:font script="Hant" typeface="新細明體"/>
+        <a:font script="Arab" typeface="Times New Roman"/>
+        <a:font script="Hebr" typeface="Times New Roman"/>
+        <a:font script="Thai" typeface="Angsana New"/>
+        <a:font script="Ethi" typeface="Nyala"/>
+        <a:font script="Beng" typeface="Vrinda"/>
+        <a:font script="Gujr" typeface="Shruti"/>
+        <a:font script="Khmr" typeface="MoolBoran"/>
+        <a:font script="Knda" typeface="Tunga"/>
+        <a:font script="Guru" typeface="Raavi"/>
+        <a:font script="Cans" typeface="Euphemia"/>
+        <a:font script="Cher" typeface="Plantagenet Cherokee"/>
+        <a:font script="Yiii" typeface="Microsoft Yi Baiti"/>
+        <a:font script="Tibt" typeface="Microsoft Himalaya"/>
+        <a:font script="Thaa" typeface="MV Boli"/>
+        <a:font script="Deva" typeface="Mangal"/>
+        <a:font script="Telu" typeface="Gautami"/>
+        <a:font script="Taml" typeface="Latha"/>
+        <a:font script="Syrc" typeface="Estrangelo Edessa"/>
+        <a:font script="Orya" typeface="Kalinga"/>
+        <a:font script="Mlym" typeface="Kartika"/>
+        <a:font script="Laoo" typeface="DokChampa"/>
+        <a:font script="Sinh" typeface="Iskoola Pota"/>
+        <a:font script="Mong" typeface="Mongolian Baiti"/>
+        <a:font script="Viet" typeface="Times New Roman"/>
+        <a:font script="Uigh" typeface="Microsoft Uighur"/>
+        <a:font script="Geor" typeface="Sylfaen"/>
+      </a:majorFont>
+      <a:minorFont>
+        <a:latin typeface="Arial"/>
+        <a:ea typeface=""/>
+        <a:cs typeface=""/>
+        <a:font script="Jpan" typeface="ＭＳ Ｐゴシック"/>
+        <a:font script="Hang" typeface="맑은 고딕"/>
+        <a:font script="Hans" typeface="宋体"/>
+        <a:font script="Hant" typeface="新細明體"/>
+        <a:font script="Arab" typeface="Arial"/>
+        <a:font script="Hebr" typeface="Arial"/>
+        <a:font script="Thai" typeface="Cordia New"/>
+        <a:font script="Ethi" typeface="Nyala"/>
+        <a:font script="Beng" typeface="Vrinda"/>
+        <a:font script="Gujr" typeface="Shruti"/>
+        <a:font script="Khmr" typeface="DaunPenh"/>
+        <a:font script="Knda" typeface="Tunga"/>
+        <a:font script="Guru" typeface="Raavi"/>
+        <a:font script="Cans" typeface="Euphemia"/>
+        <a:font script="Cher" typeface="Plantagenet Cherokee"/>
+        <a:font script="Yiii" typeface="Microsoft Yi Baiti"/>
+        <a:font script="Tibt" typeface="Microsoft Himalaya"/>
+        <a:font script="Thaa" typeface="MV Boli"/>
+        <a:font script="Deva" typeface="Mangal"/>
+        <a:font script="Telu" typeface="Gautami"/>
+        <a:font script="Taml" typeface="Latha"/>
+        <a:font script="Syrc" typeface="Estrangelo Edessa"/>
+        <a:font script="Orya" typeface="Kalinga"/>
+        <a:font script="Mlym" typeface="Kartika"/>
+        <a:font script="Laoo" typeface="DokChampa"/>
+        <a:font script="Sinh" typeface="Iskoola Pota"/>
+        <a:font script="Mong" typeface="Mongolian Baiti"/>
+        <a:font script="Viet" typeface="Arial"/>
+        <a:font script="Uigh" typeface="Microsoft Uighur"/>
+        <a:font script="Geor" typeface="Sylfaen"/>
+      </a:minorFont>
+    </a:fontScheme>
+    <a:fmtScheme name="Office">
+      <a:fillStyleLst>
+        <a:solidFill>
+          <a:schemeClr val="phClr"/>
+        </a:solidFill>
+        <a:gradFill rotWithShape="1">
+          <a:gsLst>
+            <a:gs pos="0">
+              <a:schemeClr val="phClr">
+                <a:tint val="50000"/>
+                <a:satMod val="300000"/>
+              </a:schemeClr>
+            </a:gs>
+            <a:gs pos="35000">
+              <a:schemeClr val="phClr">
+                <a:tint val="37000"/>
+                <a:satMod val="300000"/>
+              </a:schemeClr>
+            </a:gs>
+            <a:gs pos="100000">
+              <a:schemeClr val="phClr">
+                <a:tint val="15000"/>
+                <a:satMod val="350000"/>
+              </a:schemeClr>
+            </a:gs>
+          </a:gsLst>
+          <a:lin ang="16200000" scaled="1"/>
+        </a:gradFill>
+        <a:gradFill rotWithShape="1">
+          <a:gsLst>
+            <a:gs pos="0">
+              <a:schemeClr val="phClr">
+                <a:tint val="100000"/>
+                <a:shade val="100000"/>
+                <a:satMod val="130000"/>
+              </a:schemeClr>
+            </a:gs>
+            <a:gs pos="100000">
+              <a:schemeClr val="phClr">
+                <a:tint val="50000"/>
+                <a:shade val="100000"/>
+                <a:satMod val="350000"/>
+              </a:schemeClr>
+            </a:gs>
+          </a:gsLst>
+          <a:lin ang="16200000" scaled="0"/>
+        </a:gradFill>
+      </a:fillStyleLst>
+      <a:lnStyleLst>
+        <a:ln w="9525" cap="flat" cmpd="sng" algn="ctr">
+          <a:solidFill>
+            <a:schemeClr val="phClr">
+              <a:shade val="95000"/>
+              <a:satMod val="105000"/>
+            </a:schemeClr>
+          </a:solidFill>
+          <a:prstDash val="solid"/>
+        </a:ln>
+        <a:ln w="25400" cap="flat" cmpd="sng" algn="ctr">
+          <a:solidFill>
+            <a:schemeClr val="phClr"/>
+          </a:solidFill>
+          <a:prstDash val="solid"/>
+        </a:ln>
+        <a:ln w="38100" cap="flat" cmpd="sng" algn="ctr">
+          <a:solidFill>
+            <a:schemeClr val="phClr"/>
+          </a:solidFill>
+          <a:prstDash val="solid"/>
+        </a:ln>
+      </a:lnStyleLst>
+      <a:effectStyleLst>
+        <a:effectStyle>
+          <a:effectLst>
+            <a:outerShdw blurRad="40000" dist="20000" dir="5400000" rotWithShape="0">
+              <a:srgbClr val="000000">
+                <a:alpha val="38000"/>
+              </a:srgbClr>
+            </a:outerShdw>
+          </a:effectLst>
+        </a:effectStyle>
+        <a:effectStyle>
+          <a:effectLst>
+            <a:outerShdw blurRad="40000" dist="23000" dir="5400000" rotWithShape="0">
+              <a:srgbClr val="000000">
+                <a:alpha val="35000"/>
+              </a:srgbClr>
+            </a:outerShdw>
+          </a:effectLst>
+        </a:effectStyle>
+        <a:effectStyle>
+          <a:effectLst>
+            <a:outerShdw blurRad="40000" dist="23000" dir="5400000" rotWithShape="0">
+              <a:srgbClr val="000000">
+                <a:alpha val="35000"/>
+              </a:srgbClr>
+            </a:outerShdw>
+          </a:effectLst>
+          <a:scene3d>
+            <a:camera prst="orthographicFront">
+              <a:rot lat="0" lon="0" rev="0"/>
+            </a:camera>
+            <a:lightRig rig="threePt" dir="t">
+              <a:rot lat="0" lon="0" rev="1200000"/>
+            </a:lightRig>
+          </a:scene3d>
+          <a:sp3d>
+            <a:bevelT w="63500" h="25400"/>
+          </a:sp3d>
+        </a:effectStyle>
+      </a:effectStyleLst>
+      <a:bgFillStyleLst>
+        <a:solidFill>
+          <a:schemeClr val="phClr"/>
+        </a:solidFill>
+        <a:gradFill rotWithShape="1">
+          <a:gsLst>
+            <a:gs pos="0">
+              <a:schemeClr val="phClr">
+                <a:tint val="40000"/>
+                <a:satMod val="350000"/>
+              </a:schemeClr>
+            </a:gs>
+            <a:gs pos="40000">
+              <a:schemeClr val="phClr">
+                <a:tint val="45000"/>
+                <a:shade val="99000"/>
+                <a:satMod val="350000"/>
+              </a:schemeClr>
+            </a:gs>
+            <a:gs pos="100000">
+              <a:schemeClr val="phClr">
+                <a:shade val="20000"/>
+                <a:satMod val="255000"/>
+              </a:schemeClr>
+            </a:gs>
+          </a:gsLst>
+          <a:path path="circle">
+            <a:fillToRect l="50000" t="-80000" r="50000" b="180000"/>
+          </a:path>
+        </a:gradFill>
+        <a:gradFill rotWithShape="1">
+          <a:gsLst>
+            <a:gs pos="0">
+              <a:schemeClr val="phClr">
+                <a:tint val="80000"/>
+                <a:satMod val="300000"/>
+              </a:schemeClr>
+            </a:gs>
+            <a:gs pos="100000">
+              <a:schemeClr val="phClr">
+                <a:shade val="30000"/>
+                <a:satMod val="200000"/>
+              </a:schemeClr>
+            </a:gs>
+          </a:gsLst>
+          <a:path path="circle">
+            <a:fillToRect l="50000" t="50000" r="50000" b="50000"/>
+          </a:path>
+        </a:gradFill>
+      </a:bgFillStyleLst>
+    </a:fmtScheme>
+  </a:themeElements>
+</a:theme>
+</file>
+
+<file path=ppt/theme/theme2.xml><?xml version="1.0" encoding="utf-8"?>
 <a:theme xmlns:a="http://schemas.openxmlformats.org/drawingml/2006/main" xmlns:r="http://schemas.openxmlformats.org/officeDocument/2006/relationships">
   <a:themeElements>
     <a:clrScheme name="Default">
@@ -16301,283 +20688,4 @@
     </a:fmtScheme>
   </a:themeElements>
 </a:theme>
-</file>
-
-<file path=ppt/theme/theme2.xml><?xml version="1.0" encoding="utf-8"?>
-<a:theme xmlns:a="http://schemas.openxmlformats.org/drawingml/2006/main" xmlns:r="http://schemas.openxmlformats.org/officeDocument/2006/relationships" name="Focus">
-  <a:themeElements>
-    <a:clrScheme name="Focus">
-      <a:dk1>
-        <a:srgbClr val="1B212C"/>
-      </a:dk1>
-      <a:lt1>
-        <a:srgbClr val="FFFFFF"/>
-      </a:lt1>
-      <a:dk2>
-        <a:srgbClr val="D9D9D9"/>
-      </a:dk2>
-      <a:lt2>
-        <a:srgbClr val="82C7A5"/>
-      </a:lt2>
-      <a:accent1>
-        <a:srgbClr val="0145AC"/>
-      </a:accent1>
-      <a:accent2>
-        <a:srgbClr val="EECE1A"/>
-      </a:accent2>
-      <a:accent3>
-        <a:srgbClr val="4E5567"/>
-      </a:accent3>
-      <a:accent4>
-        <a:srgbClr val="F4D6AD"/>
-      </a:accent4>
-      <a:accent5>
-        <a:srgbClr val="7890CD"/>
-      </a:accent5>
-      <a:accent6>
-        <a:srgbClr val="F15E22"/>
-      </a:accent6>
-      <a:hlink>
-        <a:srgbClr val="7890CD"/>
-      </a:hlink>
-      <a:folHlink>
-        <a:srgbClr val="7890CD"/>
-      </a:folHlink>
-    </a:clrScheme>
-    <a:fontScheme name="Office">
-      <a:majorFont>
-        <a:latin typeface="Arial"/>
-        <a:ea typeface=""/>
-        <a:cs typeface=""/>
-        <a:font script="Jpan" typeface="ＭＳ Ｐゴシック"/>
-        <a:font script="Hang" typeface="맑은 고딕"/>
-        <a:font script="Hans" typeface="宋体"/>
-        <a:font script="Hant" typeface="新細明體"/>
-        <a:font script="Arab" typeface="Times New Roman"/>
-        <a:font script="Hebr" typeface="Times New Roman"/>
-        <a:font script="Thai" typeface="Angsana New"/>
-        <a:font script="Ethi" typeface="Nyala"/>
-        <a:font script="Beng" typeface="Vrinda"/>
-        <a:font script="Gujr" typeface="Shruti"/>
-        <a:font script="Khmr" typeface="MoolBoran"/>
-        <a:font script="Knda" typeface="Tunga"/>
-        <a:font script="Guru" typeface="Raavi"/>
-        <a:font script="Cans" typeface="Euphemia"/>
-        <a:font script="Cher" typeface="Plantagenet Cherokee"/>
-        <a:font script="Yiii" typeface="Microsoft Yi Baiti"/>
-        <a:font script="Tibt" typeface="Microsoft Himalaya"/>
-        <a:font script="Thaa" typeface="MV Boli"/>
-        <a:font script="Deva" typeface="Mangal"/>
-        <a:font script="Telu" typeface="Gautami"/>
-        <a:font script="Taml" typeface="Latha"/>
-        <a:font script="Syrc" typeface="Estrangelo Edessa"/>
-        <a:font script="Orya" typeface="Kalinga"/>
-        <a:font script="Mlym" typeface="Kartika"/>
-        <a:font script="Laoo" typeface="DokChampa"/>
-        <a:font script="Sinh" typeface="Iskoola Pota"/>
-        <a:font script="Mong" typeface="Mongolian Baiti"/>
-        <a:font script="Viet" typeface="Times New Roman"/>
-        <a:font script="Uigh" typeface="Microsoft Uighur"/>
-        <a:font script="Geor" typeface="Sylfaen"/>
-      </a:majorFont>
-      <a:minorFont>
-        <a:latin typeface="Arial"/>
-        <a:ea typeface=""/>
-        <a:cs typeface=""/>
-        <a:font script="Jpan" typeface="ＭＳ Ｐゴシック"/>
-        <a:font script="Hang" typeface="맑은 고딕"/>
-        <a:font script="Hans" typeface="宋体"/>
-        <a:font script="Hant" typeface="新細明體"/>
-        <a:font script="Arab" typeface="Arial"/>
-        <a:font script="Hebr" typeface="Arial"/>
-        <a:font script="Thai" typeface="Cordia New"/>
-        <a:font script="Ethi" typeface="Nyala"/>
-        <a:font script="Beng" typeface="Vrinda"/>
-        <a:font script="Gujr" typeface="Shruti"/>
-        <a:font script="Khmr" typeface="DaunPenh"/>
-        <a:font script="Knda" typeface="Tunga"/>
-        <a:font script="Guru" typeface="Raavi"/>
-        <a:font script="Cans" typeface="Euphemia"/>
-        <a:font script="Cher" typeface="Plantagenet Cherokee"/>
-        <a:font script="Yiii" typeface="Microsoft Yi Baiti"/>
-        <a:font script="Tibt" typeface="Microsoft Himalaya"/>
-        <a:font script="Thaa" typeface="MV Boli"/>
-        <a:font script="Deva" typeface="Mangal"/>
-        <a:font script="Telu" typeface="Gautami"/>
-        <a:font script="Taml" typeface="Latha"/>
-        <a:font script="Syrc" typeface="Estrangelo Edessa"/>
-        <a:font script="Orya" typeface="Kalinga"/>
-        <a:font script="Mlym" typeface="Kartika"/>
-        <a:font script="Laoo" typeface="DokChampa"/>
-        <a:font script="Sinh" typeface="Iskoola Pota"/>
-        <a:font script="Mong" typeface="Mongolian Baiti"/>
-        <a:font script="Viet" typeface="Arial"/>
-        <a:font script="Uigh" typeface="Microsoft Uighur"/>
-        <a:font script="Geor" typeface="Sylfaen"/>
-      </a:minorFont>
-    </a:fontScheme>
-    <a:fmtScheme name="Office">
-      <a:fillStyleLst>
-        <a:solidFill>
-          <a:schemeClr val="phClr"/>
-        </a:solidFill>
-        <a:gradFill rotWithShape="1">
-          <a:gsLst>
-            <a:gs pos="0">
-              <a:schemeClr val="phClr">
-                <a:tint val="50000"/>
-                <a:satMod val="300000"/>
-              </a:schemeClr>
-            </a:gs>
-            <a:gs pos="35000">
-              <a:schemeClr val="phClr">
-                <a:tint val="37000"/>
-                <a:satMod val="300000"/>
-              </a:schemeClr>
-            </a:gs>
-            <a:gs pos="100000">
-              <a:schemeClr val="phClr">
-                <a:tint val="15000"/>
-                <a:satMod val="350000"/>
-              </a:schemeClr>
-            </a:gs>
-          </a:gsLst>
-          <a:lin ang="16200000" scaled="1"/>
-        </a:gradFill>
-        <a:gradFill rotWithShape="1">
-          <a:gsLst>
-            <a:gs pos="0">
-              <a:schemeClr val="phClr">
-                <a:tint val="100000"/>
-                <a:shade val="100000"/>
-                <a:satMod val="130000"/>
-              </a:schemeClr>
-            </a:gs>
-            <a:gs pos="100000">
-              <a:schemeClr val="phClr">
-                <a:tint val="50000"/>
-                <a:shade val="100000"/>
-                <a:satMod val="350000"/>
-              </a:schemeClr>
-            </a:gs>
-          </a:gsLst>
-          <a:lin ang="16200000" scaled="0"/>
-        </a:gradFill>
-      </a:fillStyleLst>
-      <a:lnStyleLst>
-        <a:ln w="9525" cap="flat" cmpd="sng" algn="ctr">
-          <a:solidFill>
-            <a:schemeClr val="phClr">
-              <a:shade val="95000"/>
-              <a:satMod val="105000"/>
-            </a:schemeClr>
-          </a:solidFill>
-          <a:prstDash val="solid"/>
-        </a:ln>
-        <a:ln w="25400" cap="flat" cmpd="sng" algn="ctr">
-          <a:solidFill>
-            <a:schemeClr val="phClr"/>
-          </a:solidFill>
-          <a:prstDash val="solid"/>
-        </a:ln>
-        <a:ln w="38100" cap="flat" cmpd="sng" algn="ctr">
-          <a:solidFill>
-            <a:schemeClr val="phClr"/>
-          </a:solidFill>
-          <a:prstDash val="solid"/>
-        </a:ln>
-      </a:lnStyleLst>
-      <a:effectStyleLst>
-        <a:effectStyle>
-          <a:effectLst>
-            <a:outerShdw blurRad="40000" dist="20000" dir="5400000" rotWithShape="0">
-              <a:srgbClr val="000000">
-                <a:alpha val="38000"/>
-              </a:srgbClr>
-            </a:outerShdw>
-          </a:effectLst>
-        </a:effectStyle>
-        <a:effectStyle>
-          <a:effectLst>
-            <a:outerShdw blurRad="40000" dist="23000" dir="5400000" rotWithShape="0">
-              <a:srgbClr val="000000">
-                <a:alpha val="35000"/>
-              </a:srgbClr>
-            </a:outerShdw>
-          </a:effectLst>
-        </a:effectStyle>
-        <a:effectStyle>
-          <a:effectLst>
-            <a:outerShdw blurRad="40000" dist="23000" dir="5400000" rotWithShape="0">
-              <a:srgbClr val="000000">
-                <a:alpha val="35000"/>
-              </a:srgbClr>
-            </a:outerShdw>
-          </a:effectLst>
-          <a:scene3d>
-            <a:camera prst="orthographicFront">
-              <a:rot lat="0" lon="0" rev="0"/>
-            </a:camera>
-            <a:lightRig rig="threePt" dir="t">
-              <a:rot lat="0" lon="0" rev="1200000"/>
-            </a:lightRig>
-          </a:scene3d>
-          <a:sp3d>
-            <a:bevelT w="63500" h="25400"/>
-          </a:sp3d>
-        </a:effectStyle>
-      </a:effectStyleLst>
-      <a:bgFillStyleLst>
-        <a:solidFill>
-          <a:schemeClr val="phClr"/>
-        </a:solidFill>
-        <a:gradFill rotWithShape="1">
-          <a:gsLst>
-            <a:gs pos="0">
-              <a:schemeClr val="phClr">
-                <a:tint val="40000"/>
-                <a:satMod val="350000"/>
-              </a:schemeClr>
-            </a:gs>
-            <a:gs pos="40000">
-              <a:schemeClr val="phClr">
-                <a:tint val="45000"/>
-                <a:shade val="99000"/>
-                <a:satMod val="350000"/>
-              </a:schemeClr>
-            </a:gs>
-            <a:gs pos="100000">
-              <a:schemeClr val="phClr">
-                <a:shade val="20000"/>
-                <a:satMod val="255000"/>
-              </a:schemeClr>
-            </a:gs>
-          </a:gsLst>
-          <a:path path="circle">
-            <a:fillToRect l="50000" t="-80000" r="50000" b="180000"/>
-          </a:path>
-        </a:gradFill>
-        <a:gradFill rotWithShape="1">
-          <a:gsLst>
-            <a:gs pos="0">
-              <a:schemeClr val="phClr">
-                <a:tint val="80000"/>
-                <a:satMod val="300000"/>
-              </a:schemeClr>
-            </a:gs>
-            <a:gs pos="100000">
-              <a:schemeClr val="phClr">
-                <a:shade val="30000"/>
-                <a:satMod val="200000"/>
-              </a:schemeClr>
-            </a:gs>
-          </a:gsLst>
-          <a:path path="circle">
-            <a:fillToRect l="50000" t="50000" r="50000" b="50000"/>
-          </a:path>
-        </a:gradFill>
-      </a:bgFillStyleLst>
-    </a:fmtScheme>
-  </a:themeElements>
-</a:theme>
 </file>